--- a/Audit-1/WS2122_ChouliarasBurgdorfWolf_Audit1.pptx
+++ b/Audit-1/WS2122_ChouliarasBurgdorfWolf_Audit1.pptx
@@ -266,7 +266,7 @@
           <a:p>
             <a:fld id="{25653B46-49E9-49CA-9AB5-C5A747C8BE70}" type="datetimeFigureOut">
               <a:rPr lang="de-DE" smtClean="0"/>
-              <a:t>09.11.2022</a:t>
+              <a:t>09.11.22</a:t>
             </a:fld>
             <a:endParaRPr lang="de-DE"/>
           </a:p>
@@ -464,7 +464,7 @@
           <a:p>
             <a:fld id="{25653B46-49E9-49CA-9AB5-C5A747C8BE70}" type="datetimeFigureOut">
               <a:rPr lang="de-DE" smtClean="0"/>
-              <a:t>09.11.2022</a:t>
+              <a:t>09.11.22</a:t>
             </a:fld>
             <a:endParaRPr lang="de-DE"/>
           </a:p>
@@ -672,7 +672,7 @@
           <a:p>
             <a:fld id="{25653B46-49E9-49CA-9AB5-C5A747C8BE70}" type="datetimeFigureOut">
               <a:rPr lang="de-DE" smtClean="0"/>
-              <a:t>09.11.2022</a:t>
+              <a:t>09.11.22</a:t>
             </a:fld>
             <a:endParaRPr lang="de-DE"/>
           </a:p>
@@ -870,7 +870,7 @@
           <a:p>
             <a:fld id="{25653B46-49E9-49CA-9AB5-C5A747C8BE70}" type="datetimeFigureOut">
               <a:rPr lang="de-DE" smtClean="0"/>
-              <a:t>09.11.2022</a:t>
+              <a:t>09.11.22</a:t>
             </a:fld>
             <a:endParaRPr lang="de-DE"/>
           </a:p>
@@ -1145,7 +1145,7 @@
           <a:p>
             <a:fld id="{25653B46-49E9-49CA-9AB5-C5A747C8BE70}" type="datetimeFigureOut">
               <a:rPr lang="de-DE" smtClean="0"/>
-              <a:t>09.11.2022</a:t>
+              <a:t>09.11.22</a:t>
             </a:fld>
             <a:endParaRPr lang="de-DE"/>
           </a:p>
@@ -1410,7 +1410,7 @@
           <a:p>
             <a:fld id="{25653B46-49E9-49CA-9AB5-C5A747C8BE70}" type="datetimeFigureOut">
               <a:rPr lang="de-DE" smtClean="0"/>
-              <a:t>09.11.2022</a:t>
+              <a:t>09.11.22</a:t>
             </a:fld>
             <a:endParaRPr lang="de-DE"/>
           </a:p>
@@ -1822,7 +1822,7 @@
           <a:p>
             <a:fld id="{25653B46-49E9-49CA-9AB5-C5A747C8BE70}" type="datetimeFigureOut">
               <a:rPr lang="de-DE" smtClean="0"/>
-              <a:t>09.11.2022</a:t>
+              <a:t>09.11.22</a:t>
             </a:fld>
             <a:endParaRPr lang="de-DE"/>
           </a:p>
@@ -1963,7 +1963,7 @@
           <a:p>
             <a:fld id="{25653B46-49E9-49CA-9AB5-C5A747C8BE70}" type="datetimeFigureOut">
               <a:rPr lang="de-DE" smtClean="0"/>
-              <a:t>09.11.2022</a:t>
+              <a:t>09.11.22</a:t>
             </a:fld>
             <a:endParaRPr lang="de-DE"/>
           </a:p>
@@ -2076,7 +2076,7 @@
           <a:p>
             <a:fld id="{25653B46-49E9-49CA-9AB5-C5A747C8BE70}" type="datetimeFigureOut">
               <a:rPr lang="de-DE" smtClean="0"/>
-              <a:t>09.11.2022</a:t>
+              <a:t>09.11.22</a:t>
             </a:fld>
             <a:endParaRPr lang="de-DE"/>
           </a:p>
@@ -2387,7 +2387,7 @@
           <a:p>
             <a:fld id="{25653B46-49E9-49CA-9AB5-C5A747C8BE70}" type="datetimeFigureOut">
               <a:rPr lang="de-DE" smtClean="0"/>
-              <a:t>09.11.2022</a:t>
+              <a:t>09.11.22</a:t>
             </a:fld>
             <a:endParaRPr lang="de-DE"/>
           </a:p>
@@ -2675,7 +2675,7 @@
           <a:p>
             <a:fld id="{25653B46-49E9-49CA-9AB5-C5A747C8BE70}" type="datetimeFigureOut">
               <a:rPr lang="de-DE" smtClean="0"/>
-              <a:t>09.11.2022</a:t>
+              <a:t>09.11.22</a:t>
             </a:fld>
             <a:endParaRPr lang="de-DE"/>
           </a:p>
@@ -2916,7 +2916,7 @@
           <a:p>
             <a:fld id="{25653B46-49E9-49CA-9AB5-C5A747C8BE70}" type="datetimeFigureOut">
               <a:rPr lang="de-DE" smtClean="0"/>
-              <a:t>09.11.2022</a:t>
+              <a:t>09.11.22</a:t>
             </a:fld>
             <a:endParaRPr lang="de-DE"/>
           </a:p>
@@ -3357,7 +3357,7 @@
           </a:ln>
           <a:extLst>
             <a:ext uri="{C572A759-6A51-4108-AA02-DFA0A04FC94B}">
-              <ma14:wrappingTextBoxFlag xmlns="" xmlns:m="http://schemas.openxmlformats.org/officeDocument/2006/math" xmlns:a14="http://schemas.microsoft.com/office/drawing/2010/main" xmlns:ma14="http://schemas.microsoft.com/office/mac/drawingml/2011/main" val="1"/>
+              <ma14:wrappingTextBoxFlag xmlns:ma14="http://schemas.microsoft.com/office/mac/drawingml/2011/main" xmlns:a14="http://schemas.microsoft.com/office/drawing/2010/main" xmlns:m="http://schemas.openxmlformats.org/officeDocument/2006/math" xmlns="" val="1"/>
             </a:ext>
           </a:extLst>
         </p:spPr>
@@ -3408,7 +3408,7 @@
           </a:ln>
           <a:extLst>
             <a:ext uri="{C572A759-6A51-4108-AA02-DFA0A04FC94B}">
-              <ma14:wrappingTextBoxFlag xmlns="" xmlns:m="http://schemas.openxmlformats.org/officeDocument/2006/math" xmlns:a14="http://schemas.microsoft.com/office/drawing/2010/main" xmlns:ma14="http://schemas.microsoft.com/office/mac/drawingml/2011/main" val="1"/>
+              <ma14:wrappingTextBoxFlag xmlns:ma14="http://schemas.microsoft.com/office/mac/drawingml/2011/main" xmlns:a14="http://schemas.microsoft.com/office/drawing/2010/main" xmlns:m="http://schemas.openxmlformats.org/officeDocument/2006/math" xmlns="" val="1"/>
             </a:ext>
           </a:extLst>
         </p:spPr>
@@ -3459,7 +3459,7 @@
           </a:ln>
           <a:extLst>
             <a:ext uri="{C572A759-6A51-4108-AA02-DFA0A04FC94B}">
-              <ma14:wrappingTextBoxFlag xmlns="" xmlns:m="http://schemas.openxmlformats.org/officeDocument/2006/math" xmlns:a14="http://schemas.microsoft.com/office/drawing/2010/main" xmlns:ma14="http://schemas.microsoft.com/office/mac/drawingml/2011/main" val="1"/>
+              <ma14:wrappingTextBoxFlag xmlns:ma14="http://schemas.microsoft.com/office/mac/drawingml/2011/main" xmlns:a14="http://schemas.microsoft.com/office/drawing/2010/main" xmlns:m="http://schemas.openxmlformats.org/officeDocument/2006/math" xmlns="" val="1"/>
             </a:ext>
           </a:extLst>
         </p:spPr>
@@ -3510,7 +3510,7 @@
           </a:ln>
           <a:extLst>
             <a:ext uri="{C572A759-6A51-4108-AA02-DFA0A04FC94B}">
-              <ma14:wrappingTextBoxFlag xmlns="" xmlns:m="http://schemas.openxmlformats.org/officeDocument/2006/math" xmlns:a14="http://schemas.microsoft.com/office/drawing/2010/main" xmlns:ma14="http://schemas.microsoft.com/office/mac/drawingml/2011/main" val="1"/>
+              <ma14:wrappingTextBoxFlag xmlns:ma14="http://schemas.microsoft.com/office/mac/drawingml/2011/main" xmlns:a14="http://schemas.microsoft.com/office/drawing/2010/main" xmlns:m="http://schemas.openxmlformats.org/officeDocument/2006/math" xmlns="" val="1"/>
             </a:ext>
           </a:extLst>
         </p:spPr>
@@ -3561,7 +3561,7 @@
           </a:ln>
           <a:extLst>
             <a:ext uri="{C572A759-6A51-4108-AA02-DFA0A04FC94B}">
-              <ma14:wrappingTextBoxFlag xmlns="" xmlns:m="http://schemas.openxmlformats.org/officeDocument/2006/math" xmlns:a14="http://schemas.microsoft.com/office/drawing/2010/main" xmlns:ma14="http://schemas.microsoft.com/office/mac/drawingml/2011/main" val="1"/>
+              <ma14:wrappingTextBoxFlag xmlns:ma14="http://schemas.microsoft.com/office/mac/drawingml/2011/main" xmlns:a14="http://schemas.microsoft.com/office/drawing/2010/main" xmlns:m="http://schemas.openxmlformats.org/officeDocument/2006/math" xmlns="" val="1"/>
             </a:ext>
           </a:extLst>
         </p:spPr>
@@ -3612,7 +3612,7 @@
           </a:ln>
           <a:extLst>
             <a:ext uri="{C572A759-6A51-4108-AA02-DFA0A04FC94B}">
-              <ma14:wrappingTextBoxFlag xmlns="" xmlns:m="http://schemas.openxmlformats.org/officeDocument/2006/math" xmlns:a14="http://schemas.microsoft.com/office/drawing/2010/main" xmlns:ma14="http://schemas.microsoft.com/office/mac/drawingml/2011/main" val="1"/>
+              <ma14:wrappingTextBoxFlag xmlns:ma14="http://schemas.microsoft.com/office/mac/drawingml/2011/main" xmlns:a14="http://schemas.microsoft.com/office/drawing/2010/main" xmlns:m="http://schemas.openxmlformats.org/officeDocument/2006/math" xmlns="" val="1"/>
             </a:ext>
           </a:extLst>
         </p:spPr>
@@ -3663,7 +3663,7 @@
           </a:ln>
           <a:extLst>
             <a:ext uri="{C572A759-6A51-4108-AA02-DFA0A04FC94B}">
-              <ma14:wrappingTextBoxFlag xmlns="" xmlns:m="http://schemas.openxmlformats.org/officeDocument/2006/math" xmlns:a14="http://schemas.microsoft.com/office/drawing/2010/main" xmlns:ma14="http://schemas.microsoft.com/office/mac/drawingml/2011/main" val="1"/>
+              <ma14:wrappingTextBoxFlag xmlns:ma14="http://schemas.microsoft.com/office/mac/drawingml/2011/main" xmlns:a14="http://schemas.microsoft.com/office/drawing/2010/main" xmlns:m="http://schemas.openxmlformats.org/officeDocument/2006/math" xmlns="" val="1"/>
             </a:ext>
           </a:extLst>
         </p:spPr>
@@ -3714,7 +3714,7 @@
           </a:ln>
           <a:extLst>
             <a:ext uri="{C572A759-6A51-4108-AA02-DFA0A04FC94B}">
-              <ma14:wrappingTextBoxFlag xmlns="" xmlns:m="http://schemas.openxmlformats.org/officeDocument/2006/math" xmlns:a14="http://schemas.microsoft.com/office/drawing/2010/main" xmlns:ma14="http://schemas.microsoft.com/office/mac/drawingml/2011/main" val="1"/>
+              <ma14:wrappingTextBoxFlag xmlns:ma14="http://schemas.microsoft.com/office/mac/drawingml/2011/main" xmlns:a14="http://schemas.microsoft.com/office/drawing/2010/main" xmlns:m="http://schemas.openxmlformats.org/officeDocument/2006/math" xmlns="" val="1"/>
             </a:ext>
           </a:extLst>
         </p:spPr>
@@ -3765,7 +3765,7 @@
           </a:ln>
           <a:extLst>
             <a:ext uri="{C572A759-6A51-4108-AA02-DFA0A04FC94B}">
-              <ma14:wrappingTextBoxFlag xmlns="" xmlns:m="http://schemas.openxmlformats.org/officeDocument/2006/math" xmlns:a14="http://schemas.microsoft.com/office/drawing/2010/main" xmlns:ma14="http://schemas.microsoft.com/office/mac/drawingml/2011/main" val="1"/>
+              <ma14:wrappingTextBoxFlag xmlns:ma14="http://schemas.microsoft.com/office/mac/drawingml/2011/main" xmlns:a14="http://schemas.microsoft.com/office/drawing/2010/main" xmlns:m="http://schemas.openxmlformats.org/officeDocument/2006/math" xmlns="" val="1"/>
             </a:ext>
           </a:extLst>
         </p:spPr>
@@ -3816,7 +3816,7 @@
           </a:ln>
           <a:extLst>
             <a:ext uri="{C572A759-6A51-4108-AA02-DFA0A04FC94B}">
-              <ma14:wrappingTextBoxFlag xmlns="" xmlns:m="http://schemas.openxmlformats.org/officeDocument/2006/math" xmlns:a14="http://schemas.microsoft.com/office/drawing/2010/main" xmlns:ma14="http://schemas.microsoft.com/office/mac/drawingml/2011/main" val="1"/>
+              <ma14:wrappingTextBoxFlag xmlns:ma14="http://schemas.microsoft.com/office/mac/drawingml/2011/main" xmlns:a14="http://schemas.microsoft.com/office/drawing/2010/main" xmlns:m="http://schemas.openxmlformats.org/officeDocument/2006/math" xmlns="" val="1"/>
             </a:ext>
           </a:extLst>
         </p:spPr>
@@ -3867,7 +3867,7 @@
           </a:ln>
           <a:extLst>
             <a:ext uri="{C572A759-6A51-4108-AA02-DFA0A04FC94B}">
-              <ma14:wrappingTextBoxFlag xmlns="" xmlns:m="http://schemas.openxmlformats.org/officeDocument/2006/math" xmlns:a14="http://schemas.microsoft.com/office/drawing/2010/main" xmlns:ma14="http://schemas.microsoft.com/office/mac/drawingml/2011/main" val="1"/>
+              <ma14:wrappingTextBoxFlag xmlns:ma14="http://schemas.microsoft.com/office/mac/drawingml/2011/main" xmlns:a14="http://schemas.microsoft.com/office/drawing/2010/main" xmlns:m="http://schemas.openxmlformats.org/officeDocument/2006/math" xmlns="" val="1"/>
             </a:ext>
           </a:extLst>
         </p:spPr>
@@ -3918,7 +3918,7 @@
           </a:ln>
           <a:extLst>
             <a:ext uri="{C572A759-6A51-4108-AA02-DFA0A04FC94B}">
-              <ma14:wrappingTextBoxFlag xmlns="" xmlns:m="http://schemas.openxmlformats.org/officeDocument/2006/math" xmlns:a14="http://schemas.microsoft.com/office/drawing/2010/main" xmlns:ma14="http://schemas.microsoft.com/office/mac/drawingml/2011/main" val="1"/>
+              <ma14:wrappingTextBoxFlag xmlns:ma14="http://schemas.microsoft.com/office/mac/drawingml/2011/main" xmlns:a14="http://schemas.microsoft.com/office/drawing/2010/main" xmlns:m="http://schemas.openxmlformats.org/officeDocument/2006/math" xmlns="" val="1"/>
             </a:ext>
           </a:extLst>
         </p:spPr>
@@ -3969,7 +3969,7 @@
           </a:ln>
           <a:extLst>
             <a:ext uri="{C572A759-6A51-4108-AA02-DFA0A04FC94B}">
-              <ma14:wrappingTextBoxFlag xmlns="" xmlns:m="http://schemas.openxmlformats.org/officeDocument/2006/math" xmlns:a14="http://schemas.microsoft.com/office/drawing/2010/main" xmlns:ma14="http://schemas.microsoft.com/office/mac/drawingml/2011/main" val="1"/>
+              <ma14:wrappingTextBoxFlag xmlns:ma14="http://schemas.microsoft.com/office/mac/drawingml/2011/main" xmlns:a14="http://schemas.microsoft.com/office/drawing/2010/main" xmlns:m="http://schemas.openxmlformats.org/officeDocument/2006/math" xmlns="" val="1"/>
             </a:ext>
           </a:extLst>
         </p:spPr>
@@ -4020,7 +4020,7 @@
           </a:ln>
           <a:extLst>
             <a:ext uri="{C572A759-6A51-4108-AA02-DFA0A04FC94B}">
-              <ma14:wrappingTextBoxFlag xmlns="" xmlns:m="http://schemas.openxmlformats.org/officeDocument/2006/math" xmlns:a14="http://schemas.microsoft.com/office/drawing/2010/main" xmlns:ma14="http://schemas.microsoft.com/office/mac/drawingml/2011/main" val="1"/>
+              <ma14:wrappingTextBoxFlag xmlns:ma14="http://schemas.microsoft.com/office/mac/drawingml/2011/main" xmlns:a14="http://schemas.microsoft.com/office/drawing/2010/main" xmlns:m="http://schemas.openxmlformats.org/officeDocument/2006/math" xmlns="" val="1"/>
             </a:ext>
           </a:extLst>
         </p:spPr>
@@ -4071,7 +4071,7 @@
           </a:ln>
           <a:extLst>
             <a:ext uri="{C572A759-6A51-4108-AA02-DFA0A04FC94B}">
-              <ma14:wrappingTextBoxFlag xmlns="" xmlns:m="http://schemas.openxmlformats.org/officeDocument/2006/math" xmlns:a14="http://schemas.microsoft.com/office/drawing/2010/main" xmlns:ma14="http://schemas.microsoft.com/office/mac/drawingml/2011/main" val="1"/>
+              <ma14:wrappingTextBoxFlag xmlns:ma14="http://schemas.microsoft.com/office/mac/drawingml/2011/main" xmlns:a14="http://schemas.microsoft.com/office/drawing/2010/main" xmlns:m="http://schemas.openxmlformats.org/officeDocument/2006/math" xmlns="" val="1"/>
             </a:ext>
           </a:extLst>
         </p:spPr>
@@ -4122,7 +4122,7 @@
           </a:ln>
           <a:extLst>
             <a:ext uri="{C572A759-6A51-4108-AA02-DFA0A04FC94B}">
-              <ma14:wrappingTextBoxFlag xmlns="" xmlns:m="http://schemas.openxmlformats.org/officeDocument/2006/math" xmlns:a14="http://schemas.microsoft.com/office/drawing/2010/main" xmlns:ma14="http://schemas.microsoft.com/office/mac/drawingml/2011/main" val="1"/>
+              <ma14:wrappingTextBoxFlag xmlns:ma14="http://schemas.microsoft.com/office/mac/drawingml/2011/main" xmlns:a14="http://schemas.microsoft.com/office/drawing/2010/main" xmlns:m="http://schemas.openxmlformats.org/officeDocument/2006/math" xmlns="" val="1"/>
             </a:ext>
           </a:extLst>
         </p:spPr>
@@ -4173,7 +4173,7 @@
           </a:ln>
           <a:extLst>
             <a:ext uri="{C572A759-6A51-4108-AA02-DFA0A04FC94B}">
-              <ma14:wrappingTextBoxFlag xmlns="" xmlns:m="http://schemas.openxmlformats.org/officeDocument/2006/math" xmlns:a14="http://schemas.microsoft.com/office/drawing/2010/main" xmlns:ma14="http://schemas.microsoft.com/office/mac/drawingml/2011/main" val="1"/>
+              <ma14:wrappingTextBoxFlag xmlns:ma14="http://schemas.microsoft.com/office/mac/drawingml/2011/main" xmlns:a14="http://schemas.microsoft.com/office/drawing/2010/main" xmlns:m="http://schemas.openxmlformats.org/officeDocument/2006/math" xmlns="" val="1"/>
             </a:ext>
           </a:extLst>
         </p:spPr>
@@ -4224,7 +4224,7 @@
           </a:ln>
           <a:extLst>
             <a:ext uri="{C572A759-6A51-4108-AA02-DFA0A04FC94B}">
-              <ma14:wrappingTextBoxFlag xmlns="" xmlns:m="http://schemas.openxmlformats.org/officeDocument/2006/math" xmlns:a14="http://schemas.microsoft.com/office/drawing/2010/main" xmlns:ma14="http://schemas.microsoft.com/office/mac/drawingml/2011/main" val="1"/>
+              <ma14:wrappingTextBoxFlag xmlns:ma14="http://schemas.microsoft.com/office/mac/drawingml/2011/main" xmlns:a14="http://schemas.microsoft.com/office/drawing/2010/main" xmlns:m="http://schemas.openxmlformats.org/officeDocument/2006/math" xmlns="" val="1"/>
             </a:ext>
           </a:extLst>
         </p:spPr>
@@ -4275,7 +4275,7 @@
           </a:ln>
           <a:extLst>
             <a:ext uri="{C572A759-6A51-4108-AA02-DFA0A04FC94B}">
-              <ma14:wrappingTextBoxFlag xmlns="" xmlns:m="http://schemas.openxmlformats.org/officeDocument/2006/math" xmlns:a14="http://schemas.microsoft.com/office/drawing/2010/main" xmlns:ma14="http://schemas.microsoft.com/office/mac/drawingml/2011/main" val="1"/>
+              <ma14:wrappingTextBoxFlag xmlns:ma14="http://schemas.microsoft.com/office/mac/drawingml/2011/main" xmlns:a14="http://schemas.microsoft.com/office/drawing/2010/main" xmlns:m="http://schemas.openxmlformats.org/officeDocument/2006/math" xmlns="" val="1"/>
             </a:ext>
           </a:extLst>
         </p:spPr>
@@ -4326,7 +4326,7 @@
           </a:ln>
           <a:extLst>
             <a:ext uri="{C572A759-6A51-4108-AA02-DFA0A04FC94B}">
-              <ma14:wrappingTextBoxFlag xmlns="" xmlns:m="http://schemas.openxmlformats.org/officeDocument/2006/math" xmlns:a14="http://schemas.microsoft.com/office/drawing/2010/main" xmlns:ma14="http://schemas.microsoft.com/office/mac/drawingml/2011/main" val="1"/>
+              <ma14:wrappingTextBoxFlag xmlns:ma14="http://schemas.microsoft.com/office/mac/drawingml/2011/main" xmlns:a14="http://schemas.microsoft.com/office/drawing/2010/main" xmlns:m="http://schemas.openxmlformats.org/officeDocument/2006/math" xmlns="" val="1"/>
             </a:ext>
           </a:extLst>
         </p:spPr>
@@ -4377,7 +4377,7 @@
           </a:ln>
           <a:extLst>
             <a:ext uri="{C572A759-6A51-4108-AA02-DFA0A04FC94B}">
-              <ma14:wrappingTextBoxFlag xmlns="" xmlns:m="http://schemas.openxmlformats.org/officeDocument/2006/math" xmlns:a14="http://schemas.microsoft.com/office/drawing/2010/main" xmlns:ma14="http://schemas.microsoft.com/office/mac/drawingml/2011/main" val="1"/>
+              <ma14:wrappingTextBoxFlag xmlns:ma14="http://schemas.microsoft.com/office/mac/drawingml/2011/main" xmlns:a14="http://schemas.microsoft.com/office/drawing/2010/main" xmlns:m="http://schemas.openxmlformats.org/officeDocument/2006/math" xmlns="" val="1"/>
             </a:ext>
           </a:extLst>
         </p:spPr>
@@ -4428,7 +4428,7 @@
           </a:ln>
           <a:extLst>
             <a:ext uri="{C572A759-6A51-4108-AA02-DFA0A04FC94B}">
-              <ma14:wrappingTextBoxFlag xmlns="" xmlns:m="http://schemas.openxmlformats.org/officeDocument/2006/math" xmlns:a14="http://schemas.microsoft.com/office/drawing/2010/main" xmlns:ma14="http://schemas.microsoft.com/office/mac/drawingml/2011/main" val="1"/>
+              <ma14:wrappingTextBoxFlag xmlns:ma14="http://schemas.microsoft.com/office/mac/drawingml/2011/main" xmlns:a14="http://schemas.microsoft.com/office/drawing/2010/main" xmlns:m="http://schemas.openxmlformats.org/officeDocument/2006/math" xmlns="" val="1"/>
             </a:ext>
           </a:extLst>
         </p:spPr>
@@ -4479,7 +4479,7 @@
           </a:ln>
           <a:extLst>
             <a:ext uri="{C572A759-6A51-4108-AA02-DFA0A04FC94B}">
-              <ma14:wrappingTextBoxFlag xmlns="" xmlns:m="http://schemas.openxmlformats.org/officeDocument/2006/math" xmlns:a14="http://schemas.microsoft.com/office/drawing/2010/main" xmlns:ma14="http://schemas.microsoft.com/office/mac/drawingml/2011/main" val="1"/>
+              <ma14:wrappingTextBoxFlag xmlns:ma14="http://schemas.microsoft.com/office/mac/drawingml/2011/main" xmlns:a14="http://schemas.microsoft.com/office/drawing/2010/main" xmlns:m="http://schemas.openxmlformats.org/officeDocument/2006/math" xmlns="" val="1"/>
             </a:ext>
           </a:extLst>
         </p:spPr>
@@ -4530,7 +4530,7 @@
           </a:ln>
           <a:extLst>
             <a:ext uri="{C572A759-6A51-4108-AA02-DFA0A04FC94B}">
-              <ma14:wrappingTextBoxFlag xmlns="" xmlns:m="http://schemas.openxmlformats.org/officeDocument/2006/math" xmlns:a14="http://schemas.microsoft.com/office/drawing/2010/main" xmlns:ma14="http://schemas.microsoft.com/office/mac/drawingml/2011/main" val="1"/>
+              <ma14:wrappingTextBoxFlag xmlns:ma14="http://schemas.microsoft.com/office/mac/drawingml/2011/main" xmlns:a14="http://schemas.microsoft.com/office/drawing/2010/main" xmlns:m="http://schemas.openxmlformats.org/officeDocument/2006/math" xmlns="" val="1"/>
             </a:ext>
           </a:extLst>
         </p:spPr>
@@ -4581,7 +4581,7 @@
           </a:ln>
           <a:extLst>
             <a:ext uri="{C572A759-6A51-4108-AA02-DFA0A04FC94B}">
-              <ma14:wrappingTextBoxFlag xmlns="" xmlns:m="http://schemas.openxmlformats.org/officeDocument/2006/math" xmlns:a14="http://schemas.microsoft.com/office/drawing/2010/main" xmlns:ma14="http://schemas.microsoft.com/office/mac/drawingml/2011/main" val="1"/>
+              <ma14:wrappingTextBoxFlag xmlns:ma14="http://schemas.microsoft.com/office/mac/drawingml/2011/main" xmlns:a14="http://schemas.microsoft.com/office/drawing/2010/main" xmlns:m="http://schemas.openxmlformats.org/officeDocument/2006/math" xmlns="" val="1"/>
             </a:ext>
           </a:extLst>
         </p:spPr>
@@ -4632,7 +4632,7 @@
           </a:ln>
           <a:extLst>
             <a:ext uri="{C572A759-6A51-4108-AA02-DFA0A04FC94B}">
-              <ma14:wrappingTextBoxFlag xmlns="" xmlns:m="http://schemas.openxmlformats.org/officeDocument/2006/math" xmlns:a14="http://schemas.microsoft.com/office/drawing/2010/main" xmlns:ma14="http://schemas.microsoft.com/office/mac/drawingml/2011/main" val="1"/>
+              <ma14:wrappingTextBoxFlag xmlns:ma14="http://schemas.microsoft.com/office/mac/drawingml/2011/main" xmlns:a14="http://schemas.microsoft.com/office/drawing/2010/main" xmlns:m="http://schemas.openxmlformats.org/officeDocument/2006/math" xmlns="" val="1"/>
             </a:ext>
           </a:extLst>
         </p:spPr>
@@ -4683,7 +4683,7 @@
           </a:ln>
           <a:extLst>
             <a:ext uri="{C572A759-6A51-4108-AA02-DFA0A04FC94B}">
-              <ma14:wrappingTextBoxFlag xmlns="" xmlns:m="http://schemas.openxmlformats.org/officeDocument/2006/math" xmlns:a14="http://schemas.microsoft.com/office/drawing/2010/main" xmlns:ma14="http://schemas.microsoft.com/office/mac/drawingml/2011/main" val="1"/>
+              <ma14:wrappingTextBoxFlag xmlns:ma14="http://schemas.microsoft.com/office/mac/drawingml/2011/main" xmlns:a14="http://schemas.microsoft.com/office/drawing/2010/main" xmlns:m="http://schemas.openxmlformats.org/officeDocument/2006/math" xmlns="" val="1"/>
             </a:ext>
           </a:extLst>
         </p:spPr>
@@ -4734,7 +4734,7 @@
           </a:ln>
           <a:extLst>
             <a:ext uri="{C572A759-6A51-4108-AA02-DFA0A04FC94B}">
-              <ma14:wrappingTextBoxFlag xmlns="" xmlns:m="http://schemas.openxmlformats.org/officeDocument/2006/math" xmlns:a14="http://schemas.microsoft.com/office/drawing/2010/main" xmlns:ma14="http://schemas.microsoft.com/office/mac/drawingml/2011/main" val="1"/>
+              <ma14:wrappingTextBoxFlag xmlns:ma14="http://schemas.microsoft.com/office/mac/drawingml/2011/main" xmlns:a14="http://schemas.microsoft.com/office/drawing/2010/main" xmlns:m="http://schemas.openxmlformats.org/officeDocument/2006/math" xmlns="" val="1"/>
             </a:ext>
           </a:extLst>
         </p:spPr>
@@ -4785,7 +4785,7 @@
           </a:ln>
           <a:extLst>
             <a:ext uri="{C572A759-6A51-4108-AA02-DFA0A04FC94B}">
-              <ma14:wrappingTextBoxFlag xmlns="" xmlns:m="http://schemas.openxmlformats.org/officeDocument/2006/math" xmlns:a14="http://schemas.microsoft.com/office/drawing/2010/main" xmlns:ma14="http://schemas.microsoft.com/office/mac/drawingml/2011/main" val="1"/>
+              <ma14:wrappingTextBoxFlag xmlns:ma14="http://schemas.microsoft.com/office/mac/drawingml/2011/main" xmlns:a14="http://schemas.microsoft.com/office/drawing/2010/main" xmlns:m="http://schemas.openxmlformats.org/officeDocument/2006/math" xmlns="" val="1"/>
             </a:ext>
           </a:extLst>
         </p:spPr>
@@ -5122,17 +5122,17 @@
         <p:spPr>
           <a:xfrm>
             <a:off x="2063274" y="3237012"/>
-            <a:ext cx="4032726" cy="735586"/>
-          </a:xfrm>
-          <a:prstGeom prst="rect">
-            <a:avLst/>
-          </a:prstGeom>
-          <a:ln w="12700">
-            <a:miter lim="400000"/>
-          </a:ln>
-          <a:extLst>
-            <a:ext uri="{C572A759-6A51-4108-AA02-DFA0A04FC94B}">
-              <ma14:wrappingTextBoxFlag xmlns="" xmlns:m="http://schemas.openxmlformats.org/officeDocument/2006/math" xmlns:a14="http://schemas.microsoft.com/office/drawing/2010/main" xmlns:ma14="http://schemas.microsoft.com/office/mac/drawingml/2011/main" val="1"/>
+            <a:ext cx="4032726" cy="861774"/>
+          </a:xfrm>
+          <a:prstGeom prst="rect">
+            <a:avLst/>
+          </a:prstGeom>
+          <a:ln w="12700">
+            <a:miter lim="400000"/>
+          </a:ln>
+          <a:extLst>
+            <a:ext uri="{C572A759-6A51-4108-AA02-DFA0A04FC94B}">
+              <ma14:wrappingTextBoxFlag xmlns:ma14="http://schemas.microsoft.com/office/mac/drawingml/2011/main" xmlns:a14="http://schemas.microsoft.com/office/drawing/2010/main" xmlns:m="http://schemas.openxmlformats.org/officeDocument/2006/math" xmlns="" val="1"/>
             </a:ext>
           </a:extLst>
         </p:spPr>
@@ -5152,28 +5152,28 @@
           </a:lstStyle>
           <a:p>
             <a:r>
-              <a:rPr lang="de-DE" sz="1195" dirty="0"/>
+              <a:rPr lang="de-DE" sz="1400" dirty="0"/>
               <a:t>Entwicklungsprojekt WS22</a:t>
             </a:r>
           </a:p>
           <a:p>
             <a:r>
-              <a:rPr lang="de-DE" sz="1195" dirty="0"/>
+              <a:rPr lang="de-DE" sz="1400" dirty="0"/>
               <a:t>Domenic Wolf</a:t>
             </a:r>
           </a:p>
           <a:p>
             <a:r>
-              <a:rPr lang="de-DE" sz="1195" dirty="0"/>
+              <a:rPr lang="de-DE" sz="1400" dirty="0"/>
               <a:t>Jens Burgdorf</a:t>
             </a:r>
           </a:p>
           <a:p>
             <a:r>
-              <a:rPr lang="de-DE" sz="1195" dirty="0"/>
+              <a:rPr lang="de-DE" sz="1400" dirty="0"/>
               <a:t>Anastasia Chouliaras</a:t>
             </a:r>
-            <a:endParaRPr sz="1195" dirty="0"/>
+            <a:endParaRPr sz="1400" dirty="0"/>
           </a:p>
         </p:txBody>
       </p:sp>
@@ -5185,18 +5185,18 @@
         </p:nvSpPr>
         <p:spPr>
           <a:xfrm>
-            <a:off x="2064246" y="2451843"/>
-            <a:ext cx="6688337" cy="387798"/>
-          </a:xfrm>
-          <a:prstGeom prst="rect">
-            <a:avLst/>
-          </a:prstGeom>
-          <a:ln w="12700">
-            <a:miter lim="400000"/>
-          </a:ln>
-          <a:extLst>
-            <a:ext uri="{C572A759-6A51-4108-AA02-DFA0A04FC94B}">
-              <ma14:wrappingTextBoxFlag xmlns="" xmlns:m="http://schemas.openxmlformats.org/officeDocument/2006/math" xmlns:a14="http://schemas.microsoft.com/office/drawing/2010/main" xmlns:ma14="http://schemas.microsoft.com/office/mac/drawingml/2011/main" val="1"/>
+            <a:off x="2064246" y="2396443"/>
+            <a:ext cx="6688337" cy="443198"/>
+          </a:xfrm>
+          <a:prstGeom prst="rect">
+            <a:avLst/>
+          </a:prstGeom>
+          <a:ln w="12700">
+            <a:miter lim="400000"/>
+          </a:ln>
+          <a:extLst>
+            <a:ext uri="{C572A759-6A51-4108-AA02-DFA0A04FC94B}">
+              <ma14:wrappingTextBoxFlag xmlns:ma14="http://schemas.microsoft.com/office/mac/drawingml/2011/main" xmlns:a14="http://schemas.microsoft.com/office/drawing/2010/main" xmlns:m="http://schemas.openxmlformats.org/officeDocument/2006/math" xmlns="" val="1"/>
             </a:ext>
           </a:extLst>
         </p:spPr>
@@ -5222,14 +5222,14 @@
           </a:lstStyle>
           <a:p>
             <a:r>
-              <a:rPr lang="de-DE" dirty="0">
+              <a:rPr lang="de-DE" sz="3200" dirty="0">
                 <a:solidFill>
                   <a:schemeClr val="tx1"/>
                 </a:solidFill>
               </a:rPr>
               <a:t>Campus Karte</a:t>
             </a:r>
-            <a:endParaRPr dirty="0">
+            <a:endParaRPr sz="3200" dirty="0">
               <a:solidFill>
                 <a:schemeClr val="tx1"/>
               </a:solidFill>
@@ -5281,7 +5281,7 @@
           </a:ln>
           <a:extLst>
             <a:ext uri="{C572A759-6A51-4108-AA02-DFA0A04FC94B}">
-              <ma14:wrappingTextBoxFlag xmlns="" xmlns:m="http://schemas.openxmlformats.org/officeDocument/2006/math" xmlns:a14="http://schemas.microsoft.com/office/drawing/2010/main" xmlns:ma14="http://schemas.microsoft.com/office/mac/drawingml/2011/main" val="1"/>
+              <ma14:wrappingTextBoxFlag xmlns:ma14="http://schemas.microsoft.com/office/mac/drawingml/2011/main" xmlns:a14="http://schemas.microsoft.com/office/drawing/2010/main" xmlns:m="http://schemas.openxmlformats.org/officeDocument/2006/math" xmlns="" val="1"/>
             </a:ext>
           </a:extLst>
         </p:spPr>
@@ -5332,7 +5332,7 @@
           </a:ln>
           <a:extLst>
             <a:ext uri="{C572A759-6A51-4108-AA02-DFA0A04FC94B}">
-              <ma14:wrappingTextBoxFlag xmlns="" xmlns:m="http://schemas.openxmlformats.org/officeDocument/2006/math" xmlns:a14="http://schemas.microsoft.com/office/drawing/2010/main" xmlns:ma14="http://schemas.microsoft.com/office/mac/drawingml/2011/main" val="1"/>
+              <ma14:wrappingTextBoxFlag xmlns:ma14="http://schemas.microsoft.com/office/mac/drawingml/2011/main" xmlns:a14="http://schemas.microsoft.com/office/drawing/2010/main" xmlns:m="http://schemas.openxmlformats.org/officeDocument/2006/math" xmlns="" val="1"/>
             </a:ext>
           </a:extLst>
         </p:spPr>
@@ -5383,7 +5383,7 @@
           </a:ln>
           <a:extLst>
             <a:ext uri="{C572A759-6A51-4108-AA02-DFA0A04FC94B}">
-              <ma14:wrappingTextBoxFlag xmlns="" xmlns:m="http://schemas.openxmlformats.org/officeDocument/2006/math" xmlns:a14="http://schemas.microsoft.com/office/drawing/2010/main" xmlns:ma14="http://schemas.microsoft.com/office/mac/drawingml/2011/main" val="1"/>
+              <ma14:wrappingTextBoxFlag xmlns:ma14="http://schemas.microsoft.com/office/mac/drawingml/2011/main" xmlns:a14="http://schemas.microsoft.com/office/drawing/2010/main" xmlns:m="http://schemas.openxmlformats.org/officeDocument/2006/math" xmlns="" val="1"/>
             </a:ext>
           </a:extLst>
         </p:spPr>
@@ -5434,7 +5434,7 @@
           </a:ln>
           <a:extLst>
             <a:ext uri="{C572A759-6A51-4108-AA02-DFA0A04FC94B}">
-              <ma14:wrappingTextBoxFlag xmlns="" xmlns:m="http://schemas.openxmlformats.org/officeDocument/2006/math" xmlns:a14="http://schemas.microsoft.com/office/drawing/2010/main" xmlns:ma14="http://schemas.microsoft.com/office/mac/drawingml/2011/main" val="1"/>
+              <ma14:wrappingTextBoxFlag xmlns:ma14="http://schemas.microsoft.com/office/mac/drawingml/2011/main" xmlns:a14="http://schemas.microsoft.com/office/drawing/2010/main" xmlns:m="http://schemas.openxmlformats.org/officeDocument/2006/math" xmlns="" val="1"/>
             </a:ext>
           </a:extLst>
         </p:spPr>
@@ -5485,7 +5485,7 @@
           </a:ln>
           <a:extLst>
             <a:ext uri="{C572A759-6A51-4108-AA02-DFA0A04FC94B}">
-              <ma14:wrappingTextBoxFlag xmlns="" xmlns:m="http://schemas.openxmlformats.org/officeDocument/2006/math" xmlns:a14="http://schemas.microsoft.com/office/drawing/2010/main" xmlns:ma14="http://schemas.microsoft.com/office/mac/drawingml/2011/main" val="1"/>
+              <ma14:wrappingTextBoxFlag xmlns:ma14="http://schemas.microsoft.com/office/mac/drawingml/2011/main" xmlns:a14="http://schemas.microsoft.com/office/drawing/2010/main" xmlns:m="http://schemas.openxmlformats.org/officeDocument/2006/math" xmlns="" val="1"/>
             </a:ext>
           </a:extLst>
         </p:spPr>
@@ -5536,7 +5536,7 @@
           </a:ln>
           <a:extLst>
             <a:ext uri="{C572A759-6A51-4108-AA02-DFA0A04FC94B}">
-              <ma14:wrappingTextBoxFlag xmlns="" xmlns:m="http://schemas.openxmlformats.org/officeDocument/2006/math" xmlns:a14="http://schemas.microsoft.com/office/drawing/2010/main" xmlns:ma14="http://schemas.microsoft.com/office/mac/drawingml/2011/main" val="1"/>
+              <ma14:wrappingTextBoxFlag xmlns:ma14="http://schemas.microsoft.com/office/mac/drawingml/2011/main" xmlns:a14="http://schemas.microsoft.com/office/drawing/2010/main" xmlns:m="http://schemas.openxmlformats.org/officeDocument/2006/math" xmlns="" val="1"/>
             </a:ext>
           </a:extLst>
         </p:spPr>
@@ -5587,7 +5587,7 @@
           </a:ln>
           <a:extLst>
             <a:ext uri="{C572A759-6A51-4108-AA02-DFA0A04FC94B}">
-              <ma14:wrappingTextBoxFlag xmlns="" xmlns:m="http://schemas.openxmlformats.org/officeDocument/2006/math" xmlns:a14="http://schemas.microsoft.com/office/drawing/2010/main" xmlns:ma14="http://schemas.microsoft.com/office/mac/drawingml/2011/main" val="1"/>
+              <ma14:wrappingTextBoxFlag xmlns:ma14="http://schemas.microsoft.com/office/mac/drawingml/2011/main" xmlns:a14="http://schemas.microsoft.com/office/drawing/2010/main" xmlns:m="http://schemas.openxmlformats.org/officeDocument/2006/math" xmlns="" val="1"/>
             </a:ext>
           </a:extLst>
         </p:spPr>
@@ -5638,7 +5638,7 @@
           </a:ln>
           <a:extLst>
             <a:ext uri="{C572A759-6A51-4108-AA02-DFA0A04FC94B}">
-              <ma14:wrappingTextBoxFlag xmlns="" xmlns:m="http://schemas.openxmlformats.org/officeDocument/2006/math" xmlns:a14="http://schemas.microsoft.com/office/drawing/2010/main" xmlns:ma14="http://schemas.microsoft.com/office/mac/drawingml/2011/main" val="1"/>
+              <ma14:wrappingTextBoxFlag xmlns:ma14="http://schemas.microsoft.com/office/mac/drawingml/2011/main" xmlns:a14="http://schemas.microsoft.com/office/drawing/2010/main" xmlns:m="http://schemas.openxmlformats.org/officeDocument/2006/math" xmlns="" val="1"/>
             </a:ext>
           </a:extLst>
         </p:spPr>
@@ -5689,7 +5689,7 @@
           </a:ln>
           <a:extLst>
             <a:ext uri="{C572A759-6A51-4108-AA02-DFA0A04FC94B}">
-              <ma14:wrappingTextBoxFlag xmlns="" xmlns:m="http://schemas.openxmlformats.org/officeDocument/2006/math" xmlns:a14="http://schemas.microsoft.com/office/drawing/2010/main" xmlns:ma14="http://schemas.microsoft.com/office/mac/drawingml/2011/main" val="1"/>
+              <ma14:wrappingTextBoxFlag xmlns:ma14="http://schemas.microsoft.com/office/mac/drawingml/2011/main" xmlns:a14="http://schemas.microsoft.com/office/drawing/2010/main" xmlns:m="http://schemas.openxmlformats.org/officeDocument/2006/math" xmlns="" val="1"/>
             </a:ext>
           </a:extLst>
         </p:spPr>
@@ -5740,7 +5740,7 @@
           </a:ln>
           <a:extLst>
             <a:ext uri="{C572A759-6A51-4108-AA02-DFA0A04FC94B}">
-              <ma14:wrappingTextBoxFlag xmlns="" xmlns:m="http://schemas.openxmlformats.org/officeDocument/2006/math" xmlns:a14="http://schemas.microsoft.com/office/drawing/2010/main" xmlns:ma14="http://schemas.microsoft.com/office/mac/drawingml/2011/main" val="1"/>
+              <ma14:wrappingTextBoxFlag xmlns:ma14="http://schemas.microsoft.com/office/mac/drawingml/2011/main" xmlns:a14="http://schemas.microsoft.com/office/drawing/2010/main" xmlns:m="http://schemas.openxmlformats.org/officeDocument/2006/math" xmlns="" val="1"/>
             </a:ext>
           </a:extLst>
         </p:spPr>
@@ -5791,7 +5791,7 @@
           </a:ln>
           <a:extLst>
             <a:ext uri="{C572A759-6A51-4108-AA02-DFA0A04FC94B}">
-              <ma14:wrappingTextBoxFlag xmlns="" xmlns:m="http://schemas.openxmlformats.org/officeDocument/2006/math" xmlns:a14="http://schemas.microsoft.com/office/drawing/2010/main" xmlns:ma14="http://schemas.microsoft.com/office/mac/drawingml/2011/main" val="1"/>
+              <ma14:wrappingTextBoxFlag xmlns:ma14="http://schemas.microsoft.com/office/mac/drawingml/2011/main" xmlns:a14="http://schemas.microsoft.com/office/drawing/2010/main" xmlns:m="http://schemas.openxmlformats.org/officeDocument/2006/math" xmlns="" val="1"/>
             </a:ext>
           </a:extLst>
         </p:spPr>
@@ -5842,7 +5842,7 @@
           </a:ln>
           <a:extLst>
             <a:ext uri="{C572A759-6A51-4108-AA02-DFA0A04FC94B}">
-              <ma14:wrappingTextBoxFlag xmlns="" xmlns:m="http://schemas.openxmlformats.org/officeDocument/2006/math" xmlns:a14="http://schemas.microsoft.com/office/drawing/2010/main" xmlns:ma14="http://schemas.microsoft.com/office/mac/drawingml/2011/main" val="1"/>
+              <ma14:wrappingTextBoxFlag xmlns:ma14="http://schemas.microsoft.com/office/mac/drawingml/2011/main" xmlns:a14="http://schemas.microsoft.com/office/drawing/2010/main" xmlns:m="http://schemas.openxmlformats.org/officeDocument/2006/math" xmlns="" val="1"/>
             </a:ext>
           </a:extLst>
         </p:spPr>
@@ -5893,7 +5893,7 @@
           </a:ln>
           <a:extLst>
             <a:ext uri="{C572A759-6A51-4108-AA02-DFA0A04FC94B}">
-              <ma14:wrappingTextBoxFlag xmlns="" xmlns:m="http://schemas.openxmlformats.org/officeDocument/2006/math" xmlns:a14="http://schemas.microsoft.com/office/drawing/2010/main" xmlns:ma14="http://schemas.microsoft.com/office/mac/drawingml/2011/main" val="1"/>
+              <ma14:wrappingTextBoxFlag xmlns:ma14="http://schemas.microsoft.com/office/mac/drawingml/2011/main" xmlns:a14="http://schemas.microsoft.com/office/drawing/2010/main" xmlns:m="http://schemas.openxmlformats.org/officeDocument/2006/math" xmlns="" val="1"/>
             </a:ext>
           </a:extLst>
         </p:spPr>
@@ -5944,7 +5944,7 @@
           </a:ln>
           <a:extLst>
             <a:ext uri="{C572A759-6A51-4108-AA02-DFA0A04FC94B}">
-              <ma14:wrappingTextBoxFlag xmlns="" xmlns:m="http://schemas.openxmlformats.org/officeDocument/2006/math" xmlns:a14="http://schemas.microsoft.com/office/drawing/2010/main" xmlns:ma14="http://schemas.microsoft.com/office/mac/drawingml/2011/main" val="1"/>
+              <ma14:wrappingTextBoxFlag xmlns:ma14="http://schemas.microsoft.com/office/mac/drawingml/2011/main" xmlns:a14="http://schemas.microsoft.com/office/drawing/2010/main" xmlns:m="http://schemas.openxmlformats.org/officeDocument/2006/math" xmlns="" val="1"/>
             </a:ext>
           </a:extLst>
         </p:spPr>
@@ -5995,7 +5995,7 @@
           </a:ln>
           <a:extLst>
             <a:ext uri="{C572A759-6A51-4108-AA02-DFA0A04FC94B}">
-              <ma14:wrappingTextBoxFlag xmlns="" xmlns:m="http://schemas.openxmlformats.org/officeDocument/2006/math" xmlns:a14="http://schemas.microsoft.com/office/drawing/2010/main" xmlns:ma14="http://schemas.microsoft.com/office/mac/drawingml/2011/main" val="1"/>
+              <ma14:wrappingTextBoxFlag xmlns:ma14="http://schemas.microsoft.com/office/mac/drawingml/2011/main" xmlns:a14="http://schemas.microsoft.com/office/drawing/2010/main" xmlns:m="http://schemas.openxmlformats.org/officeDocument/2006/math" xmlns="" val="1"/>
             </a:ext>
           </a:extLst>
         </p:spPr>
@@ -6046,7 +6046,7 @@
           </a:ln>
           <a:extLst>
             <a:ext uri="{C572A759-6A51-4108-AA02-DFA0A04FC94B}">
-              <ma14:wrappingTextBoxFlag xmlns="" xmlns:m="http://schemas.openxmlformats.org/officeDocument/2006/math" xmlns:a14="http://schemas.microsoft.com/office/drawing/2010/main" xmlns:ma14="http://schemas.microsoft.com/office/mac/drawingml/2011/main" val="1"/>
+              <ma14:wrappingTextBoxFlag xmlns:ma14="http://schemas.microsoft.com/office/mac/drawingml/2011/main" xmlns:a14="http://schemas.microsoft.com/office/drawing/2010/main" xmlns:m="http://schemas.openxmlformats.org/officeDocument/2006/math" xmlns="" val="1"/>
             </a:ext>
           </a:extLst>
         </p:spPr>
@@ -6097,7 +6097,7 @@
           </a:ln>
           <a:extLst>
             <a:ext uri="{C572A759-6A51-4108-AA02-DFA0A04FC94B}">
-              <ma14:wrappingTextBoxFlag xmlns="" xmlns:m="http://schemas.openxmlformats.org/officeDocument/2006/math" xmlns:a14="http://schemas.microsoft.com/office/drawing/2010/main" xmlns:ma14="http://schemas.microsoft.com/office/mac/drawingml/2011/main" val="1"/>
+              <ma14:wrappingTextBoxFlag xmlns:ma14="http://schemas.microsoft.com/office/mac/drawingml/2011/main" xmlns:a14="http://schemas.microsoft.com/office/drawing/2010/main" xmlns:m="http://schemas.openxmlformats.org/officeDocument/2006/math" xmlns="" val="1"/>
             </a:ext>
           </a:extLst>
         </p:spPr>
@@ -6148,7 +6148,7 @@
           </a:ln>
           <a:extLst>
             <a:ext uri="{C572A759-6A51-4108-AA02-DFA0A04FC94B}">
-              <ma14:wrappingTextBoxFlag xmlns="" xmlns:m="http://schemas.openxmlformats.org/officeDocument/2006/math" xmlns:a14="http://schemas.microsoft.com/office/drawing/2010/main" xmlns:ma14="http://schemas.microsoft.com/office/mac/drawingml/2011/main" val="1"/>
+              <ma14:wrappingTextBoxFlag xmlns:ma14="http://schemas.microsoft.com/office/mac/drawingml/2011/main" xmlns:a14="http://schemas.microsoft.com/office/drawing/2010/main" xmlns:m="http://schemas.openxmlformats.org/officeDocument/2006/math" xmlns="" val="1"/>
             </a:ext>
           </a:extLst>
         </p:spPr>
@@ -6199,7 +6199,7 @@
           </a:ln>
           <a:extLst>
             <a:ext uri="{C572A759-6A51-4108-AA02-DFA0A04FC94B}">
-              <ma14:wrappingTextBoxFlag xmlns="" xmlns:m="http://schemas.openxmlformats.org/officeDocument/2006/math" xmlns:a14="http://schemas.microsoft.com/office/drawing/2010/main" xmlns:ma14="http://schemas.microsoft.com/office/mac/drawingml/2011/main" val="1"/>
+              <ma14:wrappingTextBoxFlag xmlns:ma14="http://schemas.microsoft.com/office/mac/drawingml/2011/main" xmlns:a14="http://schemas.microsoft.com/office/drawing/2010/main" xmlns:m="http://schemas.openxmlformats.org/officeDocument/2006/math" xmlns="" val="1"/>
             </a:ext>
           </a:extLst>
         </p:spPr>
@@ -6250,7 +6250,7 @@
           </a:ln>
           <a:extLst>
             <a:ext uri="{C572A759-6A51-4108-AA02-DFA0A04FC94B}">
-              <ma14:wrappingTextBoxFlag xmlns="" xmlns:m="http://schemas.openxmlformats.org/officeDocument/2006/math" xmlns:a14="http://schemas.microsoft.com/office/drawing/2010/main" xmlns:ma14="http://schemas.microsoft.com/office/mac/drawingml/2011/main" val="1"/>
+              <ma14:wrappingTextBoxFlag xmlns:ma14="http://schemas.microsoft.com/office/mac/drawingml/2011/main" xmlns:a14="http://schemas.microsoft.com/office/drawing/2010/main" xmlns:m="http://schemas.openxmlformats.org/officeDocument/2006/math" xmlns="" val="1"/>
             </a:ext>
           </a:extLst>
         </p:spPr>
@@ -6301,7 +6301,7 @@
           </a:ln>
           <a:extLst>
             <a:ext uri="{C572A759-6A51-4108-AA02-DFA0A04FC94B}">
-              <ma14:wrappingTextBoxFlag xmlns="" xmlns:m="http://schemas.openxmlformats.org/officeDocument/2006/math" xmlns:a14="http://schemas.microsoft.com/office/drawing/2010/main" xmlns:ma14="http://schemas.microsoft.com/office/mac/drawingml/2011/main" val="1"/>
+              <ma14:wrappingTextBoxFlag xmlns:ma14="http://schemas.microsoft.com/office/mac/drawingml/2011/main" xmlns:a14="http://schemas.microsoft.com/office/drawing/2010/main" xmlns:m="http://schemas.openxmlformats.org/officeDocument/2006/math" xmlns="" val="1"/>
             </a:ext>
           </a:extLst>
         </p:spPr>
@@ -6352,7 +6352,7 @@
           </a:ln>
           <a:extLst>
             <a:ext uri="{C572A759-6A51-4108-AA02-DFA0A04FC94B}">
-              <ma14:wrappingTextBoxFlag xmlns="" xmlns:m="http://schemas.openxmlformats.org/officeDocument/2006/math" xmlns:a14="http://schemas.microsoft.com/office/drawing/2010/main" xmlns:ma14="http://schemas.microsoft.com/office/mac/drawingml/2011/main" val="1"/>
+              <ma14:wrappingTextBoxFlag xmlns:ma14="http://schemas.microsoft.com/office/mac/drawingml/2011/main" xmlns:a14="http://schemas.microsoft.com/office/drawing/2010/main" xmlns:m="http://schemas.openxmlformats.org/officeDocument/2006/math" xmlns="" val="1"/>
             </a:ext>
           </a:extLst>
         </p:spPr>
@@ -6403,7 +6403,7 @@
           </a:ln>
           <a:extLst>
             <a:ext uri="{C572A759-6A51-4108-AA02-DFA0A04FC94B}">
-              <ma14:wrappingTextBoxFlag xmlns="" xmlns:m="http://schemas.openxmlformats.org/officeDocument/2006/math" xmlns:a14="http://schemas.microsoft.com/office/drawing/2010/main" xmlns:ma14="http://schemas.microsoft.com/office/mac/drawingml/2011/main" val="1"/>
+              <ma14:wrappingTextBoxFlag xmlns:ma14="http://schemas.microsoft.com/office/mac/drawingml/2011/main" xmlns:a14="http://schemas.microsoft.com/office/drawing/2010/main" xmlns:m="http://schemas.openxmlformats.org/officeDocument/2006/math" xmlns="" val="1"/>
             </a:ext>
           </a:extLst>
         </p:spPr>
@@ -6454,7 +6454,7 @@
           </a:ln>
           <a:extLst>
             <a:ext uri="{C572A759-6A51-4108-AA02-DFA0A04FC94B}">
-              <ma14:wrappingTextBoxFlag xmlns="" xmlns:m="http://schemas.openxmlformats.org/officeDocument/2006/math" xmlns:a14="http://schemas.microsoft.com/office/drawing/2010/main" xmlns:ma14="http://schemas.microsoft.com/office/mac/drawingml/2011/main" val="1"/>
+              <ma14:wrappingTextBoxFlag xmlns:ma14="http://schemas.microsoft.com/office/mac/drawingml/2011/main" xmlns:a14="http://schemas.microsoft.com/office/drawing/2010/main" xmlns:m="http://schemas.openxmlformats.org/officeDocument/2006/math" xmlns="" val="1"/>
             </a:ext>
           </a:extLst>
         </p:spPr>
@@ -6505,7 +6505,7 @@
           </a:ln>
           <a:extLst>
             <a:ext uri="{C572A759-6A51-4108-AA02-DFA0A04FC94B}">
-              <ma14:wrappingTextBoxFlag xmlns="" xmlns:m="http://schemas.openxmlformats.org/officeDocument/2006/math" xmlns:a14="http://schemas.microsoft.com/office/drawing/2010/main" xmlns:ma14="http://schemas.microsoft.com/office/mac/drawingml/2011/main" val="1"/>
+              <ma14:wrappingTextBoxFlag xmlns:ma14="http://schemas.microsoft.com/office/mac/drawingml/2011/main" xmlns:a14="http://schemas.microsoft.com/office/drawing/2010/main" xmlns:m="http://schemas.openxmlformats.org/officeDocument/2006/math" xmlns="" val="1"/>
             </a:ext>
           </a:extLst>
         </p:spPr>
@@ -6556,7 +6556,7 @@
           </a:ln>
           <a:extLst>
             <a:ext uri="{C572A759-6A51-4108-AA02-DFA0A04FC94B}">
-              <ma14:wrappingTextBoxFlag xmlns="" xmlns:m="http://schemas.openxmlformats.org/officeDocument/2006/math" xmlns:a14="http://schemas.microsoft.com/office/drawing/2010/main" xmlns:ma14="http://schemas.microsoft.com/office/mac/drawingml/2011/main" val="1"/>
+              <ma14:wrappingTextBoxFlag xmlns:ma14="http://schemas.microsoft.com/office/mac/drawingml/2011/main" xmlns:a14="http://schemas.microsoft.com/office/drawing/2010/main" xmlns:m="http://schemas.openxmlformats.org/officeDocument/2006/math" xmlns="" val="1"/>
             </a:ext>
           </a:extLst>
         </p:spPr>
@@ -6607,7 +6607,7 @@
           </a:ln>
           <a:extLst>
             <a:ext uri="{C572A759-6A51-4108-AA02-DFA0A04FC94B}">
-              <ma14:wrappingTextBoxFlag xmlns="" xmlns:m="http://schemas.openxmlformats.org/officeDocument/2006/math" xmlns:a14="http://schemas.microsoft.com/office/drawing/2010/main" xmlns:ma14="http://schemas.microsoft.com/office/mac/drawingml/2011/main" val="1"/>
+              <ma14:wrappingTextBoxFlag xmlns:ma14="http://schemas.microsoft.com/office/mac/drawingml/2011/main" xmlns:a14="http://schemas.microsoft.com/office/drawing/2010/main" xmlns:m="http://schemas.openxmlformats.org/officeDocument/2006/math" xmlns="" val="1"/>
             </a:ext>
           </a:extLst>
         </p:spPr>
@@ -6658,7 +6658,7 @@
           </a:ln>
           <a:extLst>
             <a:ext uri="{C572A759-6A51-4108-AA02-DFA0A04FC94B}">
-              <ma14:wrappingTextBoxFlag xmlns="" xmlns:m="http://schemas.openxmlformats.org/officeDocument/2006/math" xmlns:a14="http://schemas.microsoft.com/office/drawing/2010/main" xmlns:ma14="http://schemas.microsoft.com/office/mac/drawingml/2011/main" val="1"/>
+              <ma14:wrappingTextBoxFlag xmlns:ma14="http://schemas.microsoft.com/office/mac/drawingml/2011/main" xmlns:a14="http://schemas.microsoft.com/office/drawing/2010/main" xmlns:m="http://schemas.openxmlformats.org/officeDocument/2006/math" xmlns="" val="1"/>
             </a:ext>
           </a:extLst>
         </p:spPr>
@@ -6709,7 +6709,7 @@
           </a:ln>
           <a:extLst>
             <a:ext uri="{C572A759-6A51-4108-AA02-DFA0A04FC94B}">
-              <ma14:wrappingTextBoxFlag xmlns="" xmlns:m="http://schemas.openxmlformats.org/officeDocument/2006/math" xmlns:a14="http://schemas.microsoft.com/office/drawing/2010/main" xmlns:ma14="http://schemas.microsoft.com/office/mac/drawingml/2011/main" val="1"/>
+              <ma14:wrappingTextBoxFlag xmlns:ma14="http://schemas.microsoft.com/office/mac/drawingml/2011/main" xmlns:a14="http://schemas.microsoft.com/office/drawing/2010/main" xmlns:m="http://schemas.openxmlformats.org/officeDocument/2006/math" xmlns="" val="1"/>
             </a:ext>
           </a:extLst>
         </p:spPr>
@@ -6760,7 +6760,7 @@
           </a:ln>
           <a:extLst>
             <a:ext uri="{C572A759-6A51-4108-AA02-DFA0A04FC94B}">
-              <ma14:wrappingTextBoxFlag xmlns="" xmlns:m="http://schemas.openxmlformats.org/officeDocument/2006/math" xmlns:a14="http://schemas.microsoft.com/office/drawing/2010/main" xmlns:ma14="http://schemas.microsoft.com/office/mac/drawingml/2011/main" val="1"/>
+              <ma14:wrappingTextBoxFlag xmlns:ma14="http://schemas.microsoft.com/office/mac/drawingml/2011/main" xmlns:a14="http://schemas.microsoft.com/office/drawing/2010/main" xmlns:m="http://schemas.openxmlformats.org/officeDocument/2006/math" xmlns="" val="1"/>
             </a:ext>
           </a:extLst>
         </p:spPr>
@@ -7202,7 +7202,7 @@
           </a:ln>
           <a:extLst>
             <a:ext uri="{C572A759-6A51-4108-AA02-DFA0A04FC94B}">
-              <ma14:wrappingTextBoxFlag xmlns:ma14="http://schemas.microsoft.com/office/mac/drawingml/2011/main" xmlns:a14="http://schemas.microsoft.com/office/drawing/2010/main" xmlns:m="http://schemas.openxmlformats.org/officeDocument/2006/math" xmlns="" val="1"/>
+              <ma14:wrappingTextBoxFlag xmlns="" xmlns:m="http://schemas.openxmlformats.org/officeDocument/2006/math" xmlns:a14="http://schemas.microsoft.com/office/drawing/2010/main" xmlns:ma14="http://schemas.microsoft.com/office/mac/drawingml/2011/main" val="1"/>
             </a:ext>
           </a:extLst>
         </p:spPr>
@@ -7253,7 +7253,7 @@
           </a:ln>
           <a:extLst>
             <a:ext uri="{C572A759-6A51-4108-AA02-DFA0A04FC94B}">
-              <ma14:wrappingTextBoxFlag xmlns:ma14="http://schemas.microsoft.com/office/mac/drawingml/2011/main" xmlns:a14="http://schemas.microsoft.com/office/drawing/2010/main" xmlns:m="http://schemas.openxmlformats.org/officeDocument/2006/math" xmlns="" val="1"/>
+              <ma14:wrappingTextBoxFlag xmlns="" xmlns:m="http://schemas.openxmlformats.org/officeDocument/2006/math" xmlns:a14="http://schemas.microsoft.com/office/drawing/2010/main" xmlns:ma14="http://schemas.microsoft.com/office/mac/drawingml/2011/main" val="1"/>
             </a:ext>
           </a:extLst>
         </p:spPr>
@@ -7304,7 +7304,7 @@
           </a:ln>
           <a:extLst>
             <a:ext uri="{C572A759-6A51-4108-AA02-DFA0A04FC94B}">
-              <ma14:wrappingTextBoxFlag xmlns:ma14="http://schemas.microsoft.com/office/mac/drawingml/2011/main" xmlns:a14="http://schemas.microsoft.com/office/drawing/2010/main" xmlns:m="http://schemas.openxmlformats.org/officeDocument/2006/math" xmlns="" val="1"/>
+              <ma14:wrappingTextBoxFlag xmlns="" xmlns:m="http://schemas.openxmlformats.org/officeDocument/2006/math" xmlns:a14="http://schemas.microsoft.com/office/drawing/2010/main" xmlns:ma14="http://schemas.microsoft.com/office/mac/drawingml/2011/main" val="1"/>
             </a:ext>
           </a:extLst>
         </p:spPr>
@@ -7355,7 +7355,7 @@
           </a:ln>
           <a:extLst>
             <a:ext uri="{C572A759-6A51-4108-AA02-DFA0A04FC94B}">
-              <ma14:wrappingTextBoxFlag xmlns:ma14="http://schemas.microsoft.com/office/mac/drawingml/2011/main" xmlns:a14="http://schemas.microsoft.com/office/drawing/2010/main" xmlns:m="http://schemas.openxmlformats.org/officeDocument/2006/math" xmlns="" val="1"/>
+              <ma14:wrappingTextBoxFlag xmlns="" xmlns:m="http://schemas.openxmlformats.org/officeDocument/2006/math" xmlns:a14="http://schemas.microsoft.com/office/drawing/2010/main" xmlns:ma14="http://schemas.microsoft.com/office/mac/drawingml/2011/main" val="1"/>
             </a:ext>
           </a:extLst>
         </p:spPr>
@@ -7406,7 +7406,7 @@
           </a:ln>
           <a:extLst>
             <a:ext uri="{C572A759-6A51-4108-AA02-DFA0A04FC94B}">
-              <ma14:wrappingTextBoxFlag xmlns:ma14="http://schemas.microsoft.com/office/mac/drawingml/2011/main" xmlns:a14="http://schemas.microsoft.com/office/drawing/2010/main" xmlns:m="http://schemas.openxmlformats.org/officeDocument/2006/math" xmlns="" val="1"/>
+              <ma14:wrappingTextBoxFlag xmlns="" xmlns:m="http://schemas.openxmlformats.org/officeDocument/2006/math" xmlns:a14="http://schemas.microsoft.com/office/drawing/2010/main" xmlns:ma14="http://schemas.microsoft.com/office/mac/drawingml/2011/main" val="1"/>
             </a:ext>
           </a:extLst>
         </p:spPr>
@@ -7457,7 +7457,7 @@
           </a:ln>
           <a:extLst>
             <a:ext uri="{C572A759-6A51-4108-AA02-DFA0A04FC94B}">
-              <ma14:wrappingTextBoxFlag xmlns:ma14="http://schemas.microsoft.com/office/mac/drawingml/2011/main" xmlns:a14="http://schemas.microsoft.com/office/drawing/2010/main" xmlns:m="http://schemas.openxmlformats.org/officeDocument/2006/math" xmlns="" val="1"/>
+              <ma14:wrappingTextBoxFlag xmlns="" xmlns:m="http://schemas.openxmlformats.org/officeDocument/2006/math" xmlns:a14="http://schemas.microsoft.com/office/drawing/2010/main" xmlns:ma14="http://schemas.microsoft.com/office/mac/drawingml/2011/main" val="1"/>
             </a:ext>
           </a:extLst>
         </p:spPr>
@@ -7508,7 +7508,7 @@
           </a:ln>
           <a:extLst>
             <a:ext uri="{C572A759-6A51-4108-AA02-DFA0A04FC94B}">
-              <ma14:wrappingTextBoxFlag xmlns:ma14="http://schemas.microsoft.com/office/mac/drawingml/2011/main" xmlns:a14="http://schemas.microsoft.com/office/drawing/2010/main" xmlns:m="http://schemas.openxmlformats.org/officeDocument/2006/math" xmlns="" val="1"/>
+              <ma14:wrappingTextBoxFlag xmlns="" xmlns:m="http://schemas.openxmlformats.org/officeDocument/2006/math" xmlns:a14="http://schemas.microsoft.com/office/drawing/2010/main" xmlns:ma14="http://schemas.microsoft.com/office/mac/drawingml/2011/main" val="1"/>
             </a:ext>
           </a:extLst>
         </p:spPr>
@@ -7559,7 +7559,7 @@
           </a:ln>
           <a:extLst>
             <a:ext uri="{C572A759-6A51-4108-AA02-DFA0A04FC94B}">
-              <ma14:wrappingTextBoxFlag xmlns:ma14="http://schemas.microsoft.com/office/mac/drawingml/2011/main" xmlns:a14="http://schemas.microsoft.com/office/drawing/2010/main" xmlns:m="http://schemas.openxmlformats.org/officeDocument/2006/math" xmlns="" val="1"/>
+              <ma14:wrappingTextBoxFlag xmlns="" xmlns:m="http://schemas.openxmlformats.org/officeDocument/2006/math" xmlns:a14="http://schemas.microsoft.com/office/drawing/2010/main" xmlns:ma14="http://schemas.microsoft.com/office/mac/drawingml/2011/main" val="1"/>
             </a:ext>
           </a:extLst>
         </p:spPr>
@@ -7610,7 +7610,7 @@
           </a:ln>
           <a:extLst>
             <a:ext uri="{C572A759-6A51-4108-AA02-DFA0A04FC94B}">
-              <ma14:wrappingTextBoxFlag xmlns:ma14="http://schemas.microsoft.com/office/mac/drawingml/2011/main" xmlns:a14="http://schemas.microsoft.com/office/drawing/2010/main" xmlns:m="http://schemas.openxmlformats.org/officeDocument/2006/math" xmlns="" val="1"/>
+              <ma14:wrappingTextBoxFlag xmlns="" xmlns:m="http://schemas.openxmlformats.org/officeDocument/2006/math" xmlns:a14="http://schemas.microsoft.com/office/drawing/2010/main" xmlns:ma14="http://schemas.microsoft.com/office/mac/drawingml/2011/main" val="1"/>
             </a:ext>
           </a:extLst>
         </p:spPr>
@@ -7661,7 +7661,7 @@
           </a:ln>
           <a:extLst>
             <a:ext uri="{C572A759-6A51-4108-AA02-DFA0A04FC94B}">
-              <ma14:wrappingTextBoxFlag xmlns:ma14="http://schemas.microsoft.com/office/mac/drawingml/2011/main" xmlns:a14="http://schemas.microsoft.com/office/drawing/2010/main" xmlns:m="http://schemas.openxmlformats.org/officeDocument/2006/math" xmlns="" val="1"/>
+              <ma14:wrappingTextBoxFlag xmlns="" xmlns:m="http://schemas.openxmlformats.org/officeDocument/2006/math" xmlns:a14="http://schemas.microsoft.com/office/drawing/2010/main" xmlns:ma14="http://schemas.microsoft.com/office/mac/drawingml/2011/main" val="1"/>
             </a:ext>
           </a:extLst>
         </p:spPr>
@@ -7712,7 +7712,7 @@
           </a:ln>
           <a:extLst>
             <a:ext uri="{C572A759-6A51-4108-AA02-DFA0A04FC94B}">
-              <ma14:wrappingTextBoxFlag xmlns:ma14="http://schemas.microsoft.com/office/mac/drawingml/2011/main" xmlns:a14="http://schemas.microsoft.com/office/drawing/2010/main" xmlns:m="http://schemas.openxmlformats.org/officeDocument/2006/math" xmlns="" val="1"/>
+              <ma14:wrappingTextBoxFlag xmlns="" xmlns:m="http://schemas.openxmlformats.org/officeDocument/2006/math" xmlns:a14="http://schemas.microsoft.com/office/drawing/2010/main" xmlns:ma14="http://schemas.microsoft.com/office/mac/drawingml/2011/main" val="1"/>
             </a:ext>
           </a:extLst>
         </p:spPr>
@@ -7763,7 +7763,7 @@
           </a:ln>
           <a:extLst>
             <a:ext uri="{C572A759-6A51-4108-AA02-DFA0A04FC94B}">
-              <ma14:wrappingTextBoxFlag xmlns:ma14="http://schemas.microsoft.com/office/mac/drawingml/2011/main" xmlns:a14="http://schemas.microsoft.com/office/drawing/2010/main" xmlns:m="http://schemas.openxmlformats.org/officeDocument/2006/math" xmlns="" val="1"/>
+              <ma14:wrappingTextBoxFlag xmlns="" xmlns:m="http://schemas.openxmlformats.org/officeDocument/2006/math" xmlns:a14="http://schemas.microsoft.com/office/drawing/2010/main" xmlns:ma14="http://schemas.microsoft.com/office/mac/drawingml/2011/main" val="1"/>
             </a:ext>
           </a:extLst>
         </p:spPr>
@@ -7814,7 +7814,7 @@
           </a:ln>
           <a:extLst>
             <a:ext uri="{C572A759-6A51-4108-AA02-DFA0A04FC94B}">
-              <ma14:wrappingTextBoxFlag xmlns:ma14="http://schemas.microsoft.com/office/mac/drawingml/2011/main" xmlns:a14="http://schemas.microsoft.com/office/drawing/2010/main" xmlns:m="http://schemas.openxmlformats.org/officeDocument/2006/math" xmlns="" val="1"/>
+              <ma14:wrappingTextBoxFlag xmlns="" xmlns:m="http://schemas.openxmlformats.org/officeDocument/2006/math" xmlns:a14="http://schemas.microsoft.com/office/drawing/2010/main" xmlns:ma14="http://schemas.microsoft.com/office/mac/drawingml/2011/main" val="1"/>
             </a:ext>
           </a:extLst>
         </p:spPr>
@@ -7865,7 +7865,7 @@
           </a:ln>
           <a:extLst>
             <a:ext uri="{C572A759-6A51-4108-AA02-DFA0A04FC94B}">
-              <ma14:wrappingTextBoxFlag xmlns:ma14="http://schemas.microsoft.com/office/mac/drawingml/2011/main" xmlns:a14="http://schemas.microsoft.com/office/drawing/2010/main" xmlns:m="http://schemas.openxmlformats.org/officeDocument/2006/math" xmlns="" val="1"/>
+              <ma14:wrappingTextBoxFlag xmlns="" xmlns:m="http://schemas.openxmlformats.org/officeDocument/2006/math" xmlns:a14="http://schemas.microsoft.com/office/drawing/2010/main" xmlns:ma14="http://schemas.microsoft.com/office/mac/drawingml/2011/main" val="1"/>
             </a:ext>
           </a:extLst>
         </p:spPr>
@@ -7916,7 +7916,7 @@
           </a:ln>
           <a:extLst>
             <a:ext uri="{C572A759-6A51-4108-AA02-DFA0A04FC94B}">
-              <ma14:wrappingTextBoxFlag xmlns:ma14="http://schemas.microsoft.com/office/mac/drawingml/2011/main" xmlns:a14="http://schemas.microsoft.com/office/drawing/2010/main" xmlns:m="http://schemas.openxmlformats.org/officeDocument/2006/math" xmlns="" val="1"/>
+              <ma14:wrappingTextBoxFlag xmlns="" xmlns:m="http://schemas.openxmlformats.org/officeDocument/2006/math" xmlns:a14="http://schemas.microsoft.com/office/drawing/2010/main" xmlns:ma14="http://schemas.microsoft.com/office/mac/drawingml/2011/main" val="1"/>
             </a:ext>
           </a:extLst>
         </p:spPr>
@@ -7967,7 +7967,7 @@
           </a:ln>
           <a:extLst>
             <a:ext uri="{C572A759-6A51-4108-AA02-DFA0A04FC94B}">
-              <ma14:wrappingTextBoxFlag xmlns:ma14="http://schemas.microsoft.com/office/mac/drawingml/2011/main" xmlns:a14="http://schemas.microsoft.com/office/drawing/2010/main" xmlns:m="http://schemas.openxmlformats.org/officeDocument/2006/math" xmlns="" val="1"/>
+              <ma14:wrappingTextBoxFlag xmlns="" xmlns:m="http://schemas.openxmlformats.org/officeDocument/2006/math" xmlns:a14="http://schemas.microsoft.com/office/drawing/2010/main" xmlns:ma14="http://schemas.microsoft.com/office/mac/drawingml/2011/main" val="1"/>
             </a:ext>
           </a:extLst>
         </p:spPr>
@@ -8018,7 +8018,7 @@
           </a:ln>
           <a:extLst>
             <a:ext uri="{C572A759-6A51-4108-AA02-DFA0A04FC94B}">
-              <ma14:wrappingTextBoxFlag xmlns:ma14="http://schemas.microsoft.com/office/mac/drawingml/2011/main" xmlns:a14="http://schemas.microsoft.com/office/drawing/2010/main" xmlns:m="http://schemas.openxmlformats.org/officeDocument/2006/math" xmlns="" val="1"/>
+              <ma14:wrappingTextBoxFlag xmlns="" xmlns:m="http://schemas.openxmlformats.org/officeDocument/2006/math" xmlns:a14="http://schemas.microsoft.com/office/drawing/2010/main" xmlns:ma14="http://schemas.microsoft.com/office/mac/drawingml/2011/main" val="1"/>
             </a:ext>
           </a:extLst>
         </p:spPr>
@@ -8069,7 +8069,7 @@
           </a:ln>
           <a:extLst>
             <a:ext uri="{C572A759-6A51-4108-AA02-DFA0A04FC94B}">
-              <ma14:wrappingTextBoxFlag xmlns:ma14="http://schemas.microsoft.com/office/mac/drawingml/2011/main" xmlns:a14="http://schemas.microsoft.com/office/drawing/2010/main" xmlns:m="http://schemas.openxmlformats.org/officeDocument/2006/math" xmlns="" val="1"/>
+              <ma14:wrappingTextBoxFlag xmlns="" xmlns:m="http://schemas.openxmlformats.org/officeDocument/2006/math" xmlns:a14="http://schemas.microsoft.com/office/drawing/2010/main" xmlns:ma14="http://schemas.microsoft.com/office/mac/drawingml/2011/main" val="1"/>
             </a:ext>
           </a:extLst>
         </p:spPr>
@@ -8120,7 +8120,7 @@
           </a:ln>
           <a:extLst>
             <a:ext uri="{C572A759-6A51-4108-AA02-DFA0A04FC94B}">
-              <ma14:wrappingTextBoxFlag xmlns:ma14="http://schemas.microsoft.com/office/mac/drawingml/2011/main" xmlns:a14="http://schemas.microsoft.com/office/drawing/2010/main" xmlns:m="http://schemas.openxmlformats.org/officeDocument/2006/math" xmlns="" val="1"/>
+              <ma14:wrappingTextBoxFlag xmlns="" xmlns:m="http://schemas.openxmlformats.org/officeDocument/2006/math" xmlns:a14="http://schemas.microsoft.com/office/drawing/2010/main" xmlns:ma14="http://schemas.microsoft.com/office/mac/drawingml/2011/main" val="1"/>
             </a:ext>
           </a:extLst>
         </p:spPr>
@@ -8171,7 +8171,7 @@
           </a:ln>
           <a:extLst>
             <a:ext uri="{C572A759-6A51-4108-AA02-DFA0A04FC94B}">
-              <ma14:wrappingTextBoxFlag xmlns:ma14="http://schemas.microsoft.com/office/mac/drawingml/2011/main" xmlns:a14="http://schemas.microsoft.com/office/drawing/2010/main" xmlns:m="http://schemas.openxmlformats.org/officeDocument/2006/math" xmlns="" val="1"/>
+              <ma14:wrappingTextBoxFlag xmlns="" xmlns:m="http://schemas.openxmlformats.org/officeDocument/2006/math" xmlns:a14="http://schemas.microsoft.com/office/drawing/2010/main" xmlns:ma14="http://schemas.microsoft.com/office/mac/drawingml/2011/main" val="1"/>
             </a:ext>
           </a:extLst>
         </p:spPr>
@@ -8222,7 +8222,7 @@
           </a:ln>
           <a:extLst>
             <a:ext uri="{C572A759-6A51-4108-AA02-DFA0A04FC94B}">
-              <ma14:wrappingTextBoxFlag xmlns:ma14="http://schemas.microsoft.com/office/mac/drawingml/2011/main" xmlns:a14="http://schemas.microsoft.com/office/drawing/2010/main" xmlns:m="http://schemas.openxmlformats.org/officeDocument/2006/math" xmlns="" val="1"/>
+              <ma14:wrappingTextBoxFlag xmlns="" xmlns:m="http://schemas.openxmlformats.org/officeDocument/2006/math" xmlns:a14="http://schemas.microsoft.com/office/drawing/2010/main" xmlns:ma14="http://schemas.microsoft.com/office/mac/drawingml/2011/main" val="1"/>
             </a:ext>
           </a:extLst>
         </p:spPr>
@@ -8273,7 +8273,7 @@
           </a:ln>
           <a:extLst>
             <a:ext uri="{C572A759-6A51-4108-AA02-DFA0A04FC94B}">
-              <ma14:wrappingTextBoxFlag xmlns:ma14="http://schemas.microsoft.com/office/mac/drawingml/2011/main" xmlns:a14="http://schemas.microsoft.com/office/drawing/2010/main" xmlns:m="http://schemas.openxmlformats.org/officeDocument/2006/math" xmlns="" val="1"/>
+              <ma14:wrappingTextBoxFlag xmlns="" xmlns:m="http://schemas.openxmlformats.org/officeDocument/2006/math" xmlns:a14="http://schemas.microsoft.com/office/drawing/2010/main" xmlns:ma14="http://schemas.microsoft.com/office/mac/drawingml/2011/main" val="1"/>
             </a:ext>
           </a:extLst>
         </p:spPr>
@@ -8324,7 +8324,7 @@
           </a:ln>
           <a:extLst>
             <a:ext uri="{C572A759-6A51-4108-AA02-DFA0A04FC94B}">
-              <ma14:wrappingTextBoxFlag xmlns:ma14="http://schemas.microsoft.com/office/mac/drawingml/2011/main" xmlns:a14="http://schemas.microsoft.com/office/drawing/2010/main" xmlns:m="http://schemas.openxmlformats.org/officeDocument/2006/math" xmlns="" val="1"/>
+              <ma14:wrappingTextBoxFlag xmlns="" xmlns:m="http://schemas.openxmlformats.org/officeDocument/2006/math" xmlns:a14="http://schemas.microsoft.com/office/drawing/2010/main" xmlns:ma14="http://schemas.microsoft.com/office/mac/drawingml/2011/main" val="1"/>
             </a:ext>
           </a:extLst>
         </p:spPr>
@@ -8375,7 +8375,7 @@
           </a:ln>
           <a:extLst>
             <a:ext uri="{C572A759-6A51-4108-AA02-DFA0A04FC94B}">
-              <ma14:wrappingTextBoxFlag xmlns:ma14="http://schemas.microsoft.com/office/mac/drawingml/2011/main" xmlns:a14="http://schemas.microsoft.com/office/drawing/2010/main" xmlns:m="http://schemas.openxmlformats.org/officeDocument/2006/math" xmlns="" val="1"/>
+              <ma14:wrappingTextBoxFlag xmlns="" xmlns:m="http://schemas.openxmlformats.org/officeDocument/2006/math" xmlns:a14="http://schemas.microsoft.com/office/drawing/2010/main" xmlns:ma14="http://schemas.microsoft.com/office/mac/drawingml/2011/main" val="1"/>
             </a:ext>
           </a:extLst>
         </p:spPr>
@@ -8426,7 +8426,7 @@
           </a:ln>
           <a:extLst>
             <a:ext uri="{C572A759-6A51-4108-AA02-DFA0A04FC94B}">
-              <ma14:wrappingTextBoxFlag xmlns:ma14="http://schemas.microsoft.com/office/mac/drawingml/2011/main" xmlns:a14="http://schemas.microsoft.com/office/drawing/2010/main" xmlns:m="http://schemas.openxmlformats.org/officeDocument/2006/math" xmlns="" val="1"/>
+              <ma14:wrappingTextBoxFlag xmlns="" xmlns:m="http://schemas.openxmlformats.org/officeDocument/2006/math" xmlns:a14="http://schemas.microsoft.com/office/drawing/2010/main" xmlns:ma14="http://schemas.microsoft.com/office/mac/drawingml/2011/main" val="1"/>
             </a:ext>
           </a:extLst>
         </p:spPr>
@@ -8477,7 +8477,7 @@
           </a:ln>
           <a:extLst>
             <a:ext uri="{C572A759-6A51-4108-AA02-DFA0A04FC94B}">
-              <ma14:wrappingTextBoxFlag xmlns:ma14="http://schemas.microsoft.com/office/mac/drawingml/2011/main" xmlns:a14="http://schemas.microsoft.com/office/drawing/2010/main" xmlns:m="http://schemas.openxmlformats.org/officeDocument/2006/math" xmlns="" val="1"/>
+              <ma14:wrappingTextBoxFlag xmlns="" xmlns:m="http://schemas.openxmlformats.org/officeDocument/2006/math" xmlns:a14="http://schemas.microsoft.com/office/drawing/2010/main" xmlns:ma14="http://schemas.microsoft.com/office/mac/drawingml/2011/main" val="1"/>
             </a:ext>
           </a:extLst>
         </p:spPr>
@@ -8528,7 +8528,7 @@
           </a:ln>
           <a:extLst>
             <a:ext uri="{C572A759-6A51-4108-AA02-DFA0A04FC94B}">
-              <ma14:wrappingTextBoxFlag xmlns:ma14="http://schemas.microsoft.com/office/mac/drawingml/2011/main" xmlns:a14="http://schemas.microsoft.com/office/drawing/2010/main" xmlns:m="http://schemas.openxmlformats.org/officeDocument/2006/math" xmlns="" val="1"/>
+              <ma14:wrappingTextBoxFlag xmlns="" xmlns:m="http://schemas.openxmlformats.org/officeDocument/2006/math" xmlns:a14="http://schemas.microsoft.com/office/drawing/2010/main" xmlns:ma14="http://schemas.microsoft.com/office/mac/drawingml/2011/main" val="1"/>
             </a:ext>
           </a:extLst>
         </p:spPr>
@@ -8579,7 +8579,7 @@
           </a:ln>
           <a:extLst>
             <a:ext uri="{C572A759-6A51-4108-AA02-DFA0A04FC94B}">
-              <ma14:wrappingTextBoxFlag xmlns:ma14="http://schemas.microsoft.com/office/mac/drawingml/2011/main" xmlns:a14="http://schemas.microsoft.com/office/drawing/2010/main" xmlns:m="http://schemas.openxmlformats.org/officeDocument/2006/math" xmlns="" val="1"/>
+              <ma14:wrappingTextBoxFlag xmlns="" xmlns:m="http://schemas.openxmlformats.org/officeDocument/2006/math" xmlns:a14="http://schemas.microsoft.com/office/drawing/2010/main" xmlns:ma14="http://schemas.microsoft.com/office/mac/drawingml/2011/main" val="1"/>
             </a:ext>
           </a:extLst>
         </p:spPr>
@@ -8630,7 +8630,7 @@
           </a:ln>
           <a:extLst>
             <a:ext uri="{C572A759-6A51-4108-AA02-DFA0A04FC94B}">
-              <ma14:wrappingTextBoxFlag xmlns:ma14="http://schemas.microsoft.com/office/mac/drawingml/2011/main" xmlns:a14="http://schemas.microsoft.com/office/drawing/2010/main" xmlns:m="http://schemas.openxmlformats.org/officeDocument/2006/math" xmlns="" val="1"/>
+              <ma14:wrappingTextBoxFlag xmlns="" xmlns:m="http://schemas.openxmlformats.org/officeDocument/2006/math" xmlns:a14="http://schemas.microsoft.com/office/drawing/2010/main" xmlns:ma14="http://schemas.microsoft.com/office/mac/drawingml/2011/main" val="1"/>
             </a:ext>
           </a:extLst>
         </p:spPr>
@@ -8681,7 +8681,7 @@
           </a:ln>
           <a:extLst>
             <a:ext uri="{C572A759-6A51-4108-AA02-DFA0A04FC94B}">
-              <ma14:wrappingTextBoxFlag xmlns:ma14="http://schemas.microsoft.com/office/mac/drawingml/2011/main" xmlns:a14="http://schemas.microsoft.com/office/drawing/2010/main" xmlns:m="http://schemas.openxmlformats.org/officeDocument/2006/math" xmlns="" val="1"/>
+              <ma14:wrappingTextBoxFlag xmlns="" xmlns:m="http://schemas.openxmlformats.org/officeDocument/2006/math" xmlns:a14="http://schemas.microsoft.com/office/drawing/2010/main" xmlns:ma14="http://schemas.microsoft.com/office/mac/drawingml/2011/main" val="1"/>
             </a:ext>
           </a:extLst>
         </p:spPr>
@@ -9094,7 +9094,7 @@
           </a:ln>
           <a:extLst>
             <a:ext uri="{C572A759-6A51-4108-AA02-DFA0A04FC94B}">
-              <ma14:wrappingTextBoxFlag xmlns="" xmlns:m="http://schemas.openxmlformats.org/officeDocument/2006/math" xmlns:a14="http://schemas.microsoft.com/office/drawing/2010/main" xmlns:ma14="http://schemas.microsoft.com/office/mac/drawingml/2011/main" val="1"/>
+              <ma14:wrappingTextBoxFlag xmlns:ma14="http://schemas.microsoft.com/office/mac/drawingml/2011/main" xmlns:a14="http://schemas.microsoft.com/office/drawing/2010/main" xmlns:m="http://schemas.openxmlformats.org/officeDocument/2006/math" xmlns="" val="1"/>
             </a:ext>
           </a:extLst>
         </p:spPr>
@@ -9145,7 +9145,7 @@
           </a:ln>
           <a:extLst>
             <a:ext uri="{C572A759-6A51-4108-AA02-DFA0A04FC94B}">
-              <ma14:wrappingTextBoxFlag xmlns="" xmlns:m="http://schemas.openxmlformats.org/officeDocument/2006/math" xmlns:a14="http://schemas.microsoft.com/office/drawing/2010/main" xmlns:ma14="http://schemas.microsoft.com/office/mac/drawingml/2011/main" val="1"/>
+              <ma14:wrappingTextBoxFlag xmlns:ma14="http://schemas.microsoft.com/office/mac/drawingml/2011/main" xmlns:a14="http://schemas.microsoft.com/office/drawing/2010/main" xmlns:m="http://schemas.openxmlformats.org/officeDocument/2006/math" xmlns="" val="1"/>
             </a:ext>
           </a:extLst>
         </p:spPr>
@@ -9196,7 +9196,7 @@
           </a:ln>
           <a:extLst>
             <a:ext uri="{C572A759-6A51-4108-AA02-DFA0A04FC94B}">
-              <ma14:wrappingTextBoxFlag xmlns="" xmlns:m="http://schemas.openxmlformats.org/officeDocument/2006/math" xmlns:a14="http://schemas.microsoft.com/office/drawing/2010/main" xmlns:ma14="http://schemas.microsoft.com/office/mac/drawingml/2011/main" val="1"/>
+              <ma14:wrappingTextBoxFlag xmlns:ma14="http://schemas.microsoft.com/office/mac/drawingml/2011/main" xmlns:a14="http://schemas.microsoft.com/office/drawing/2010/main" xmlns:m="http://schemas.openxmlformats.org/officeDocument/2006/math" xmlns="" val="1"/>
             </a:ext>
           </a:extLst>
         </p:spPr>
@@ -9247,7 +9247,7 @@
           </a:ln>
           <a:extLst>
             <a:ext uri="{C572A759-6A51-4108-AA02-DFA0A04FC94B}">
-              <ma14:wrappingTextBoxFlag xmlns="" xmlns:m="http://schemas.openxmlformats.org/officeDocument/2006/math" xmlns:a14="http://schemas.microsoft.com/office/drawing/2010/main" xmlns:ma14="http://schemas.microsoft.com/office/mac/drawingml/2011/main" val="1"/>
+              <ma14:wrappingTextBoxFlag xmlns:ma14="http://schemas.microsoft.com/office/mac/drawingml/2011/main" xmlns:a14="http://schemas.microsoft.com/office/drawing/2010/main" xmlns:m="http://schemas.openxmlformats.org/officeDocument/2006/math" xmlns="" val="1"/>
             </a:ext>
           </a:extLst>
         </p:spPr>
@@ -9298,7 +9298,7 @@
           </a:ln>
           <a:extLst>
             <a:ext uri="{C572A759-6A51-4108-AA02-DFA0A04FC94B}">
-              <ma14:wrappingTextBoxFlag xmlns="" xmlns:m="http://schemas.openxmlformats.org/officeDocument/2006/math" xmlns:a14="http://schemas.microsoft.com/office/drawing/2010/main" xmlns:ma14="http://schemas.microsoft.com/office/mac/drawingml/2011/main" val="1"/>
+              <ma14:wrappingTextBoxFlag xmlns:ma14="http://schemas.microsoft.com/office/mac/drawingml/2011/main" xmlns:a14="http://schemas.microsoft.com/office/drawing/2010/main" xmlns:m="http://schemas.openxmlformats.org/officeDocument/2006/math" xmlns="" val="1"/>
             </a:ext>
           </a:extLst>
         </p:spPr>
@@ -9349,7 +9349,7 @@
           </a:ln>
           <a:extLst>
             <a:ext uri="{C572A759-6A51-4108-AA02-DFA0A04FC94B}">
-              <ma14:wrappingTextBoxFlag xmlns="" xmlns:m="http://schemas.openxmlformats.org/officeDocument/2006/math" xmlns:a14="http://schemas.microsoft.com/office/drawing/2010/main" xmlns:ma14="http://schemas.microsoft.com/office/mac/drawingml/2011/main" val="1"/>
+              <ma14:wrappingTextBoxFlag xmlns:ma14="http://schemas.microsoft.com/office/mac/drawingml/2011/main" xmlns:a14="http://schemas.microsoft.com/office/drawing/2010/main" xmlns:m="http://schemas.openxmlformats.org/officeDocument/2006/math" xmlns="" val="1"/>
             </a:ext>
           </a:extLst>
         </p:spPr>
@@ -9400,7 +9400,7 @@
           </a:ln>
           <a:extLst>
             <a:ext uri="{C572A759-6A51-4108-AA02-DFA0A04FC94B}">
-              <ma14:wrappingTextBoxFlag xmlns="" xmlns:m="http://schemas.openxmlformats.org/officeDocument/2006/math" xmlns:a14="http://schemas.microsoft.com/office/drawing/2010/main" xmlns:ma14="http://schemas.microsoft.com/office/mac/drawingml/2011/main" val="1"/>
+              <ma14:wrappingTextBoxFlag xmlns:ma14="http://schemas.microsoft.com/office/mac/drawingml/2011/main" xmlns:a14="http://schemas.microsoft.com/office/drawing/2010/main" xmlns:m="http://schemas.openxmlformats.org/officeDocument/2006/math" xmlns="" val="1"/>
             </a:ext>
           </a:extLst>
         </p:spPr>
@@ -9451,7 +9451,7 @@
           </a:ln>
           <a:extLst>
             <a:ext uri="{C572A759-6A51-4108-AA02-DFA0A04FC94B}">
-              <ma14:wrappingTextBoxFlag xmlns="" xmlns:m="http://schemas.openxmlformats.org/officeDocument/2006/math" xmlns:a14="http://schemas.microsoft.com/office/drawing/2010/main" xmlns:ma14="http://schemas.microsoft.com/office/mac/drawingml/2011/main" val="1"/>
+              <ma14:wrappingTextBoxFlag xmlns:ma14="http://schemas.microsoft.com/office/mac/drawingml/2011/main" xmlns:a14="http://schemas.microsoft.com/office/drawing/2010/main" xmlns:m="http://schemas.openxmlformats.org/officeDocument/2006/math" xmlns="" val="1"/>
             </a:ext>
           </a:extLst>
         </p:spPr>
@@ -9502,7 +9502,7 @@
           </a:ln>
           <a:extLst>
             <a:ext uri="{C572A759-6A51-4108-AA02-DFA0A04FC94B}">
-              <ma14:wrappingTextBoxFlag xmlns="" xmlns:m="http://schemas.openxmlformats.org/officeDocument/2006/math" xmlns:a14="http://schemas.microsoft.com/office/drawing/2010/main" xmlns:ma14="http://schemas.microsoft.com/office/mac/drawingml/2011/main" val="1"/>
+              <ma14:wrappingTextBoxFlag xmlns:ma14="http://schemas.microsoft.com/office/mac/drawingml/2011/main" xmlns:a14="http://schemas.microsoft.com/office/drawing/2010/main" xmlns:m="http://schemas.openxmlformats.org/officeDocument/2006/math" xmlns="" val="1"/>
             </a:ext>
           </a:extLst>
         </p:spPr>
@@ -9553,7 +9553,7 @@
           </a:ln>
           <a:extLst>
             <a:ext uri="{C572A759-6A51-4108-AA02-DFA0A04FC94B}">
-              <ma14:wrappingTextBoxFlag xmlns="" xmlns:m="http://schemas.openxmlformats.org/officeDocument/2006/math" xmlns:a14="http://schemas.microsoft.com/office/drawing/2010/main" xmlns:ma14="http://schemas.microsoft.com/office/mac/drawingml/2011/main" val="1"/>
+              <ma14:wrappingTextBoxFlag xmlns:ma14="http://schemas.microsoft.com/office/mac/drawingml/2011/main" xmlns:a14="http://schemas.microsoft.com/office/drawing/2010/main" xmlns:m="http://schemas.openxmlformats.org/officeDocument/2006/math" xmlns="" val="1"/>
             </a:ext>
           </a:extLst>
         </p:spPr>
@@ -9604,7 +9604,7 @@
           </a:ln>
           <a:extLst>
             <a:ext uri="{C572A759-6A51-4108-AA02-DFA0A04FC94B}">
-              <ma14:wrappingTextBoxFlag xmlns="" xmlns:m="http://schemas.openxmlformats.org/officeDocument/2006/math" xmlns:a14="http://schemas.microsoft.com/office/drawing/2010/main" xmlns:ma14="http://schemas.microsoft.com/office/mac/drawingml/2011/main" val="1"/>
+              <ma14:wrappingTextBoxFlag xmlns:ma14="http://schemas.microsoft.com/office/mac/drawingml/2011/main" xmlns:a14="http://schemas.microsoft.com/office/drawing/2010/main" xmlns:m="http://schemas.openxmlformats.org/officeDocument/2006/math" xmlns="" val="1"/>
             </a:ext>
           </a:extLst>
         </p:spPr>
@@ -9655,7 +9655,7 @@
           </a:ln>
           <a:extLst>
             <a:ext uri="{C572A759-6A51-4108-AA02-DFA0A04FC94B}">
-              <ma14:wrappingTextBoxFlag xmlns="" xmlns:m="http://schemas.openxmlformats.org/officeDocument/2006/math" xmlns:a14="http://schemas.microsoft.com/office/drawing/2010/main" xmlns:ma14="http://schemas.microsoft.com/office/mac/drawingml/2011/main" val="1"/>
+              <ma14:wrappingTextBoxFlag xmlns:ma14="http://schemas.microsoft.com/office/mac/drawingml/2011/main" xmlns:a14="http://schemas.microsoft.com/office/drawing/2010/main" xmlns:m="http://schemas.openxmlformats.org/officeDocument/2006/math" xmlns="" val="1"/>
             </a:ext>
           </a:extLst>
         </p:spPr>
@@ -9706,7 +9706,7 @@
           </a:ln>
           <a:extLst>
             <a:ext uri="{C572A759-6A51-4108-AA02-DFA0A04FC94B}">
-              <ma14:wrappingTextBoxFlag xmlns="" xmlns:m="http://schemas.openxmlformats.org/officeDocument/2006/math" xmlns:a14="http://schemas.microsoft.com/office/drawing/2010/main" xmlns:ma14="http://schemas.microsoft.com/office/mac/drawingml/2011/main" val="1"/>
+              <ma14:wrappingTextBoxFlag xmlns:ma14="http://schemas.microsoft.com/office/mac/drawingml/2011/main" xmlns:a14="http://schemas.microsoft.com/office/drawing/2010/main" xmlns:m="http://schemas.openxmlformats.org/officeDocument/2006/math" xmlns="" val="1"/>
             </a:ext>
           </a:extLst>
         </p:spPr>
@@ -9757,7 +9757,7 @@
           </a:ln>
           <a:extLst>
             <a:ext uri="{C572A759-6A51-4108-AA02-DFA0A04FC94B}">
-              <ma14:wrappingTextBoxFlag xmlns="" xmlns:m="http://schemas.openxmlformats.org/officeDocument/2006/math" xmlns:a14="http://schemas.microsoft.com/office/drawing/2010/main" xmlns:ma14="http://schemas.microsoft.com/office/mac/drawingml/2011/main" val="1"/>
+              <ma14:wrappingTextBoxFlag xmlns:ma14="http://schemas.microsoft.com/office/mac/drawingml/2011/main" xmlns:a14="http://schemas.microsoft.com/office/drawing/2010/main" xmlns:m="http://schemas.openxmlformats.org/officeDocument/2006/math" xmlns="" val="1"/>
             </a:ext>
           </a:extLst>
         </p:spPr>
@@ -9808,7 +9808,7 @@
           </a:ln>
           <a:extLst>
             <a:ext uri="{C572A759-6A51-4108-AA02-DFA0A04FC94B}">
-              <ma14:wrappingTextBoxFlag xmlns="" xmlns:m="http://schemas.openxmlformats.org/officeDocument/2006/math" xmlns:a14="http://schemas.microsoft.com/office/drawing/2010/main" xmlns:ma14="http://schemas.microsoft.com/office/mac/drawingml/2011/main" val="1"/>
+              <ma14:wrappingTextBoxFlag xmlns:ma14="http://schemas.microsoft.com/office/mac/drawingml/2011/main" xmlns:a14="http://schemas.microsoft.com/office/drawing/2010/main" xmlns:m="http://schemas.openxmlformats.org/officeDocument/2006/math" xmlns="" val="1"/>
             </a:ext>
           </a:extLst>
         </p:spPr>
@@ -9859,7 +9859,7 @@
           </a:ln>
           <a:extLst>
             <a:ext uri="{C572A759-6A51-4108-AA02-DFA0A04FC94B}">
-              <ma14:wrappingTextBoxFlag xmlns="" xmlns:m="http://schemas.openxmlformats.org/officeDocument/2006/math" xmlns:a14="http://schemas.microsoft.com/office/drawing/2010/main" xmlns:ma14="http://schemas.microsoft.com/office/mac/drawingml/2011/main" val="1"/>
+              <ma14:wrappingTextBoxFlag xmlns:ma14="http://schemas.microsoft.com/office/mac/drawingml/2011/main" xmlns:a14="http://schemas.microsoft.com/office/drawing/2010/main" xmlns:m="http://schemas.openxmlformats.org/officeDocument/2006/math" xmlns="" val="1"/>
             </a:ext>
           </a:extLst>
         </p:spPr>
@@ -9910,7 +9910,7 @@
           </a:ln>
           <a:extLst>
             <a:ext uri="{C572A759-6A51-4108-AA02-DFA0A04FC94B}">
-              <ma14:wrappingTextBoxFlag xmlns="" xmlns:m="http://schemas.openxmlformats.org/officeDocument/2006/math" xmlns:a14="http://schemas.microsoft.com/office/drawing/2010/main" xmlns:ma14="http://schemas.microsoft.com/office/mac/drawingml/2011/main" val="1"/>
+              <ma14:wrappingTextBoxFlag xmlns:ma14="http://schemas.microsoft.com/office/mac/drawingml/2011/main" xmlns:a14="http://schemas.microsoft.com/office/drawing/2010/main" xmlns:m="http://schemas.openxmlformats.org/officeDocument/2006/math" xmlns="" val="1"/>
             </a:ext>
           </a:extLst>
         </p:spPr>
@@ -9961,7 +9961,7 @@
           </a:ln>
           <a:extLst>
             <a:ext uri="{C572A759-6A51-4108-AA02-DFA0A04FC94B}">
-              <ma14:wrappingTextBoxFlag xmlns="" xmlns:m="http://schemas.openxmlformats.org/officeDocument/2006/math" xmlns:a14="http://schemas.microsoft.com/office/drawing/2010/main" xmlns:ma14="http://schemas.microsoft.com/office/mac/drawingml/2011/main" val="1"/>
+              <ma14:wrappingTextBoxFlag xmlns:ma14="http://schemas.microsoft.com/office/mac/drawingml/2011/main" xmlns:a14="http://schemas.microsoft.com/office/drawing/2010/main" xmlns:m="http://schemas.openxmlformats.org/officeDocument/2006/math" xmlns="" val="1"/>
             </a:ext>
           </a:extLst>
         </p:spPr>
@@ -10012,7 +10012,7 @@
           </a:ln>
           <a:extLst>
             <a:ext uri="{C572A759-6A51-4108-AA02-DFA0A04FC94B}">
-              <ma14:wrappingTextBoxFlag xmlns="" xmlns:m="http://schemas.openxmlformats.org/officeDocument/2006/math" xmlns:a14="http://schemas.microsoft.com/office/drawing/2010/main" xmlns:ma14="http://schemas.microsoft.com/office/mac/drawingml/2011/main" val="1"/>
+              <ma14:wrappingTextBoxFlag xmlns:ma14="http://schemas.microsoft.com/office/mac/drawingml/2011/main" xmlns:a14="http://schemas.microsoft.com/office/drawing/2010/main" xmlns:m="http://schemas.openxmlformats.org/officeDocument/2006/math" xmlns="" val="1"/>
             </a:ext>
           </a:extLst>
         </p:spPr>
@@ -10063,7 +10063,7 @@
           </a:ln>
           <a:extLst>
             <a:ext uri="{C572A759-6A51-4108-AA02-DFA0A04FC94B}">
-              <ma14:wrappingTextBoxFlag xmlns="" xmlns:m="http://schemas.openxmlformats.org/officeDocument/2006/math" xmlns:a14="http://schemas.microsoft.com/office/drawing/2010/main" xmlns:ma14="http://schemas.microsoft.com/office/mac/drawingml/2011/main" val="1"/>
+              <ma14:wrappingTextBoxFlag xmlns:ma14="http://schemas.microsoft.com/office/mac/drawingml/2011/main" xmlns:a14="http://schemas.microsoft.com/office/drawing/2010/main" xmlns:m="http://schemas.openxmlformats.org/officeDocument/2006/math" xmlns="" val="1"/>
             </a:ext>
           </a:extLst>
         </p:spPr>
@@ -10114,7 +10114,7 @@
           </a:ln>
           <a:extLst>
             <a:ext uri="{C572A759-6A51-4108-AA02-DFA0A04FC94B}">
-              <ma14:wrappingTextBoxFlag xmlns="" xmlns:m="http://schemas.openxmlformats.org/officeDocument/2006/math" xmlns:a14="http://schemas.microsoft.com/office/drawing/2010/main" xmlns:ma14="http://schemas.microsoft.com/office/mac/drawingml/2011/main" val="1"/>
+              <ma14:wrappingTextBoxFlag xmlns:ma14="http://schemas.microsoft.com/office/mac/drawingml/2011/main" xmlns:a14="http://schemas.microsoft.com/office/drawing/2010/main" xmlns:m="http://schemas.openxmlformats.org/officeDocument/2006/math" xmlns="" val="1"/>
             </a:ext>
           </a:extLst>
         </p:spPr>
@@ -10165,7 +10165,7 @@
           </a:ln>
           <a:extLst>
             <a:ext uri="{C572A759-6A51-4108-AA02-DFA0A04FC94B}">
-              <ma14:wrappingTextBoxFlag xmlns="" xmlns:m="http://schemas.openxmlformats.org/officeDocument/2006/math" xmlns:a14="http://schemas.microsoft.com/office/drawing/2010/main" xmlns:ma14="http://schemas.microsoft.com/office/mac/drawingml/2011/main" val="1"/>
+              <ma14:wrappingTextBoxFlag xmlns:ma14="http://schemas.microsoft.com/office/mac/drawingml/2011/main" xmlns:a14="http://schemas.microsoft.com/office/drawing/2010/main" xmlns:m="http://schemas.openxmlformats.org/officeDocument/2006/math" xmlns="" val="1"/>
             </a:ext>
           </a:extLst>
         </p:spPr>
@@ -10216,7 +10216,7 @@
           </a:ln>
           <a:extLst>
             <a:ext uri="{C572A759-6A51-4108-AA02-DFA0A04FC94B}">
-              <ma14:wrappingTextBoxFlag xmlns="" xmlns:m="http://schemas.openxmlformats.org/officeDocument/2006/math" xmlns:a14="http://schemas.microsoft.com/office/drawing/2010/main" xmlns:ma14="http://schemas.microsoft.com/office/mac/drawingml/2011/main" val="1"/>
+              <ma14:wrappingTextBoxFlag xmlns:ma14="http://schemas.microsoft.com/office/mac/drawingml/2011/main" xmlns:a14="http://schemas.microsoft.com/office/drawing/2010/main" xmlns:m="http://schemas.openxmlformats.org/officeDocument/2006/math" xmlns="" val="1"/>
             </a:ext>
           </a:extLst>
         </p:spPr>
@@ -10267,7 +10267,7 @@
           </a:ln>
           <a:extLst>
             <a:ext uri="{C572A759-6A51-4108-AA02-DFA0A04FC94B}">
-              <ma14:wrappingTextBoxFlag xmlns="" xmlns:m="http://schemas.openxmlformats.org/officeDocument/2006/math" xmlns:a14="http://schemas.microsoft.com/office/drawing/2010/main" xmlns:ma14="http://schemas.microsoft.com/office/mac/drawingml/2011/main" val="1"/>
+              <ma14:wrappingTextBoxFlag xmlns:ma14="http://schemas.microsoft.com/office/mac/drawingml/2011/main" xmlns:a14="http://schemas.microsoft.com/office/drawing/2010/main" xmlns:m="http://schemas.openxmlformats.org/officeDocument/2006/math" xmlns="" val="1"/>
             </a:ext>
           </a:extLst>
         </p:spPr>
@@ -10318,7 +10318,7 @@
           </a:ln>
           <a:extLst>
             <a:ext uri="{C572A759-6A51-4108-AA02-DFA0A04FC94B}">
-              <ma14:wrappingTextBoxFlag xmlns="" xmlns:m="http://schemas.openxmlformats.org/officeDocument/2006/math" xmlns:a14="http://schemas.microsoft.com/office/drawing/2010/main" xmlns:ma14="http://schemas.microsoft.com/office/mac/drawingml/2011/main" val="1"/>
+              <ma14:wrappingTextBoxFlag xmlns:ma14="http://schemas.microsoft.com/office/mac/drawingml/2011/main" xmlns:a14="http://schemas.microsoft.com/office/drawing/2010/main" xmlns:m="http://schemas.openxmlformats.org/officeDocument/2006/math" xmlns="" val="1"/>
             </a:ext>
           </a:extLst>
         </p:spPr>
@@ -10369,7 +10369,7 @@
           </a:ln>
           <a:extLst>
             <a:ext uri="{C572A759-6A51-4108-AA02-DFA0A04FC94B}">
-              <ma14:wrappingTextBoxFlag xmlns="" xmlns:m="http://schemas.openxmlformats.org/officeDocument/2006/math" xmlns:a14="http://schemas.microsoft.com/office/drawing/2010/main" xmlns:ma14="http://schemas.microsoft.com/office/mac/drawingml/2011/main" val="1"/>
+              <ma14:wrappingTextBoxFlag xmlns:ma14="http://schemas.microsoft.com/office/mac/drawingml/2011/main" xmlns:a14="http://schemas.microsoft.com/office/drawing/2010/main" xmlns:m="http://schemas.openxmlformats.org/officeDocument/2006/math" xmlns="" val="1"/>
             </a:ext>
           </a:extLst>
         </p:spPr>
@@ -10420,7 +10420,7 @@
           </a:ln>
           <a:extLst>
             <a:ext uri="{C572A759-6A51-4108-AA02-DFA0A04FC94B}">
-              <ma14:wrappingTextBoxFlag xmlns="" xmlns:m="http://schemas.openxmlformats.org/officeDocument/2006/math" xmlns:a14="http://schemas.microsoft.com/office/drawing/2010/main" xmlns:ma14="http://schemas.microsoft.com/office/mac/drawingml/2011/main" val="1"/>
+              <ma14:wrappingTextBoxFlag xmlns:ma14="http://schemas.microsoft.com/office/mac/drawingml/2011/main" xmlns:a14="http://schemas.microsoft.com/office/drawing/2010/main" xmlns:m="http://schemas.openxmlformats.org/officeDocument/2006/math" xmlns="" val="1"/>
             </a:ext>
           </a:extLst>
         </p:spPr>
@@ -10471,7 +10471,7 @@
           </a:ln>
           <a:extLst>
             <a:ext uri="{C572A759-6A51-4108-AA02-DFA0A04FC94B}">
-              <ma14:wrappingTextBoxFlag xmlns="" xmlns:m="http://schemas.openxmlformats.org/officeDocument/2006/math" xmlns:a14="http://schemas.microsoft.com/office/drawing/2010/main" xmlns:ma14="http://schemas.microsoft.com/office/mac/drawingml/2011/main" val="1"/>
+              <ma14:wrappingTextBoxFlag xmlns:ma14="http://schemas.microsoft.com/office/mac/drawingml/2011/main" xmlns:a14="http://schemas.microsoft.com/office/drawing/2010/main" xmlns:m="http://schemas.openxmlformats.org/officeDocument/2006/math" xmlns="" val="1"/>
             </a:ext>
           </a:extLst>
         </p:spPr>
@@ -10522,7 +10522,7 @@
           </a:ln>
           <a:extLst>
             <a:ext uri="{C572A759-6A51-4108-AA02-DFA0A04FC94B}">
-              <ma14:wrappingTextBoxFlag xmlns="" xmlns:m="http://schemas.openxmlformats.org/officeDocument/2006/math" xmlns:a14="http://schemas.microsoft.com/office/drawing/2010/main" xmlns:ma14="http://schemas.microsoft.com/office/mac/drawingml/2011/main" val="1"/>
+              <ma14:wrappingTextBoxFlag xmlns:ma14="http://schemas.microsoft.com/office/mac/drawingml/2011/main" xmlns:a14="http://schemas.microsoft.com/office/drawing/2010/main" xmlns:m="http://schemas.openxmlformats.org/officeDocument/2006/math" xmlns="" val="1"/>
             </a:ext>
           </a:extLst>
         </p:spPr>
@@ -10573,7 +10573,7 @@
           </a:ln>
           <a:extLst>
             <a:ext uri="{C572A759-6A51-4108-AA02-DFA0A04FC94B}">
-              <ma14:wrappingTextBoxFlag xmlns="" xmlns:m="http://schemas.openxmlformats.org/officeDocument/2006/math" xmlns:a14="http://schemas.microsoft.com/office/drawing/2010/main" xmlns:ma14="http://schemas.microsoft.com/office/mac/drawingml/2011/main" val="1"/>
+              <ma14:wrappingTextBoxFlag xmlns:ma14="http://schemas.microsoft.com/office/mac/drawingml/2011/main" xmlns:a14="http://schemas.microsoft.com/office/drawing/2010/main" xmlns:m="http://schemas.openxmlformats.org/officeDocument/2006/math" xmlns="" val="1"/>
             </a:ext>
           </a:extLst>
         </p:spPr>
@@ -10986,7 +10986,7 @@
           </a:ln>
           <a:extLst>
             <a:ext uri="{C572A759-6A51-4108-AA02-DFA0A04FC94B}">
-              <ma14:wrappingTextBoxFlag xmlns:ma14="http://schemas.microsoft.com/office/mac/drawingml/2011/main" xmlns:a14="http://schemas.microsoft.com/office/drawing/2010/main" xmlns:m="http://schemas.openxmlformats.org/officeDocument/2006/math" xmlns="" val="1"/>
+              <ma14:wrappingTextBoxFlag xmlns="" xmlns:m="http://schemas.openxmlformats.org/officeDocument/2006/math" xmlns:a14="http://schemas.microsoft.com/office/drawing/2010/main" xmlns:ma14="http://schemas.microsoft.com/office/mac/drawingml/2011/main" val="1"/>
             </a:ext>
           </a:extLst>
         </p:spPr>
@@ -11041,7 +11041,7 @@
           </a:ln>
           <a:extLst>
             <a:ext uri="{C572A759-6A51-4108-AA02-DFA0A04FC94B}">
-              <ma14:wrappingTextBoxFlag xmlns:ma14="http://schemas.microsoft.com/office/mac/drawingml/2011/main" xmlns:a14="http://schemas.microsoft.com/office/drawing/2010/main" xmlns:m="http://schemas.openxmlformats.org/officeDocument/2006/math" xmlns="" val="1"/>
+              <ma14:wrappingTextBoxFlag xmlns="" xmlns:m="http://schemas.openxmlformats.org/officeDocument/2006/math" xmlns:a14="http://schemas.microsoft.com/office/drawing/2010/main" xmlns:ma14="http://schemas.microsoft.com/office/mac/drawingml/2011/main" val="1"/>
             </a:ext>
           </a:extLst>
         </p:spPr>
@@ -11092,7 +11092,7 @@
           </a:ln>
           <a:extLst>
             <a:ext uri="{C572A759-6A51-4108-AA02-DFA0A04FC94B}">
-              <ma14:wrappingTextBoxFlag xmlns:ma14="http://schemas.microsoft.com/office/mac/drawingml/2011/main" xmlns:a14="http://schemas.microsoft.com/office/drawing/2010/main" xmlns:m="http://schemas.openxmlformats.org/officeDocument/2006/math" xmlns="" val="1"/>
+              <ma14:wrappingTextBoxFlag xmlns="" xmlns:m="http://schemas.openxmlformats.org/officeDocument/2006/math" xmlns:a14="http://schemas.microsoft.com/office/drawing/2010/main" xmlns:ma14="http://schemas.microsoft.com/office/mac/drawingml/2011/main" val="1"/>
             </a:ext>
           </a:extLst>
         </p:spPr>
@@ -11143,7 +11143,7 @@
           </a:ln>
           <a:extLst>
             <a:ext uri="{C572A759-6A51-4108-AA02-DFA0A04FC94B}">
-              <ma14:wrappingTextBoxFlag xmlns:ma14="http://schemas.microsoft.com/office/mac/drawingml/2011/main" xmlns:a14="http://schemas.microsoft.com/office/drawing/2010/main" xmlns:m="http://schemas.openxmlformats.org/officeDocument/2006/math" xmlns="" val="1"/>
+              <ma14:wrappingTextBoxFlag xmlns="" xmlns:m="http://schemas.openxmlformats.org/officeDocument/2006/math" xmlns:a14="http://schemas.microsoft.com/office/drawing/2010/main" xmlns:ma14="http://schemas.microsoft.com/office/mac/drawingml/2011/main" val="1"/>
             </a:ext>
           </a:extLst>
         </p:spPr>
@@ -11194,7 +11194,7 @@
           </a:ln>
           <a:extLst>
             <a:ext uri="{C572A759-6A51-4108-AA02-DFA0A04FC94B}">
-              <ma14:wrappingTextBoxFlag xmlns:ma14="http://schemas.microsoft.com/office/mac/drawingml/2011/main" xmlns:a14="http://schemas.microsoft.com/office/drawing/2010/main" xmlns:m="http://schemas.openxmlformats.org/officeDocument/2006/math" xmlns="" val="1"/>
+              <ma14:wrappingTextBoxFlag xmlns="" xmlns:m="http://schemas.openxmlformats.org/officeDocument/2006/math" xmlns:a14="http://schemas.microsoft.com/office/drawing/2010/main" xmlns:ma14="http://schemas.microsoft.com/office/mac/drawingml/2011/main" val="1"/>
             </a:ext>
           </a:extLst>
         </p:spPr>
@@ -11245,7 +11245,7 @@
           </a:ln>
           <a:extLst>
             <a:ext uri="{C572A759-6A51-4108-AA02-DFA0A04FC94B}">
-              <ma14:wrappingTextBoxFlag xmlns:ma14="http://schemas.microsoft.com/office/mac/drawingml/2011/main" xmlns:a14="http://schemas.microsoft.com/office/drawing/2010/main" xmlns:m="http://schemas.openxmlformats.org/officeDocument/2006/math" xmlns="" val="1"/>
+              <ma14:wrappingTextBoxFlag xmlns="" xmlns:m="http://schemas.openxmlformats.org/officeDocument/2006/math" xmlns:a14="http://schemas.microsoft.com/office/drawing/2010/main" xmlns:ma14="http://schemas.microsoft.com/office/mac/drawingml/2011/main" val="1"/>
             </a:ext>
           </a:extLst>
         </p:spPr>
@@ -11296,7 +11296,7 @@
           </a:ln>
           <a:extLst>
             <a:ext uri="{C572A759-6A51-4108-AA02-DFA0A04FC94B}">
-              <ma14:wrappingTextBoxFlag xmlns:ma14="http://schemas.microsoft.com/office/mac/drawingml/2011/main" xmlns:a14="http://schemas.microsoft.com/office/drawing/2010/main" xmlns:m="http://schemas.openxmlformats.org/officeDocument/2006/math" xmlns="" val="1"/>
+              <ma14:wrappingTextBoxFlag xmlns="" xmlns:m="http://schemas.openxmlformats.org/officeDocument/2006/math" xmlns:a14="http://schemas.microsoft.com/office/drawing/2010/main" xmlns:ma14="http://schemas.microsoft.com/office/mac/drawingml/2011/main" val="1"/>
             </a:ext>
           </a:extLst>
         </p:spPr>
@@ -11347,7 +11347,7 @@
           </a:ln>
           <a:extLst>
             <a:ext uri="{C572A759-6A51-4108-AA02-DFA0A04FC94B}">
-              <ma14:wrappingTextBoxFlag xmlns:ma14="http://schemas.microsoft.com/office/mac/drawingml/2011/main" xmlns:a14="http://schemas.microsoft.com/office/drawing/2010/main" xmlns:m="http://schemas.openxmlformats.org/officeDocument/2006/math" xmlns="" val="1"/>
+              <ma14:wrappingTextBoxFlag xmlns="" xmlns:m="http://schemas.openxmlformats.org/officeDocument/2006/math" xmlns:a14="http://schemas.microsoft.com/office/drawing/2010/main" xmlns:ma14="http://schemas.microsoft.com/office/mac/drawingml/2011/main" val="1"/>
             </a:ext>
           </a:extLst>
         </p:spPr>
@@ -11398,7 +11398,7 @@
           </a:ln>
           <a:extLst>
             <a:ext uri="{C572A759-6A51-4108-AA02-DFA0A04FC94B}">
-              <ma14:wrappingTextBoxFlag xmlns:ma14="http://schemas.microsoft.com/office/mac/drawingml/2011/main" xmlns:a14="http://schemas.microsoft.com/office/drawing/2010/main" xmlns:m="http://schemas.openxmlformats.org/officeDocument/2006/math" xmlns="" val="1"/>
+              <ma14:wrappingTextBoxFlag xmlns="" xmlns:m="http://schemas.openxmlformats.org/officeDocument/2006/math" xmlns:a14="http://schemas.microsoft.com/office/drawing/2010/main" xmlns:ma14="http://schemas.microsoft.com/office/mac/drawingml/2011/main" val="1"/>
             </a:ext>
           </a:extLst>
         </p:spPr>
@@ -11449,7 +11449,7 @@
           </a:ln>
           <a:extLst>
             <a:ext uri="{C572A759-6A51-4108-AA02-DFA0A04FC94B}">
-              <ma14:wrappingTextBoxFlag xmlns:ma14="http://schemas.microsoft.com/office/mac/drawingml/2011/main" xmlns:a14="http://schemas.microsoft.com/office/drawing/2010/main" xmlns:m="http://schemas.openxmlformats.org/officeDocument/2006/math" xmlns="" val="1"/>
+              <ma14:wrappingTextBoxFlag xmlns="" xmlns:m="http://schemas.openxmlformats.org/officeDocument/2006/math" xmlns:a14="http://schemas.microsoft.com/office/drawing/2010/main" xmlns:ma14="http://schemas.microsoft.com/office/mac/drawingml/2011/main" val="1"/>
             </a:ext>
           </a:extLst>
         </p:spPr>
@@ -11500,7 +11500,7 @@
           </a:ln>
           <a:extLst>
             <a:ext uri="{C572A759-6A51-4108-AA02-DFA0A04FC94B}">
-              <ma14:wrappingTextBoxFlag xmlns:ma14="http://schemas.microsoft.com/office/mac/drawingml/2011/main" xmlns:a14="http://schemas.microsoft.com/office/drawing/2010/main" xmlns:m="http://schemas.openxmlformats.org/officeDocument/2006/math" xmlns="" val="1"/>
+              <ma14:wrappingTextBoxFlag xmlns="" xmlns:m="http://schemas.openxmlformats.org/officeDocument/2006/math" xmlns:a14="http://schemas.microsoft.com/office/drawing/2010/main" xmlns:ma14="http://schemas.microsoft.com/office/mac/drawingml/2011/main" val="1"/>
             </a:ext>
           </a:extLst>
         </p:spPr>
@@ -11551,7 +11551,7 @@
           </a:ln>
           <a:extLst>
             <a:ext uri="{C572A759-6A51-4108-AA02-DFA0A04FC94B}">
-              <ma14:wrappingTextBoxFlag xmlns:ma14="http://schemas.microsoft.com/office/mac/drawingml/2011/main" xmlns:a14="http://schemas.microsoft.com/office/drawing/2010/main" xmlns:m="http://schemas.openxmlformats.org/officeDocument/2006/math" xmlns="" val="1"/>
+              <ma14:wrappingTextBoxFlag xmlns="" xmlns:m="http://schemas.openxmlformats.org/officeDocument/2006/math" xmlns:a14="http://schemas.microsoft.com/office/drawing/2010/main" xmlns:ma14="http://schemas.microsoft.com/office/mac/drawingml/2011/main" val="1"/>
             </a:ext>
           </a:extLst>
         </p:spPr>
@@ -11602,7 +11602,7 @@
           </a:ln>
           <a:extLst>
             <a:ext uri="{C572A759-6A51-4108-AA02-DFA0A04FC94B}">
-              <ma14:wrappingTextBoxFlag xmlns:ma14="http://schemas.microsoft.com/office/mac/drawingml/2011/main" xmlns:a14="http://schemas.microsoft.com/office/drawing/2010/main" xmlns:m="http://schemas.openxmlformats.org/officeDocument/2006/math" xmlns="" val="1"/>
+              <ma14:wrappingTextBoxFlag xmlns="" xmlns:m="http://schemas.openxmlformats.org/officeDocument/2006/math" xmlns:a14="http://schemas.microsoft.com/office/drawing/2010/main" xmlns:ma14="http://schemas.microsoft.com/office/mac/drawingml/2011/main" val="1"/>
             </a:ext>
           </a:extLst>
         </p:spPr>
@@ -11653,7 +11653,7 @@
           </a:ln>
           <a:extLst>
             <a:ext uri="{C572A759-6A51-4108-AA02-DFA0A04FC94B}">
-              <ma14:wrappingTextBoxFlag xmlns:ma14="http://schemas.microsoft.com/office/mac/drawingml/2011/main" xmlns:a14="http://schemas.microsoft.com/office/drawing/2010/main" xmlns:m="http://schemas.openxmlformats.org/officeDocument/2006/math" xmlns="" val="1"/>
+              <ma14:wrappingTextBoxFlag xmlns="" xmlns:m="http://schemas.openxmlformats.org/officeDocument/2006/math" xmlns:a14="http://schemas.microsoft.com/office/drawing/2010/main" xmlns:ma14="http://schemas.microsoft.com/office/mac/drawingml/2011/main" val="1"/>
             </a:ext>
           </a:extLst>
         </p:spPr>
@@ -11704,7 +11704,7 @@
           </a:ln>
           <a:extLst>
             <a:ext uri="{C572A759-6A51-4108-AA02-DFA0A04FC94B}">
-              <ma14:wrappingTextBoxFlag xmlns:ma14="http://schemas.microsoft.com/office/mac/drawingml/2011/main" xmlns:a14="http://schemas.microsoft.com/office/drawing/2010/main" xmlns:m="http://schemas.openxmlformats.org/officeDocument/2006/math" xmlns="" val="1"/>
+              <ma14:wrappingTextBoxFlag xmlns="" xmlns:m="http://schemas.openxmlformats.org/officeDocument/2006/math" xmlns:a14="http://schemas.microsoft.com/office/drawing/2010/main" xmlns:ma14="http://schemas.microsoft.com/office/mac/drawingml/2011/main" val="1"/>
             </a:ext>
           </a:extLst>
         </p:spPr>
@@ -11755,7 +11755,7 @@
           </a:ln>
           <a:extLst>
             <a:ext uri="{C572A759-6A51-4108-AA02-DFA0A04FC94B}">
-              <ma14:wrappingTextBoxFlag xmlns:ma14="http://schemas.microsoft.com/office/mac/drawingml/2011/main" xmlns:a14="http://schemas.microsoft.com/office/drawing/2010/main" xmlns:m="http://schemas.openxmlformats.org/officeDocument/2006/math" xmlns="" val="1"/>
+              <ma14:wrappingTextBoxFlag xmlns="" xmlns:m="http://schemas.openxmlformats.org/officeDocument/2006/math" xmlns:a14="http://schemas.microsoft.com/office/drawing/2010/main" xmlns:ma14="http://schemas.microsoft.com/office/mac/drawingml/2011/main" val="1"/>
             </a:ext>
           </a:extLst>
         </p:spPr>
@@ -11806,7 +11806,7 @@
           </a:ln>
           <a:extLst>
             <a:ext uri="{C572A759-6A51-4108-AA02-DFA0A04FC94B}">
-              <ma14:wrappingTextBoxFlag xmlns:ma14="http://schemas.microsoft.com/office/mac/drawingml/2011/main" xmlns:a14="http://schemas.microsoft.com/office/drawing/2010/main" xmlns:m="http://schemas.openxmlformats.org/officeDocument/2006/math" xmlns="" val="1"/>
+              <ma14:wrappingTextBoxFlag xmlns="" xmlns:m="http://schemas.openxmlformats.org/officeDocument/2006/math" xmlns:a14="http://schemas.microsoft.com/office/drawing/2010/main" xmlns:ma14="http://schemas.microsoft.com/office/mac/drawingml/2011/main" val="1"/>
             </a:ext>
           </a:extLst>
         </p:spPr>
@@ -11857,7 +11857,7 @@
           </a:ln>
           <a:extLst>
             <a:ext uri="{C572A759-6A51-4108-AA02-DFA0A04FC94B}">
-              <ma14:wrappingTextBoxFlag xmlns:ma14="http://schemas.microsoft.com/office/mac/drawingml/2011/main" xmlns:a14="http://schemas.microsoft.com/office/drawing/2010/main" xmlns:m="http://schemas.openxmlformats.org/officeDocument/2006/math" xmlns="" val="1"/>
+              <ma14:wrappingTextBoxFlag xmlns="" xmlns:m="http://schemas.openxmlformats.org/officeDocument/2006/math" xmlns:a14="http://schemas.microsoft.com/office/drawing/2010/main" xmlns:ma14="http://schemas.microsoft.com/office/mac/drawingml/2011/main" val="1"/>
             </a:ext>
           </a:extLst>
         </p:spPr>
@@ -11908,7 +11908,7 @@
           </a:ln>
           <a:extLst>
             <a:ext uri="{C572A759-6A51-4108-AA02-DFA0A04FC94B}">
-              <ma14:wrappingTextBoxFlag xmlns:ma14="http://schemas.microsoft.com/office/mac/drawingml/2011/main" xmlns:a14="http://schemas.microsoft.com/office/drawing/2010/main" xmlns:m="http://schemas.openxmlformats.org/officeDocument/2006/math" xmlns="" val="1"/>
+              <ma14:wrappingTextBoxFlag xmlns="" xmlns:m="http://schemas.openxmlformats.org/officeDocument/2006/math" xmlns:a14="http://schemas.microsoft.com/office/drawing/2010/main" xmlns:ma14="http://schemas.microsoft.com/office/mac/drawingml/2011/main" val="1"/>
             </a:ext>
           </a:extLst>
         </p:spPr>
@@ -11959,7 +11959,7 @@
           </a:ln>
           <a:extLst>
             <a:ext uri="{C572A759-6A51-4108-AA02-DFA0A04FC94B}">
-              <ma14:wrappingTextBoxFlag xmlns:ma14="http://schemas.microsoft.com/office/mac/drawingml/2011/main" xmlns:a14="http://schemas.microsoft.com/office/drawing/2010/main" xmlns:m="http://schemas.openxmlformats.org/officeDocument/2006/math" xmlns="" val="1"/>
+              <ma14:wrappingTextBoxFlag xmlns="" xmlns:m="http://schemas.openxmlformats.org/officeDocument/2006/math" xmlns:a14="http://schemas.microsoft.com/office/drawing/2010/main" xmlns:ma14="http://schemas.microsoft.com/office/mac/drawingml/2011/main" val="1"/>
             </a:ext>
           </a:extLst>
         </p:spPr>
@@ -12010,7 +12010,7 @@
           </a:ln>
           <a:extLst>
             <a:ext uri="{C572A759-6A51-4108-AA02-DFA0A04FC94B}">
-              <ma14:wrappingTextBoxFlag xmlns:ma14="http://schemas.microsoft.com/office/mac/drawingml/2011/main" xmlns:a14="http://schemas.microsoft.com/office/drawing/2010/main" xmlns:m="http://schemas.openxmlformats.org/officeDocument/2006/math" xmlns="" val="1"/>
+              <ma14:wrappingTextBoxFlag xmlns="" xmlns:m="http://schemas.openxmlformats.org/officeDocument/2006/math" xmlns:a14="http://schemas.microsoft.com/office/drawing/2010/main" xmlns:ma14="http://schemas.microsoft.com/office/mac/drawingml/2011/main" val="1"/>
             </a:ext>
           </a:extLst>
         </p:spPr>
@@ -12061,7 +12061,7 @@
           </a:ln>
           <a:extLst>
             <a:ext uri="{C572A759-6A51-4108-AA02-DFA0A04FC94B}">
-              <ma14:wrappingTextBoxFlag xmlns:ma14="http://schemas.microsoft.com/office/mac/drawingml/2011/main" xmlns:a14="http://schemas.microsoft.com/office/drawing/2010/main" xmlns:m="http://schemas.openxmlformats.org/officeDocument/2006/math" xmlns="" val="1"/>
+              <ma14:wrappingTextBoxFlag xmlns="" xmlns:m="http://schemas.openxmlformats.org/officeDocument/2006/math" xmlns:a14="http://schemas.microsoft.com/office/drawing/2010/main" xmlns:ma14="http://schemas.microsoft.com/office/mac/drawingml/2011/main" val="1"/>
             </a:ext>
           </a:extLst>
         </p:spPr>
@@ -12112,7 +12112,7 @@
           </a:ln>
           <a:extLst>
             <a:ext uri="{C572A759-6A51-4108-AA02-DFA0A04FC94B}">
-              <ma14:wrappingTextBoxFlag xmlns:ma14="http://schemas.microsoft.com/office/mac/drawingml/2011/main" xmlns:a14="http://schemas.microsoft.com/office/drawing/2010/main" xmlns:m="http://schemas.openxmlformats.org/officeDocument/2006/math" xmlns="" val="1"/>
+              <ma14:wrappingTextBoxFlag xmlns="" xmlns:m="http://schemas.openxmlformats.org/officeDocument/2006/math" xmlns:a14="http://schemas.microsoft.com/office/drawing/2010/main" xmlns:ma14="http://schemas.microsoft.com/office/mac/drawingml/2011/main" val="1"/>
             </a:ext>
           </a:extLst>
         </p:spPr>
@@ -12163,7 +12163,7 @@
           </a:ln>
           <a:extLst>
             <a:ext uri="{C572A759-6A51-4108-AA02-DFA0A04FC94B}">
-              <ma14:wrappingTextBoxFlag xmlns:ma14="http://schemas.microsoft.com/office/mac/drawingml/2011/main" xmlns:a14="http://schemas.microsoft.com/office/drawing/2010/main" xmlns:m="http://schemas.openxmlformats.org/officeDocument/2006/math" xmlns="" val="1"/>
+              <ma14:wrappingTextBoxFlag xmlns="" xmlns:m="http://schemas.openxmlformats.org/officeDocument/2006/math" xmlns:a14="http://schemas.microsoft.com/office/drawing/2010/main" xmlns:ma14="http://schemas.microsoft.com/office/mac/drawingml/2011/main" val="1"/>
             </a:ext>
           </a:extLst>
         </p:spPr>
@@ -12214,7 +12214,7 @@
           </a:ln>
           <a:extLst>
             <a:ext uri="{C572A759-6A51-4108-AA02-DFA0A04FC94B}">
-              <ma14:wrappingTextBoxFlag xmlns:ma14="http://schemas.microsoft.com/office/mac/drawingml/2011/main" xmlns:a14="http://schemas.microsoft.com/office/drawing/2010/main" xmlns:m="http://schemas.openxmlformats.org/officeDocument/2006/math" xmlns="" val="1"/>
+              <ma14:wrappingTextBoxFlag xmlns="" xmlns:m="http://schemas.openxmlformats.org/officeDocument/2006/math" xmlns:a14="http://schemas.microsoft.com/office/drawing/2010/main" xmlns:ma14="http://schemas.microsoft.com/office/mac/drawingml/2011/main" val="1"/>
             </a:ext>
           </a:extLst>
         </p:spPr>
@@ -12265,7 +12265,7 @@
           </a:ln>
           <a:extLst>
             <a:ext uri="{C572A759-6A51-4108-AA02-DFA0A04FC94B}">
-              <ma14:wrappingTextBoxFlag xmlns:ma14="http://schemas.microsoft.com/office/mac/drawingml/2011/main" xmlns:a14="http://schemas.microsoft.com/office/drawing/2010/main" xmlns:m="http://schemas.openxmlformats.org/officeDocument/2006/math" xmlns="" val="1"/>
+              <ma14:wrappingTextBoxFlag xmlns="" xmlns:m="http://schemas.openxmlformats.org/officeDocument/2006/math" xmlns:a14="http://schemas.microsoft.com/office/drawing/2010/main" xmlns:ma14="http://schemas.microsoft.com/office/mac/drawingml/2011/main" val="1"/>
             </a:ext>
           </a:extLst>
         </p:spPr>
@@ -12316,7 +12316,7 @@
           </a:ln>
           <a:extLst>
             <a:ext uri="{C572A759-6A51-4108-AA02-DFA0A04FC94B}">
-              <ma14:wrappingTextBoxFlag xmlns:ma14="http://schemas.microsoft.com/office/mac/drawingml/2011/main" xmlns:a14="http://schemas.microsoft.com/office/drawing/2010/main" xmlns:m="http://schemas.openxmlformats.org/officeDocument/2006/math" xmlns="" val="1"/>
+              <ma14:wrappingTextBoxFlag xmlns="" xmlns:m="http://schemas.openxmlformats.org/officeDocument/2006/math" xmlns:a14="http://schemas.microsoft.com/office/drawing/2010/main" xmlns:ma14="http://schemas.microsoft.com/office/mac/drawingml/2011/main" val="1"/>
             </a:ext>
           </a:extLst>
         </p:spPr>
@@ -12367,7 +12367,7 @@
           </a:ln>
           <a:extLst>
             <a:ext uri="{C572A759-6A51-4108-AA02-DFA0A04FC94B}">
-              <ma14:wrappingTextBoxFlag xmlns:ma14="http://schemas.microsoft.com/office/mac/drawingml/2011/main" xmlns:a14="http://schemas.microsoft.com/office/drawing/2010/main" xmlns:m="http://schemas.openxmlformats.org/officeDocument/2006/math" xmlns="" val="1"/>
+              <ma14:wrappingTextBoxFlag xmlns="" xmlns:m="http://schemas.openxmlformats.org/officeDocument/2006/math" xmlns:a14="http://schemas.microsoft.com/office/drawing/2010/main" xmlns:ma14="http://schemas.microsoft.com/office/mac/drawingml/2011/main" val="1"/>
             </a:ext>
           </a:extLst>
         </p:spPr>
@@ -12418,7 +12418,7 @@
           </a:ln>
           <a:extLst>
             <a:ext uri="{C572A759-6A51-4108-AA02-DFA0A04FC94B}">
-              <ma14:wrappingTextBoxFlag xmlns:ma14="http://schemas.microsoft.com/office/mac/drawingml/2011/main" xmlns:a14="http://schemas.microsoft.com/office/drawing/2010/main" xmlns:m="http://schemas.openxmlformats.org/officeDocument/2006/math" xmlns="" val="1"/>
+              <ma14:wrappingTextBoxFlag xmlns="" xmlns:m="http://schemas.openxmlformats.org/officeDocument/2006/math" xmlns:a14="http://schemas.microsoft.com/office/drawing/2010/main" xmlns:ma14="http://schemas.microsoft.com/office/mac/drawingml/2011/main" val="1"/>
             </a:ext>
           </a:extLst>
         </p:spPr>
@@ -12469,7 +12469,7 @@
           </a:ln>
           <a:extLst>
             <a:ext uri="{C572A759-6A51-4108-AA02-DFA0A04FC94B}">
-              <ma14:wrappingTextBoxFlag xmlns:ma14="http://schemas.microsoft.com/office/mac/drawingml/2011/main" xmlns:a14="http://schemas.microsoft.com/office/drawing/2010/main" xmlns:m="http://schemas.openxmlformats.org/officeDocument/2006/math" xmlns="" val="1"/>
+              <ma14:wrappingTextBoxFlag xmlns="" xmlns:m="http://schemas.openxmlformats.org/officeDocument/2006/math" xmlns:a14="http://schemas.microsoft.com/office/drawing/2010/main" xmlns:ma14="http://schemas.microsoft.com/office/mac/drawingml/2011/main" val="1"/>
             </a:ext>
           </a:extLst>
         </p:spPr>
@@ -12882,7 +12882,7 @@
           </a:ln>
           <a:extLst>
             <a:ext uri="{C572A759-6A51-4108-AA02-DFA0A04FC94B}">
-              <ma14:wrappingTextBoxFlag xmlns:ma14="http://schemas.microsoft.com/office/mac/drawingml/2011/main" xmlns:a14="http://schemas.microsoft.com/office/drawing/2010/main" xmlns:m="http://schemas.openxmlformats.org/officeDocument/2006/math" xmlns="" val="1"/>
+              <ma14:wrappingTextBoxFlag xmlns="" xmlns:m="http://schemas.openxmlformats.org/officeDocument/2006/math" xmlns:a14="http://schemas.microsoft.com/office/drawing/2010/main" xmlns:ma14="http://schemas.microsoft.com/office/mac/drawingml/2011/main" val="1"/>
             </a:ext>
           </a:extLst>
         </p:spPr>
@@ -12945,7 +12945,7 @@
           </a:ln>
           <a:extLst>
             <a:ext uri="{C572A759-6A51-4108-AA02-DFA0A04FC94B}">
-              <ma14:wrappingTextBoxFlag xmlns:ma14="http://schemas.microsoft.com/office/mac/drawingml/2011/main" xmlns:a14="http://schemas.microsoft.com/office/drawing/2010/main" xmlns:m="http://schemas.openxmlformats.org/officeDocument/2006/math" xmlns="" val="1"/>
+              <ma14:wrappingTextBoxFlag xmlns="" xmlns:m="http://schemas.openxmlformats.org/officeDocument/2006/math" xmlns:a14="http://schemas.microsoft.com/office/drawing/2010/main" xmlns:ma14="http://schemas.microsoft.com/office/mac/drawingml/2011/main" val="1"/>
             </a:ext>
           </a:extLst>
         </p:spPr>
@@ -12996,7 +12996,7 @@
           </a:ln>
           <a:extLst>
             <a:ext uri="{C572A759-6A51-4108-AA02-DFA0A04FC94B}">
-              <ma14:wrappingTextBoxFlag xmlns:ma14="http://schemas.microsoft.com/office/mac/drawingml/2011/main" xmlns:a14="http://schemas.microsoft.com/office/drawing/2010/main" xmlns:m="http://schemas.openxmlformats.org/officeDocument/2006/math" xmlns="" val="1"/>
+              <ma14:wrappingTextBoxFlag xmlns="" xmlns:m="http://schemas.openxmlformats.org/officeDocument/2006/math" xmlns:a14="http://schemas.microsoft.com/office/drawing/2010/main" xmlns:ma14="http://schemas.microsoft.com/office/mac/drawingml/2011/main" val="1"/>
             </a:ext>
           </a:extLst>
         </p:spPr>
@@ -13047,7 +13047,7 @@
           </a:ln>
           <a:extLst>
             <a:ext uri="{C572A759-6A51-4108-AA02-DFA0A04FC94B}">
-              <ma14:wrappingTextBoxFlag xmlns:ma14="http://schemas.microsoft.com/office/mac/drawingml/2011/main" xmlns:a14="http://schemas.microsoft.com/office/drawing/2010/main" xmlns:m="http://schemas.openxmlformats.org/officeDocument/2006/math" xmlns="" val="1"/>
+              <ma14:wrappingTextBoxFlag xmlns="" xmlns:m="http://schemas.openxmlformats.org/officeDocument/2006/math" xmlns:a14="http://schemas.microsoft.com/office/drawing/2010/main" xmlns:ma14="http://schemas.microsoft.com/office/mac/drawingml/2011/main" val="1"/>
             </a:ext>
           </a:extLst>
         </p:spPr>
@@ -13098,7 +13098,7 @@
           </a:ln>
           <a:extLst>
             <a:ext uri="{C572A759-6A51-4108-AA02-DFA0A04FC94B}">
-              <ma14:wrappingTextBoxFlag xmlns:ma14="http://schemas.microsoft.com/office/mac/drawingml/2011/main" xmlns:a14="http://schemas.microsoft.com/office/drawing/2010/main" xmlns:m="http://schemas.openxmlformats.org/officeDocument/2006/math" xmlns="" val="1"/>
+              <ma14:wrappingTextBoxFlag xmlns="" xmlns:m="http://schemas.openxmlformats.org/officeDocument/2006/math" xmlns:a14="http://schemas.microsoft.com/office/drawing/2010/main" xmlns:ma14="http://schemas.microsoft.com/office/mac/drawingml/2011/main" val="1"/>
             </a:ext>
           </a:extLst>
         </p:spPr>
@@ -13149,7 +13149,7 @@
           </a:ln>
           <a:extLst>
             <a:ext uri="{C572A759-6A51-4108-AA02-DFA0A04FC94B}">
-              <ma14:wrappingTextBoxFlag xmlns:ma14="http://schemas.microsoft.com/office/mac/drawingml/2011/main" xmlns:a14="http://schemas.microsoft.com/office/drawing/2010/main" xmlns:m="http://schemas.openxmlformats.org/officeDocument/2006/math" xmlns="" val="1"/>
+              <ma14:wrappingTextBoxFlag xmlns="" xmlns:m="http://schemas.openxmlformats.org/officeDocument/2006/math" xmlns:a14="http://schemas.microsoft.com/office/drawing/2010/main" xmlns:ma14="http://schemas.microsoft.com/office/mac/drawingml/2011/main" val="1"/>
             </a:ext>
           </a:extLst>
         </p:spPr>
@@ -13200,7 +13200,7 @@
           </a:ln>
           <a:extLst>
             <a:ext uri="{C572A759-6A51-4108-AA02-DFA0A04FC94B}">
-              <ma14:wrappingTextBoxFlag xmlns:ma14="http://schemas.microsoft.com/office/mac/drawingml/2011/main" xmlns:a14="http://schemas.microsoft.com/office/drawing/2010/main" xmlns:m="http://schemas.openxmlformats.org/officeDocument/2006/math" xmlns="" val="1"/>
+              <ma14:wrappingTextBoxFlag xmlns="" xmlns:m="http://schemas.openxmlformats.org/officeDocument/2006/math" xmlns:a14="http://schemas.microsoft.com/office/drawing/2010/main" xmlns:ma14="http://schemas.microsoft.com/office/mac/drawingml/2011/main" val="1"/>
             </a:ext>
           </a:extLst>
         </p:spPr>
@@ -13251,7 +13251,7 @@
           </a:ln>
           <a:extLst>
             <a:ext uri="{C572A759-6A51-4108-AA02-DFA0A04FC94B}">
-              <ma14:wrappingTextBoxFlag xmlns:ma14="http://schemas.microsoft.com/office/mac/drawingml/2011/main" xmlns:a14="http://schemas.microsoft.com/office/drawing/2010/main" xmlns:m="http://schemas.openxmlformats.org/officeDocument/2006/math" xmlns="" val="1"/>
+              <ma14:wrappingTextBoxFlag xmlns="" xmlns:m="http://schemas.openxmlformats.org/officeDocument/2006/math" xmlns:a14="http://schemas.microsoft.com/office/drawing/2010/main" xmlns:ma14="http://schemas.microsoft.com/office/mac/drawingml/2011/main" val="1"/>
             </a:ext>
           </a:extLst>
         </p:spPr>
@@ -13302,7 +13302,7 @@
           </a:ln>
           <a:extLst>
             <a:ext uri="{C572A759-6A51-4108-AA02-DFA0A04FC94B}">
-              <ma14:wrappingTextBoxFlag xmlns:ma14="http://schemas.microsoft.com/office/mac/drawingml/2011/main" xmlns:a14="http://schemas.microsoft.com/office/drawing/2010/main" xmlns:m="http://schemas.openxmlformats.org/officeDocument/2006/math" xmlns="" val="1"/>
+              <ma14:wrappingTextBoxFlag xmlns="" xmlns:m="http://schemas.openxmlformats.org/officeDocument/2006/math" xmlns:a14="http://schemas.microsoft.com/office/drawing/2010/main" xmlns:ma14="http://schemas.microsoft.com/office/mac/drawingml/2011/main" val="1"/>
             </a:ext>
           </a:extLst>
         </p:spPr>
@@ -13353,7 +13353,7 @@
           </a:ln>
           <a:extLst>
             <a:ext uri="{C572A759-6A51-4108-AA02-DFA0A04FC94B}">
-              <ma14:wrappingTextBoxFlag xmlns:ma14="http://schemas.microsoft.com/office/mac/drawingml/2011/main" xmlns:a14="http://schemas.microsoft.com/office/drawing/2010/main" xmlns:m="http://schemas.openxmlformats.org/officeDocument/2006/math" xmlns="" val="1"/>
+              <ma14:wrappingTextBoxFlag xmlns="" xmlns:m="http://schemas.openxmlformats.org/officeDocument/2006/math" xmlns:a14="http://schemas.microsoft.com/office/drawing/2010/main" xmlns:ma14="http://schemas.microsoft.com/office/mac/drawingml/2011/main" val="1"/>
             </a:ext>
           </a:extLst>
         </p:spPr>
@@ -13404,7 +13404,7 @@
           </a:ln>
           <a:extLst>
             <a:ext uri="{C572A759-6A51-4108-AA02-DFA0A04FC94B}">
-              <ma14:wrappingTextBoxFlag xmlns:ma14="http://schemas.microsoft.com/office/mac/drawingml/2011/main" xmlns:a14="http://schemas.microsoft.com/office/drawing/2010/main" xmlns:m="http://schemas.openxmlformats.org/officeDocument/2006/math" xmlns="" val="1"/>
+              <ma14:wrappingTextBoxFlag xmlns="" xmlns:m="http://schemas.openxmlformats.org/officeDocument/2006/math" xmlns:a14="http://schemas.microsoft.com/office/drawing/2010/main" xmlns:ma14="http://schemas.microsoft.com/office/mac/drawingml/2011/main" val="1"/>
             </a:ext>
           </a:extLst>
         </p:spPr>
@@ -13455,7 +13455,7 @@
           </a:ln>
           <a:extLst>
             <a:ext uri="{C572A759-6A51-4108-AA02-DFA0A04FC94B}">
-              <ma14:wrappingTextBoxFlag xmlns:ma14="http://schemas.microsoft.com/office/mac/drawingml/2011/main" xmlns:a14="http://schemas.microsoft.com/office/drawing/2010/main" xmlns:m="http://schemas.openxmlformats.org/officeDocument/2006/math" xmlns="" val="1"/>
+              <ma14:wrappingTextBoxFlag xmlns="" xmlns:m="http://schemas.openxmlformats.org/officeDocument/2006/math" xmlns:a14="http://schemas.microsoft.com/office/drawing/2010/main" xmlns:ma14="http://schemas.microsoft.com/office/mac/drawingml/2011/main" val="1"/>
             </a:ext>
           </a:extLst>
         </p:spPr>
@@ -13506,7 +13506,7 @@
           </a:ln>
           <a:extLst>
             <a:ext uri="{C572A759-6A51-4108-AA02-DFA0A04FC94B}">
-              <ma14:wrappingTextBoxFlag xmlns:ma14="http://schemas.microsoft.com/office/mac/drawingml/2011/main" xmlns:a14="http://schemas.microsoft.com/office/drawing/2010/main" xmlns:m="http://schemas.openxmlformats.org/officeDocument/2006/math" xmlns="" val="1"/>
+              <ma14:wrappingTextBoxFlag xmlns="" xmlns:m="http://schemas.openxmlformats.org/officeDocument/2006/math" xmlns:a14="http://schemas.microsoft.com/office/drawing/2010/main" xmlns:ma14="http://schemas.microsoft.com/office/mac/drawingml/2011/main" val="1"/>
             </a:ext>
           </a:extLst>
         </p:spPr>
@@ -13557,7 +13557,7 @@
           </a:ln>
           <a:extLst>
             <a:ext uri="{C572A759-6A51-4108-AA02-DFA0A04FC94B}">
-              <ma14:wrappingTextBoxFlag xmlns:ma14="http://schemas.microsoft.com/office/mac/drawingml/2011/main" xmlns:a14="http://schemas.microsoft.com/office/drawing/2010/main" xmlns:m="http://schemas.openxmlformats.org/officeDocument/2006/math" xmlns="" val="1"/>
+              <ma14:wrappingTextBoxFlag xmlns="" xmlns:m="http://schemas.openxmlformats.org/officeDocument/2006/math" xmlns:a14="http://schemas.microsoft.com/office/drawing/2010/main" xmlns:ma14="http://schemas.microsoft.com/office/mac/drawingml/2011/main" val="1"/>
             </a:ext>
           </a:extLst>
         </p:spPr>
@@ -13608,7 +13608,7 @@
           </a:ln>
           <a:extLst>
             <a:ext uri="{C572A759-6A51-4108-AA02-DFA0A04FC94B}">
-              <ma14:wrappingTextBoxFlag xmlns:ma14="http://schemas.microsoft.com/office/mac/drawingml/2011/main" xmlns:a14="http://schemas.microsoft.com/office/drawing/2010/main" xmlns:m="http://schemas.openxmlformats.org/officeDocument/2006/math" xmlns="" val="1"/>
+              <ma14:wrappingTextBoxFlag xmlns="" xmlns:m="http://schemas.openxmlformats.org/officeDocument/2006/math" xmlns:a14="http://schemas.microsoft.com/office/drawing/2010/main" xmlns:ma14="http://schemas.microsoft.com/office/mac/drawingml/2011/main" val="1"/>
             </a:ext>
           </a:extLst>
         </p:spPr>
@@ -13659,7 +13659,7 @@
           </a:ln>
           <a:extLst>
             <a:ext uri="{C572A759-6A51-4108-AA02-DFA0A04FC94B}">
-              <ma14:wrappingTextBoxFlag xmlns:ma14="http://schemas.microsoft.com/office/mac/drawingml/2011/main" xmlns:a14="http://schemas.microsoft.com/office/drawing/2010/main" xmlns:m="http://schemas.openxmlformats.org/officeDocument/2006/math" xmlns="" val="1"/>
+              <ma14:wrappingTextBoxFlag xmlns="" xmlns:m="http://schemas.openxmlformats.org/officeDocument/2006/math" xmlns:a14="http://schemas.microsoft.com/office/drawing/2010/main" xmlns:ma14="http://schemas.microsoft.com/office/mac/drawingml/2011/main" val="1"/>
             </a:ext>
           </a:extLst>
         </p:spPr>
@@ -13710,7 +13710,7 @@
           </a:ln>
           <a:extLst>
             <a:ext uri="{C572A759-6A51-4108-AA02-DFA0A04FC94B}">
-              <ma14:wrappingTextBoxFlag xmlns:ma14="http://schemas.microsoft.com/office/mac/drawingml/2011/main" xmlns:a14="http://schemas.microsoft.com/office/drawing/2010/main" xmlns:m="http://schemas.openxmlformats.org/officeDocument/2006/math" xmlns="" val="1"/>
+              <ma14:wrappingTextBoxFlag xmlns="" xmlns:m="http://schemas.openxmlformats.org/officeDocument/2006/math" xmlns:a14="http://schemas.microsoft.com/office/drawing/2010/main" xmlns:ma14="http://schemas.microsoft.com/office/mac/drawingml/2011/main" val="1"/>
             </a:ext>
           </a:extLst>
         </p:spPr>
@@ -13761,7 +13761,7 @@
           </a:ln>
           <a:extLst>
             <a:ext uri="{C572A759-6A51-4108-AA02-DFA0A04FC94B}">
-              <ma14:wrappingTextBoxFlag xmlns:ma14="http://schemas.microsoft.com/office/mac/drawingml/2011/main" xmlns:a14="http://schemas.microsoft.com/office/drawing/2010/main" xmlns:m="http://schemas.openxmlformats.org/officeDocument/2006/math" xmlns="" val="1"/>
+              <ma14:wrappingTextBoxFlag xmlns="" xmlns:m="http://schemas.openxmlformats.org/officeDocument/2006/math" xmlns:a14="http://schemas.microsoft.com/office/drawing/2010/main" xmlns:ma14="http://schemas.microsoft.com/office/mac/drawingml/2011/main" val="1"/>
             </a:ext>
           </a:extLst>
         </p:spPr>
@@ -13812,7 +13812,7 @@
           </a:ln>
           <a:extLst>
             <a:ext uri="{C572A759-6A51-4108-AA02-DFA0A04FC94B}">
-              <ma14:wrappingTextBoxFlag xmlns:ma14="http://schemas.microsoft.com/office/mac/drawingml/2011/main" xmlns:a14="http://schemas.microsoft.com/office/drawing/2010/main" xmlns:m="http://schemas.openxmlformats.org/officeDocument/2006/math" xmlns="" val="1"/>
+              <ma14:wrappingTextBoxFlag xmlns="" xmlns:m="http://schemas.openxmlformats.org/officeDocument/2006/math" xmlns:a14="http://schemas.microsoft.com/office/drawing/2010/main" xmlns:ma14="http://schemas.microsoft.com/office/mac/drawingml/2011/main" val="1"/>
             </a:ext>
           </a:extLst>
         </p:spPr>
@@ -13863,7 +13863,7 @@
           </a:ln>
           <a:extLst>
             <a:ext uri="{C572A759-6A51-4108-AA02-DFA0A04FC94B}">
-              <ma14:wrappingTextBoxFlag xmlns:ma14="http://schemas.microsoft.com/office/mac/drawingml/2011/main" xmlns:a14="http://schemas.microsoft.com/office/drawing/2010/main" xmlns:m="http://schemas.openxmlformats.org/officeDocument/2006/math" xmlns="" val="1"/>
+              <ma14:wrappingTextBoxFlag xmlns="" xmlns:m="http://schemas.openxmlformats.org/officeDocument/2006/math" xmlns:a14="http://schemas.microsoft.com/office/drawing/2010/main" xmlns:ma14="http://schemas.microsoft.com/office/mac/drawingml/2011/main" val="1"/>
             </a:ext>
           </a:extLst>
         </p:spPr>
@@ -13914,7 +13914,7 @@
           </a:ln>
           <a:extLst>
             <a:ext uri="{C572A759-6A51-4108-AA02-DFA0A04FC94B}">
-              <ma14:wrappingTextBoxFlag xmlns:ma14="http://schemas.microsoft.com/office/mac/drawingml/2011/main" xmlns:a14="http://schemas.microsoft.com/office/drawing/2010/main" xmlns:m="http://schemas.openxmlformats.org/officeDocument/2006/math" xmlns="" val="1"/>
+              <ma14:wrappingTextBoxFlag xmlns="" xmlns:m="http://schemas.openxmlformats.org/officeDocument/2006/math" xmlns:a14="http://schemas.microsoft.com/office/drawing/2010/main" xmlns:ma14="http://schemas.microsoft.com/office/mac/drawingml/2011/main" val="1"/>
             </a:ext>
           </a:extLst>
         </p:spPr>
@@ -13965,7 +13965,7 @@
           </a:ln>
           <a:extLst>
             <a:ext uri="{C572A759-6A51-4108-AA02-DFA0A04FC94B}">
-              <ma14:wrappingTextBoxFlag xmlns:ma14="http://schemas.microsoft.com/office/mac/drawingml/2011/main" xmlns:a14="http://schemas.microsoft.com/office/drawing/2010/main" xmlns:m="http://schemas.openxmlformats.org/officeDocument/2006/math" xmlns="" val="1"/>
+              <ma14:wrappingTextBoxFlag xmlns="" xmlns:m="http://schemas.openxmlformats.org/officeDocument/2006/math" xmlns:a14="http://schemas.microsoft.com/office/drawing/2010/main" xmlns:ma14="http://schemas.microsoft.com/office/mac/drawingml/2011/main" val="1"/>
             </a:ext>
           </a:extLst>
         </p:spPr>
@@ -14016,7 +14016,7 @@
           </a:ln>
           <a:extLst>
             <a:ext uri="{C572A759-6A51-4108-AA02-DFA0A04FC94B}">
-              <ma14:wrappingTextBoxFlag xmlns:ma14="http://schemas.microsoft.com/office/mac/drawingml/2011/main" xmlns:a14="http://schemas.microsoft.com/office/drawing/2010/main" xmlns:m="http://schemas.openxmlformats.org/officeDocument/2006/math" xmlns="" val="1"/>
+              <ma14:wrappingTextBoxFlag xmlns="" xmlns:m="http://schemas.openxmlformats.org/officeDocument/2006/math" xmlns:a14="http://schemas.microsoft.com/office/drawing/2010/main" xmlns:ma14="http://schemas.microsoft.com/office/mac/drawingml/2011/main" val="1"/>
             </a:ext>
           </a:extLst>
         </p:spPr>
@@ -14067,7 +14067,7 @@
           </a:ln>
           <a:extLst>
             <a:ext uri="{C572A759-6A51-4108-AA02-DFA0A04FC94B}">
-              <ma14:wrappingTextBoxFlag xmlns:ma14="http://schemas.microsoft.com/office/mac/drawingml/2011/main" xmlns:a14="http://schemas.microsoft.com/office/drawing/2010/main" xmlns:m="http://schemas.openxmlformats.org/officeDocument/2006/math" xmlns="" val="1"/>
+              <ma14:wrappingTextBoxFlag xmlns="" xmlns:m="http://schemas.openxmlformats.org/officeDocument/2006/math" xmlns:a14="http://schemas.microsoft.com/office/drawing/2010/main" xmlns:ma14="http://schemas.microsoft.com/office/mac/drawingml/2011/main" val="1"/>
             </a:ext>
           </a:extLst>
         </p:spPr>
@@ -14118,7 +14118,7 @@
           </a:ln>
           <a:extLst>
             <a:ext uri="{C572A759-6A51-4108-AA02-DFA0A04FC94B}">
-              <ma14:wrappingTextBoxFlag xmlns:ma14="http://schemas.microsoft.com/office/mac/drawingml/2011/main" xmlns:a14="http://schemas.microsoft.com/office/drawing/2010/main" xmlns:m="http://schemas.openxmlformats.org/officeDocument/2006/math" xmlns="" val="1"/>
+              <ma14:wrappingTextBoxFlag xmlns="" xmlns:m="http://schemas.openxmlformats.org/officeDocument/2006/math" xmlns:a14="http://schemas.microsoft.com/office/drawing/2010/main" xmlns:ma14="http://schemas.microsoft.com/office/mac/drawingml/2011/main" val="1"/>
             </a:ext>
           </a:extLst>
         </p:spPr>
@@ -14169,7 +14169,7 @@
           </a:ln>
           <a:extLst>
             <a:ext uri="{C572A759-6A51-4108-AA02-DFA0A04FC94B}">
-              <ma14:wrappingTextBoxFlag xmlns:ma14="http://schemas.microsoft.com/office/mac/drawingml/2011/main" xmlns:a14="http://schemas.microsoft.com/office/drawing/2010/main" xmlns:m="http://schemas.openxmlformats.org/officeDocument/2006/math" xmlns="" val="1"/>
+              <ma14:wrappingTextBoxFlag xmlns="" xmlns:m="http://schemas.openxmlformats.org/officeDocument/2006/math" xmlns:a14="http://schemas.microsoft.com/office/drawing/2010/main" xmlns:ma14="http://schemas.microsoft.com/office/mac/drawingml/2011/main" val="1"/>
             </a:ext>
           </a:extLst>
         </p:spPr>
@@ -14220,7 +14220,7 @@
           </a:ln>
           <a:extLst>
             <a:ext uri="{C572A759-6A51-4108-AA02-DFA0A04FC94B}">
-              <ma14:wrappingTextBoxFlag xmlns:ma14="http://schemas.microsoft.com/office/mac/drawingml/2011/main" xmlns:a14="http://schemas.microsoft.com/office/drawing/2010/main" xmlns:m="http://schemas.openxmlformats.org/officeDocument/2006/math" xmlns="" val="1"/>
+              <ma14:wrappingTextBoxFlag xmlns="" xmlns:m="http://schemas.openxmlformats.org/officeDocument/2006/math" xmlns:a14="http://schemas.microsoft.com/office/drawing/2010/main" xmlns:ma14="http://schemas.microsoft.com/office/mac/drawingml/2011/main" val="1"/>
             </a:ext>
           </a:extLst>
         </p:spPr>
@@ -14271,7 +14271,7 @@
           </a:ln>
           <a:extLst>
             <a:ext uri="{C572A759-6A51-4108-AA02-DFA0A04FC94B}">
-              <ma14:wrappingTextBoxFlag xmlns:ma14="http://schemas.microsoft.com/office/mac/drawingml/2011/main" xmlns:a14="http://schemas.microsoft.com/office/drawing/2010/main" xmlns:m="http://schemas.openxmlformats.org/officeDocument/2006/math" xmlns="" val="1"/>
+              <ma14:wrappingTextBoxFlag xmlns="" xmlns:m="http://schemas.openxmlformats.org/officeDocument/2006/math" xmlns:a14="http://schemas.microsoft.com/office/drawing/2010/main" xmlns:ma14="http://schemas.microsoft.com/office/mac/drawingml/2011/main" val="1"/>
             </a:ext>
           </a:extLst>
         </p:spPr>
@@ -14322,7 +14322,7 @@
           </a:ln>
           <a:extLst>
             <a:ext uri="{C572A759-6A51-4108-AA02-DFA0A04FC94B}">
-              <ma14:wrappingTextBoxFlag xmlns:ma14="http://schemas.microsoft.com/office/mac/drawingml/2011/main" xmlns:a14="http://schemas.microsoft.com/office/drawing/2010/main" xmlns:m="http://schemas.openxmlformats.org/officeDocument/2006/math" xmlns="" val="1"/>
+              <ma14:wrappingTextBoxFlag xmlns="" xmlns:m="http://schemas.openxmlformats.org/officeDocument/2006/math" xmlns:a14="http://schemas.microsoft.com/office/drawing/2010/main" xmlns:ma14="http://schemas.microsoft.com/office/mac/drawingml/2011/main" val="1"/>
             </a:ext>
           </a:extLst>
         </p:spPr>
@@ -14373,7 +14373,7 @@
           </a:ln>
           <a:extLst>
             <a:ext uri="{C572A759-6A51-4108-AA02-DFA0A04FC94B}">
-              <ma14:wrappingTextBoxFlag xmlns:ma14="http://schemas.microsoft.com/office/mac/drawingml/2011/main" xmlns:a14="http://schemas.microsoft.com/office/drawing/2010/main" xmlns:m="http://schemas.openxmlformats.org/officeDocument/2006/math" xmlns="" val="1"/>
+              <ma14:wrappingTextBoxFlag xmlns="" xmlns:m="http://schemas.openxmlformats.org/officeDocument/2006/math" xmlns:a14="http://schemas.microsoft.com/office/drawing/2010/main" xmlns:ma14="http://schemas.microsoft.com/office/mac/drawingml/2011/main" val="1"/>
             </a:ext>
           </a:extLst>
         </p:spPr>
@@ -15762,7 +15762,7 @@
           </a:ln>
           <a:extLst>
             <a:ext uri="{C572A759-6A51-4108-AA02-DFA0A04FC94B}">
-              <ma14:wrappingTextBoxFlag xmlns:ma14="http://schemas.microsoft.com/office/mac/drawingml/2011/main" xmlns:a14="http://schemas.microsoft.com/office/drawing/2010/main" xmlns:m="http://schemas.openxmlformats.org/officeDocument/2006/math" xmlns="" val="1"/>
+              <ma14:wrappingTextBoxFlag xmlns="" xmlns:m="http://schemas.openxmlformats.org/officeDocument/2006/math" xmlns:a14="http://schemas.microsoft.com/office/drawing/2010/main" xmlns:ma14="http://schemas.microsoft.com/office/mac/drawingml/2011/main" val="1"/>
             </a:ext>
           </a:extLst>
         </p:spPr>
@@ -15814,7 +15814,7 @@
           </a:ln>
           <a:extLst>
             <a:ext uri="{C572A759-6A51-4108-AA02-DFA0A04FC94B}">
-              <ma14:wrappingTextBoxFlag xmlns:ma14="http://schemas.microsoft.com/office/mac/drawingml/2011/main" xmlns:a14="http://schemas.microsoft.com/office/drawing/2010/main" xmlns:m="http://schemas.openxmlformats.org/officeDocument/2006/math" xmlns="" val="1"/>
+              <ma14:wrappingTextBoxFlag xmlns="" xmlns:m="http://schemas.openxmlformats.org/officeDocument/2006/math" xmlns:a14="http://schemas.microsoft.com/office/drawing/2010/main" xmlns:ma14="http://schemas.microsoft.com/office/mac/drawingml/2011/main" val="1"/>
             </a:ext>
           </a:extLst>
         </p:spPr>
@@ -15866,7 +15866,7 @@
           </a:ln>
           <a:extLst>
             <a:ext uri="{C572A759-6A51-4108-AA02-DFA0A04FC94B}">
-              <ma14:wrappingTextBoxFlag xmlns:ma14="http://schemas.microsoft.com/office/mac/drawingml/2011/main" xmlns:a14="http://schemas.microsoft.com/office/drawing/2010/main" xmlns:m="http://schemas.openxmlformats.org/officeDocument/2006/math" xmlns="" val="1"/>
+              <ma14:wrappingTextBoxFlag xmlns="" xmlns:m="http://schemas.openxmlformats.org/officeDocument/2006/math" xmlns:a14="http://schemas.microsoft.com/office/drawing/2010/main" xmlns:ma14="http://schemas.microsoft.com/office/mac/drawingml/2011/main" val="1"/>
             </a:ext>
           </a:extLst>
         </p:spPr>
@@ -15942,7 +15942,7 @@
           </a:ln>
           <a:extLst>
             <a:ext uri="{C572A759-6A51-4108-AA02-DFA0A04FC94B}">
-              <ma14:wrappingTextBoxFlag xmlns="" xmlns:m="http://schemas.openxmlformats.org/officeDocument/2006/math" xmlns:a14="http://schemas.microsoft.com/office/drawing/2010/main" xmlns:ma14="http://schemas.microsoft.com/office/mac/drawingml/2011/main" val="1"/>
+              <ma14:wrappingTextBoxFlag xmlns:ma14="http://schemas.microsoft.com/office/mac/drawingml/2011/main" xmlns:a14="http://schemas.microsoft.com/office/drawing/2010/main" xmlns:m="http://schemas.openxmlformats.org/officeDocument/2006/math" xmlns="" val="1"/>
             </a:ext>
           </a:extLst>
         </p:spPr>
@@ -15993,7 +15993,7 @@
           </a:ln>
           <a:extLst>
             <a:ext uri="{C572A759-6A51-4108-AA02-DFA0A04FC94B}">
-              <ma14:wrappingTextBoxFlag xmlns="" xmlns:m="http://schemas.openxmlformats.org/officeDocument/2006/math" xmlns:a14="http://schemas.microsoft.com/office/drawing/2010/main" xmlns:ma14="http://schemas.microsoft.com/office/mac/drawingml/2011/main" val="1"/>
+              <ma14:wrappingTextBoxFlag xmlns:ma14="http://schemas.microsoft.com/office/mac/drawingml/2011/main" xmlns:a14="http://schemas.microsoft.com/office/drawing/2010/main" xmlns:m="http://schemas.openxmlformats.org/officeDocument/2006/math" xmlns="" val="1"/>
             </a:ext>
           </a:extLst>
         </p:spPr>
@@ -16044,7 +16044,7 @@
           </a:ln>
           <a:extLst>
             <a:ext uri="{C572A759-6A51-4108-AA02-DFA0A04FC94B}">
-              <ma14:wrappingTextBoxFlag xmlns="" xmlns:m="http://schemas.openxmlformats.org/officeDocument/2006/math" xmlns:a14="http://schemas.microsoft.com/office/drawing/2010/main" xmlns:ma14="http://schemas.microsoft.com/office/mac/drawingml/2011/main" val="1"/>
+              <ma14:wrappingTextBoxFlag xmlns:ma14="http://schemas.microsoft.com/office/mac/drawingml/2011/main" xmlns:a14="http://schemas.microsoft.com/office/drawing/2010/main" xmlns:m="http://schemas.openxmlformats.org/officeDocument/2006/math" xmlns="" val="1"/>
             </a:ext>
           </a:extLst>
         </p:spPr>
@@ -16095,7 +16095,7 @@
           </a:ln>
           <a:extLst>
             <a:ext uri="{C572A759-6A51-4108-AA02-DFA0A04FC94B}">
-              <ma14:wrappingTextBoxFlag xmlns="" xmlns:m="http://schemas.openxmlformats.org/officeDocument/2006/math" xmlns:a14="http://schemas.microsoft.com/office/drawing/2010/main" xmlns:ma14="http://schemas.microsoft.com/office/mac/drawingml/2011/main" val="1"/>
+              <ma14:wrappingTextBoxFlag xmlns:ma14="http://schemas.microsoft.com/office/mac/drawingml/2011/main" xmlns:a14="http://schemas.microsoft.com/office/drawing/2010/main" xmlns:m="http://schemas.openxmlformats.org/officeDocument/2006/math" xmlns="" val="1"/>
             </a:ext>
           </a:extLst>
         </p:spPr>
@@ -16146,7 +16146,7 @@
           </a:ln>
           <a:extLst>
             <a:ext uri="{C572A759-6A51-4108-AA02-DFA0A04FC94B}">
-              <ma14:wrappingTextBoxFlag xmlns="" xmlns:m="http://schemas.openxmlformats.org/officeDocument/2006/math" xmlns:a14="http://schemas.microsoft.com/office/drawing/2010/main" xmlns:ma14="http://schemas.microsoft.com/office/mac/drawingml/2011/main" val="1"/>
+              <ma14:wrappingTextBoxFlag xmlns:ma14="http://schemas.microsoft.com/office/mac/drawingml/2011/main" xmlns:a14="http://schemas.microsoft.com/office/drawing/2010/main" xmlns:m="http://schemas.openxmlformats.org/officeDocument/2006/math" xmlns="" val="1"/>
             </a:ext>
           </a:extLst>
         </p:spPr>
@@ -16197,7 +16197,7 @@
           </a:ln>
           <a:extLst>
             <a:ext uri="{C572A759-6A51-4108-AA02-DFA0A04FC94B}">
-              <ma14:wrappingTextBoxFlag xmlns="" xmlns:m="http://schemas.openxmlformats.org/officeDocument/2006/math" xmlns:a14="http://schemas.microsoft.com/office/drawing/2010/main" xmlns:ma14="http://schemas.microsoft.com/office/mac/drawingml/2011/main" val="1"/>
+              <ma14:wrappingTextBoxFlag xmlns:ma14="http://schemas.microsoft.com/office/mac/drawingml/2011/main" xmlns:a14="http://schemas.microsoft.com/office/drawing/2010/main" xmlns:m="http://schemas.openxmlformats.org/officeDocument/2006/math" xmlns="" val="1"/>
             </a:ext>
           </a:extLst>
         </p:spPr>
@@ -16248,7 +16248,7 @@
           </a:ln>
           <a:extLst>
             <a:ext uri="{C572A759-6A51-4108-AA02-DFA0A04FC94B}">
-              <ma14:wrappingTextBoxFlag xmlns="" xmlns:m="http://schemas.openxmlformats.org/officeDocument/2006/math" xmlns:a14="http://schemas.microsoft.com/office/drawing/2010/main" xmlns:ma14="http://schemas.microsoft.com/office/mac/drawingml/2011/main" val="1"/>
+              <ma14:wrappingTextBoxFlag xmlns:ma14="http://schemas.microsoft.com/office/mac/drawingml/2011/main" xmlns:a14="http://schemas.microsoft.com/office/drawing/2010/main" xmlns:m="http://schemas.openxmlformats.org/officeDocument/2006/math" xmlns="" val="1"/>
             </a:ext>
           </a:extLst>
         </p:spPr>
@@ -16299,7 +16299,7 @@
           </a:ln>
           <a:extLst>
             <a:ext uri="{C572A759-6A51-4108-AA02-DFA0A04FC94B}">
-              <ma14:wrappingTextBoxFlag xmlns="" xmlns:m="http://schemas.openxmlformats.org/officeDocument/2006/math" xmlns:a14="http://schemas.microsoft.com/office/drawing/2010/main" xmlns:ma14="http://schemas.microsoft.com/office/mac/drawingml/2011/main" val="1"/>
+              <ma14:wrappingTextBoxFlag xmlns:ma14="http://schemas.microsoft.com/office/mac/drawingml/2011/main" xmlns:a14="http://schemas.microsoft.com/office/drawing/2010/main" xmlns:m="http://schemas.openxmlformats.org/officeDocument/2006/math" xmlns="" val="1"/>
             </a:ext>
           </a:extLst>
         </p:spPr>
@@ -16350,7 +16350,7 @@
           </a:ln>
           <a:extLst>
             <a:ext uri="{C572A759-6A51-4108-AA02-DFA0A04FC94B}">
-              <ma14:wrappingTextBoxFlag xmlns="" xmlns:m="http://schemas.openxmlformats.org/officeDocument/2006/math" xmlns:a14="http://schemas.microsoft.com/office/drawing/2010/main" xmlns:ma14="http://schemas.microsoft.com/office/mac/drawingml/2011/main" val="1"/>
+              <ma14:wrappingTextBoxFlag xmlns:ma14="http://schemas.microsoft.com/office/mac/drawingml/2011/main" xmlns:a14="http://schemas.microsoft.com/office/drawing/2010/main" xmlns:m="http://schemas.openxmlformats.org/officeDocument/2006/math" xmlns="" val="1"/>
             </a:ext>
           </a:extLst>
         </p:spPr>
@@ -16401,7 +16401,7 @@
           </a:ln>
           <a:extLst>
             <a:ext uri="{C572A759-6A51-4108-AA02-DFA0A04FC94B}">
-              <ma14:wrappingTextBoxFlag xmlns="" xmlns:m="http://schemas.openxmlformats.org/officeDocument/2006/math" xmlns:a14="http://schemas.microsoft.com/office/drawing/2010/main" xmlns:ma14="http://schemas.microsoft.com/office/mac/drawingml/2011/main" val="1"/>
+              <ma14:wrappingTextBoxFlag xmlns:ma14="http://schemas.microsoft.com/office/mac/drawingml/2011/main" xmlns:a14="http://schemas.microsoft.com/office/drawing/2010/main" xmlns:m="http://schemas.openxmlformats.org/officeDocument/2006/math" xmlns="" val="1"/>
             </a:ext>
           </a:extLst>
         </p:spPr>
@@ -16452,7 +16452,7 @@
           </a:ln>
           <a:extLst>
             <a:ext uri="{C572A759-6A51-4108-AA02-DFA0A04FC94B}">
-              <ma14:wrappingTextBoxFlag xmlns="" xmlns:m="http://schemas.openxmlformats.org/officeDocument/2006/math" xmlns:a14="http://schemas.microsoft.com/office/drawing/2010/main" xmlns:ma14="http://schemas.microsoft.com/office/mac/drawingml/2011/main" val="1"/>
+              <ma14:wrappingTextBoxFlag xmlns:ma14="http://schemas.microsoft.com/office/mac/drawingml/2011/main" xmlns:a14="http://schemas.microsoft.com/office/drawing/2010/main" xmlns:m="http://schemas.openxmlformats.org/officeDocument/2006/math" xmlns="" val="1"/>
             </a:ext>
           </a:extLst>
         </p:spPr>
@@ -16503,7 +16503,7 @@
           </a:ln>
           <a:extLst>
             <a:ext uri="{C572A759-6A51-4108-AA02-DFA0A04FC94B}">
-              <ma14:wrappingTextBoxFlag xmlns="" xmlns:m="http://schemas.openxmlformats.org/officeDocument/2006/math" xmlns:a14="http://schemas.microsoft.com/office/drawing/2010/main" xmlns:ma14="http://schemas.microsoft.com/office/mac/drawingml/2011/main" val="1"/>
+              <ma14:wrappingTextBoxFlag xmlns:ma14="http://schemas.microsoft.com/office/mac/drawingml/2011/main" xmlns:a14="http://schemas.microsoft.com/office/drawing/2010/main" xmlns:m="http://schemas.openxmlformats.org/officeDocument/2006/math" xmlns="" val="1"/>
             </a:ext>
           </a:extLst>
         </p:spPr>
@@ -16554,7 +16554,7 @@
           </a:ln>
           <a:extLst>
             <a:ext uri="{C572A759-6A51-4108-AA02-DFA0A04FC94B}">
-              <ma14:wrappingTextBoxFlag xmlns="" xmlns:m="http://schemas.openxmlformats.org/officeDocument/2006/math" xmlns:a14="http://schemas.microsoft.com/office/drawing/2010/main" xmlns:ma14="http://schemas.microsoft.com/office/mac/drawingml/2011/main" val="1"/>
+              <ma14:wrappingTextBoxFlag xmlns:ma14="http://schemas.microsoft.com/office/mac/drawingml/2011/main" xmlns:a14="http://schemas.microsoft.com/office/drawing/2010/main" xmlns:m="http://schemas.openxmlformats.org/officeDocument/2006/math" xmlns="" val="1"/>
             </a:ext>
           </a:extLst>
         </p:spPr>
@@ -16605,7 +16605,7 @@
           </a:ln>
           <a:extLst>
             <a:ext uri="{C572A759-6A51-4108-AA02-DFA0A04FC94B}">
-              <ma14:wrappingTextBoxFlag xmlns="" xmlns:m="http://schemas.openxmlformats.org/officeDocument/2006/math" xmlns:a14="http://schemas.microsoft.com/office/drawing/2010/main" xmlns:ma14="http://schemas.microsoft.com/office/mac/drawingml/2011/main" val="1"/>
+              <ma14:wrappingTextBoxFlag xmlns:ma14="http://schemas.microsoft.com/office/mac/drawingml/2011/main" xmlns:a14="http://schemas.microsoft.com/office/drawing/2010/main" xmlns:m="http://schemas.openxmlformats.org/officeDocument/2006/math" xmlns="" val="1"/>
             </a:ext>
           </a:extLst>
         </p:spPr>
@@ -16656,7 +16656,7 @@
           </a:ln>
           <a:extLst>
             <a:ext uri="{C572A759-6A51-4108-AA02-DFA0A04FC94B}">
-              <ma14:wrappingTextBoxFlag xmlns="" xmlns:m="http://schemas.openxmlformats.org/officeDocument/2006/math" xmlns:a14="http://schemas.microsoft.com/office/drawing/2010/main" xmlns:ma14="http://schemas.microsoft.com/office/mac/drawingml/2011/main" val="1"/>
+              <ma14:wrappingTextBoxFlag xmlns:ma14="http://schemas.microsoft.com/office/mac/drawingml/2011/main" xmlns:a14="http://schemas.microsoft.com/office/drawing/2010/main" xmlns:m="http://schemas.openxmlformats.org/officeDocument/2006/math" xmlns="" val="1"/>
             </a:ext>
           </a:extLst>
         </p:spPr>
@@ -16707,7 +16707,7 @@
           </a:ln>
           <a:extLst>
             <a:ext uri="{C572A759-6A51-4108-AA02-DFA0A04FC94B}">
-              <ma14:wrappingTextBoxFlag xmlns="" xmlns:m="http://schemas.openxmlformats.org/officeDocument/2006/math" xmlns:a14="http://schemas.microsoft.com/office/drawing/2010/main" xmlns:ma14="http://schemas.microsoft.com/office/mac/drawingml/2011/main" val="1"/>
+              <ma14:wrappingTextBoxFlag xmlns:ma14="http://schemas.microsoft.com/office/mac/drawingml/2011/main" xmlns:a14="http://schemas.microsoft.com/office/drawing/2010/main" xmlns:m="http://schemas.openxmlformats.org/officeDocument/2006/math" xmlns="" val="1"/>
             </a:ext>
           </a:extLst>
         </p:spPr>
@@ -16758,7 +16758,7 @@
           </a:ln>
           <a:extLst>
             <a:ext uri="{C572A759-6A51-4108-AA02-DFA0A04FC94B}">
-              <ma14:wrappingTextBoxFlag xmlns="" xmlns:m="http://schemas.openxmlformats.org/officeDocument/2006/math" xmlns:a14="http://schemas.microsoft.com/office/drawing/2010/main" xmlns:ma14="http://schemas.microsoft.com/office/mac/drawingml/2011/main" val="1"/>
+              <ma14:wrappingTextBoxFlag xmlns:ma14="http://schemas.microsoft.com/office/mac/drawingml/2011/main" xmlns:a14="http://schemas.microsoft.com/office/drawing/2010/main" xmlns:m="http://schemas.openxmlformats.org/officeDocument/2006/math" xmlns="" val="1"/>
             </a:ext>
           </a:extLst>
         </p:spPr>
@@ -16809,7 +16809,7 @@
           </a:ln>
           <a:extLst>
             <a:ext uri="{C572A759-6A51-4108-AA02-DFA0A04FC94B}">
-              <ma14:wrappingTextBoxFlag xmlns="" xmlns:m="http://schemas.openxmlformats.org/officeDocument/2006/math" xmlns:a14="http://schemas.microsoft.com/office/drawing/2010/main" xmlns:ma14="http://schemas.microsoft.com/office/mac/drawingml/2011/main" val="1"/>
+              <ma14:wrappingTextBoxFlag xmlns:ma14="http://schemas.microsoft.com/office/mac/drawingml/2011/main" xmlns:a14="http://schemas.microsoft.com/office/drawing/2010/main" xmlns:m="http://schemas.openxmlformats.org/officeDocument/2006/math" xmlns="" val="1"/>
             </a:ext>
           </a:extLst>
         </p:spPr>
@@ -16860,7 +16860,7 @@
           </a:ln>
           <a:extLst>
             <a:ext uri="{C572A759-6A51-4108-AA02-DFA0A04FC94B}">
-              <ma14:wrappingTextBoxFlag xmlns="" xmlns:m="http://schemas.openxmlformats.org/officeDocument/2006/math" xmlns:a14="http://schemas.microsoft.com/office/drawing/2010/main" xmlns:ma14="http://schemas.microsoft.com/office/mac/drawingml/2011/main" val="1"/>
+              <ma14:wrappingTextBoxFlag xmlns:ma14="http://schemas.microsoft.com/office/mac/drawingml/2011/main" xmlns:a14="http://schemas.microsoft.com/office/drawing/2010/main" xmlns:m="http://schemas.openxmlformats.org/officeDocument/2006/math" xmlns="" val="1"/>
             </a:ext>
           </a:extLst>
         </p:spPr>
@@ -16911,7 +16911,7 @@
           </a:ln>
           <a:extLst>
             <a:ext uri="{C572A759-6A51-4108-AA02-DFA0A04FC94B}">
-              <ma14:wrappingTextBoxFlag xmlns="" xmlns:m="http://schemas.openxmlformats.org/officeDocument/2006/math" xmlns:a14="http://schemas.microsoft.com/office/drawing/2010/main" xmlns:ma14="http://schemas.microsoft.com/office/mac/drawingml/2011/main" val="1"/>
+              <ma14:wrappingTextBoxFlag xmlns:ma14="http://schemas.microsoft.com/office/mac/drawingml/2011/main" xmlns:a14="http://schemas.microsoft.com/office/drawing/2010/main" xmlns:m="http://schemas.openxmlformats.org/officeDocument/2006/math" xmlns="" val="1"/>
             </a:ext>
           </a:extLst>
         </p:spPr>
@@ -16962,7 +16962,7 @@
           </a:ln>
           <a:extLst>
             <a:ext uri="{C572A759-6A51-4108-AA02-DFA0A04FC94B}">
-              <ma14:wrappingTextBoxFlag xmlns="" xmlns:m="http://schemas.openxmlformats.org/officeDocument/2006/math" xmlns:a14="http://schemas.microsoft.com/office/drawing/2010/main" xmlns:ma14="http://schemas.microsoft.com/office/mac/drawingml/2011/main" val="1"/>
+              <ma14:wrappingTextBoxFlag xmlns:ma14="http://schemas.microsoft.com/office/mac/drawingml/2011/main" xmlns:a14="http://schemas.microsoft.com/office/drawing/2010/main" xmlns:m="http://schemas.openxmlformats.org/officeDocument/2006/math" xmlns="" val="1"/>
             </a:ext>
           </a:extLst>
         </p:spPr>
@@ -17013,7 +17013,7 @@
           </a:ln>
           <a:extLst>
             <a:ext uri="{C572A759-6A51-4108-AA02-DFA0A04FC94B}">
-              <ma14:wrappingTextBoxFlag xmlns="" xmlns:m="http://schemas.openxmlformats.org/officeDocument/2006/math" xmlns:a14="http://schemas.microsoft.com/office/drawing/2010/main" xmlns:ma14="http://schemas.microsoft.com/office/mac/drawingml/2011/main" val="1"/>
+              <ma14:wrappingTextBoxFlag xmlns:ma14="http://schemas.microsoft.com/office/mac/drawingml/2011/main" xmlns:a14="http://schemas.microsoft.com/office/drawing/2010/main" xmlns:m="http://schemas.openxmlformats.org/officeDocument/2006/math" xmlns="" val="1"/>
             </a:ext>
           </a:extLst>
         </p:spPr>
@@ -17064,7 +17064,7 @@
           </a:ln>
           <a:extLst>
             <a:ext uri="{C572A759-6A51-4108-AA02-DFA0A04FC94B}">
-              <ma14:wrappingTextBoxFlag xmlns="" xmlns:m="http://schemas.openxmlformats.org/officeDocument/2006/math" xmlns:a14="http://schemas.microsoft.com/office/drawing/2010/main" xmlns:ma14="http://schemas.microsoft.com/office/mac/drawingml/2011/main" val="1"/>
+              <ma14:wrappingTextBoxFlag xmlns:ma14="http://schemas.microsoft.com/office/mac/drawingml/2011/main" xmlns:a14="http://schemas.microsoft.com/office/drawing/2010/main" xmlns:m="http://schemas.openxmlformats.org/officeDocument/2006/math" xmlns="" val="1"/>
             </a:ext>
           </a:extLst>
         </p:spPr>
@@ -17115,7 +17115,7 @@
           </a:ln>
           <a:extLst>
             <a:ext uri="{C572A759-6A51-4108-AA02-DFA0A04FC94B}">
-              <ma14:wrappingTextBoxFlag xmlns="" xmlns:m="http://schemas.openxmlformats.org/officeDocument/2006/math" xmlns:a14="http://schemas.microsoft.com/office/drawing/2010/main" xmlns:ma14="http://schemas.microsoft.com/office/mac/drawingml/2011/main" val="1"/>
+              <ma14:wrappingTextBoxFlag xmlns:ma14="http://schemas.microsoft.com/office/mac/drawingml/2011/main" xmlns:a14="http://schemas.microsoft.com/office/drawing/2010/main" xmlns:m="http://schemas.openxmlformats.org/officeDocument/2006/math" xmlns="" val="1"/>
             </a:ext>
           </a:extLst>
         </p:spPr>
@@ -17166,7 +17166,7 @@
           </a:ln>
           <a:extLst>
             <a:ext uri="{C572A759-6A51-4108-AA02-DFA0A04FC94B}">
-              <ma14:wrappingTextBoxFlag xmlns="" xmlns:m="http://schemas.openxmlformats.org/officeDocument/2006/math" xmlns:a14="http://schemas.microsoft.com/office/drawing/2010/main" xmlns:ma14="http://schemas.microsoft.com/office/mac/drawingml/2011/main" val="1"/>
+              <ma14:wrappingTextBoxFlag xmlns:ma14="http://schemas.microsoft.com/office/mac/drawingml/2011/main" xmlns:a14="http://schemas.microsoft.com/office/drawing/2010/main" xmlns:m="http://schemas.openxmlformats.org/officeDocument/2006/math" xmlns="" val="1"/>
             </a:ext>
           </a:extLst>
         </p:spPr>
@@ -17217,7 +17217,7 @@
           </a:ln>
           <a:extLst>
             <a:ext uri="{C572A759-6A51-4108-AA02-DFA0A04FC94B}">
-              <ma14:wrappingTextBoxFlag xmlns="" xmlns:m="http://schemas.openxmlformats.org/officeDocument/2006/math" xmlns:a14="http://schemas.microsoft.com/office/drawing/2010/main" xmlns:ma14="http://schemas.microsoft.com/office/mac/drawingml/2011/main" val="1"/>
+              <ma14:wrappingTextBoxFlag xmlns:ma14="http://schemas.microsoft.com/office/mac/drawingml/2011/main" xmlns:a14="http://schemas.microsoft.com/office/drawing/2010/main" xmlns:m="http://schemas.openxmlformats.org/officeDocument/2006/math" xmlns="" val="1"/>
             </a:ext>
           </a:extLst>
         </p:spPr>
@@ -17268,7 +17268,7 @@
           </a:ln>
           <a:extLst>
             <a:ext uri="{C572A759-6A51-4108-AA02-DFA0A04FC94B}">
-              <ma14:wrappingTextBoxFlag xmlns="" xmlns:m="http://schemas.openxmlformats.org/officeDocument/2006/math" xmlns:a14="http://schemas.microsoft.com/office/drawing/2010/main" xmlns:ma14="http://schemas.microsoft.com/office/mac/drawingml/2011/main" val="1"/>
+              <ma14:wrappingTextBoxFlag xmlns:ma14="http://schemas.microsoft.com/office/mac/drawingml/2011/main" xmlns:a14="http://schemas.microsoft.com/office/drawing/2010/main" xmlns:m="http://schemas.openxmlformats.org/officeDocument/2006/math" xmlns="" val="1"/>
             </a:ext>
           </a:extLst>
         </p:spPr>
@@ -17319,7 +17319,7 @@
           </a:ln>
           <a:extLst>
             <a:ext uri="{C572A759-6A51-4108-AA02-DFA0A04FC94B}">
-              <ma14:wrappingTextBoxFlag xmlns="" xmlns:m="http://schemas.openxmlformats.org/officeDocument/2006/math" xmlns:a14="http://schemas.microsoft.com/office/drawing/2010/main" xmlns:ma14="http://schemas.microsoft.com/office/mac/drawingml/2011/main" val="1"/>
+              <ma14:wrappingTextBoxFlag xmlns:ma14="http://schemas.microsoft.com/office/mac/drawingml/2011/main" xmlns:a14="http://schemas.microsoft.com/office/drawing/2010/main" xmlns:m="http://schemas.openxmlformats.org/officeDocument/2006/math" xmlns="" val="1"/>
             </a:ext>
           </a:extLst>
         </p:spPr>
@@ -17370,7 +17370,7 @@
           </a:ln>
           <a:extLst>
             <a:ext uri="{C572A759-6A51-4108-AA02-DFA0A04FC94B}">
-              <ma14:wrappingTextBoxFlag xmlns="" xmlns:m="http://schemas.openxmlformats.org/officeDocument/2006/math" xmlns:a14="http://schemas.microsoft.com/office/drawing/2010/main" xmlns:ma14="http://schemas.microsoft.com/office/mac/drawingml/2011/main" val="1"/>
+              <ma14:wrappingTextBoxFlag xmlns:ma14="http://schemas.microsoft.com/office/mac/drawingml/2011/main" xmlns:a14="http://schemas.microsoft.com/office/drawing/2010/main" xmlns:m="http://schemas.openxmlformats.org/officeDocument/2006/math" xmlns="" val="1"/>
             </a:ext>
           </a:extLst>
         </p:spPr>
@@ -17421,7 +17421,7 @@
           </a:ln>
           <a:extLst>
             <a:ext uri="{C572A759-6A51-4108-AA02-DFA0A04FC94B}">
-              <ma14:wrappingTextBoxFlag xmlns="" xmlns:m="http://schemas.openxmlformats.org/officeDocument/2006/math" xmlns:a14="http://schemas.microsoft.com/office/drawing/2010/main" xmlns:ma14="http://schemas.microsoft.com/office/mac/drawingml/2011/main" val="1"/>
+              <ma14:wrappingTextBoxFlag xmlns:ma14="http://schemas.microsoft.com/office/mac/drawingml/2011/main" xmlns:a14="http://schemas.microsoft.com/office/drawing/2010/main" xmlns:m="http://schemas.openxmlformats.org/officeDocument/2006/math" xmlns="" val="1"/>
             </a:ext>
           </a:extLst>
         </p:spPr>
@@ -17828,7 +17828,7 @@
           </a:ln>
           <a:extLst>
             <a:ext uri="{C572A759-6A51-4108-AA02-DFA0A04FC94B}">
-              <ma14:wrappingTextBoxFlag xmlns:ma14="http://schemas.microsoft.com/office/mac/drawingml/2011/main" xmlns:a14="http://schemas.microsoft.com/office/drawing/2010/main" xmlns:m="http://schemas.openxmlformats.org/officeDocument/2006/math" xmlns="" val="1"/>
+              <ma14:wrappingTextBoxFlag xmlns="" xmlns:m="http://schemas.openxmlformats.org/officeDocument/2006/math" xmlns:a14="http://schemas.microsoft.com/office/drawing/2010/main" xmlns:ma14="http://schemas.microsoft.com/office/mac/drawingml/2011/main" val="1"/>
             </a:ext>
           </a:extLst>
         </p:spPr>
@@ -17879,7 +17879,7 @@
           </a:ln>
           <a:extLst>
             <a:ext uri="{C572A759-6A51-4108-AA02-DFA0A04FC94B}">
-              <ma14:wrappingTextBoxFlag xmlns:ma14="http://schemas.microsoft.com/office/mac/drawingml/2011/main" xmlns:a14="http://schemas.microsoft.com/office/drawing/2010/main" xmlns:m="http://schemas.openxmlformats.org/officeDocument/2006/math" xmlns="" val="1"/>
+              <ma14:wrappingTextBoxFlag xmlns="" xmlns:m="http://schemas.openxmlformats.org/officeDocument/2006/math" xmlns:a14="http://schemas.microsoft.com/office/drawing/2010/main" xmlns:ma14="http://schemas.microsoft.com/office/mac/drawingml/2011/main" val="1"/>
             </a:ext>
           </a:extLst>
         </p:spPr>
@@ -17930,7 +17930,7 @@
           </a:ln>
           <a:extLst>
             <a:ext uri="{C572A759-6A51-4108-AA02-DFA0A04FC94B}">
-              <ma14:wrappingTextBoxFlag xmlns:ma14="http://schemas.microsoft.com/office/mac/drawingml/2011/main" xmlns:a14="http://schemas.microsoft.com/office/drawing/2010/main" xmlns:m="http://schemas.openxmlformats.org/officeDocument/2006/math" xmlns="" val="1"/>
+              <ma14:wrappingTextBoxFlag xmlns="" xmlns:m="http://schemas.openxmlformats.org/officeDocument/2006/math" xmlns:a14="http://schemas.microsoft.com/office/drawing/2010/main" xmlns:ma14="http://schemas.microsoft.com/office/mac/drawingml/2011/main" val="1"/>
             </a:ext>
           </a:extLst>
         </p:spPr>
@@ -17981,7 +17981,7 @@
           </a:ln>
           <a:extLst>
             <a:ext uri="{C572A759-6A51-4108-AA02-DFA0A04FC94B}">
-              <ma14:wrappingTextBoxFlag xmlns:ma14="http://schemas.microsoft.com/office/mac/drawingml/2011/main" xmlns:a14="http://schemas.microsoft.com/office/drawing/2010/main" xmlns:m="http://schemas.openxmlformats.org/officeDocument/2006/math" xmlns="" val="1"/>
+              <ma14:wrappingTextBoxFlag xmlns="" xmlns:m="http://schemas.openxmlformats.org/officeDocument/2006/math" xmlns:a14="http://schemas.microsoft.com/office/drawing/2010/main" xmlns:ma14="http://schemas.microsoft.com/office/mac/drawingml/2011/main" val="1"/>
             </a:ext>
           </a:extLst>
         </p:spPr>
@@ -18032,7 +18032,7 @@
           </a:ln>
           <a:extLst>
             <a:ext uri="{C572A759-6A51-4108-AA02-DFA0A04FC94B}">
-              <ma14:wrappingTextBoxFlag xmlns:ma14="http://schemas.microsoft.com/office/mac/drawingml/2011/main" xmlns:a14="http://schemas.microsoft.com/office/drawing/2010/main" xmlns:m="http://schemas.openxmlformats.org/officeDocument/2006/math" xmlns="" val="1"/>
+              <ma14:wrappingTextBoxFlag xmlns="" xmlns:m="http://schemas.openxmlformats.org/officeDocument/2006/math" xmlns:a14="http://schemas.microsoft.com/office/drawing/2010/main" xmlns:ma14="http://schemas.microsoft.com/office/mac/drawingml/2011/main" val="1"/>
             </a:ext>
           </a:extLst>
         </p:spPr>
@@ -18083,7 +18083,7 @@
           </a:ln>
           <a:extLst>
             <a:ext uri="{C572A759-6A51-4108-AA02-DFA0A04FC94B}">
-              <ma14:wrappingTextBoxFlag xmlns:ma14="http://schemas.microsoft.com/office/mac/drawingml/2011/main" xmlns:a14="http://schemas.microsoft.com/office/drawing/2010/main" xmlns:m="http://schemas.openxmlformats.org/officeDocument/2006/math" xmlns="" val="1"/>
+              <ma14:wrappingTextBoxFlag xmlns="" xmlns:m="http://schemas.openxmlformats.org/officeDocument/2006/math" xmlns:a14="http://schemas.microsoft.com/office/drawing/2010/main" xmlns:ma14="http://schemas.microsoft.com/office/mac/drawingml/2011/main" val="1"/>
             </a:ext>
           </a:extLst>
         </p:spPr>
@@ -18134,7 +18134,7 @@
           </a:ln>
           <a:extLst>
             <a:ext uri="{C572A759-6A51-4108-AA02-DFA0A04FC94B}">
-              <ma14:wrappingTextBoxFlag xmlns:ma14="http://schemas.microsoft.com/office/mac/drawingml/2011/main" xmlns:a14="http://schemas.microsoft.com/office/drawing/2010/main" xmlns:m="http://schemas.openxmlformats.org/officeDocument/2006/math" xmlns="" val="1"/>
+              <ma14:wrappingTextBoxFlag xmlns="" xmlns:m="http://schemas.openxmlformats.org/officeDocument/2006/math" xmlns:a14="http://schemas.microsoft.com/office/drawing/2010/main" xmlns:ma14="http://schemas.microsoft.com/office/mac/drawingml/2011/main" val="1"/>
             </a:ext>
           </a:extLst>
         </p:spPr>
@@ -18185,7 +18185,7 @@
           </a:ln>
           <a:extLst>
             <a:ext uri="{C572A759-6A51-4108-AA02-DFA0A04FC94B}">
-              <ma14:wrappingTextBoxFlag xmlns:ma14="http://schemas.microsoft.com/office/mac/drawingml/2011/main" xmlns:a14="http://schemas.microsoft.com/office/drawing/2010/main" xmlns:m="http://schemas.openxmlformats.org/officeDocument/2006/math" xmlns="" val="1"/>
+              <ma14:wrappingTextBoxFlag xmlns="" xmlns:m="http://schemas.openxmlformats.org/officeDocument/2006/math" xmlns:a14="http://schemas.microsoft.com/office/drawing/2010/main" xmlns:ma14="http://schemas.microsoft.com/office/mac/drawingml/2011/main" val="1"/>
             </a:ext>
           </a:extLst>
         </p:spPr>
@@ -18236,7 +18236,7 @@
           </a:ln>
           <a:extLst>
             <a:ext uri="{C572A759-6A51-4108-AA02-DFA0A04FC94B}">
-              <ma14:wrappingTextBoxFlag xmlns:ma14="http://schemas.microsoft.com/office/mac/drawingml/2011/main" xmlns:a14="http://schemas.microsoft.com/office/drawing/2010/main" xmlns:m="http://schemas.openxmlformats.org/officeDocument/2006/math" xmlns="" val="1"/>
+              <ma14:wrappingTextBoxFlag xmlns="" xmlns:m="http://schemas.openxmlformats.org/officeDocument/2006/math" xmlns:a14="http://schemas.microsoft.com/office/drawing/2010/main" xmlns:ma14="http://schemas.microsoft.com/office/mac/drawingml/2011/main" val="1"/>
             </a:ext>
           </a:extLst>
         </p:spPr>
@@ -18287,7 +18287,7 @@
           </a:ln>
           <a:extLst>
             <a:ext uri="{C572A759-6A51-4108-AA02-DFA0A04FC94B}">
-              <ma14:wrappingTextBoxFlag xmlns:ma14="http://schemas.microsoft.com/office/mac/drawingml/2011/main" xmlns:a14="http://schemas.microsoft.com/office/drawing/2010/main" xmlns:m="http://schemas.openxmlformats.org/officeDocument/2006/math" xmlns="" val="1"/>
+              <ma14:wrappingTextBoxFlag xmlns="" xmlns:m="http://schemas.openxmlformats.org/officeDocument/2006/math" xmlns:a14="http://schemas.microsoft.com/office/drawing/2010/main" xmlns:ma14="http://schemas.microsoft.com/office/mac/drawingml/2011/main" val="1"/>
             </a:ext>
           </a:extLst>
         </p:spPr>
@@ -18338,7 +18338,7 @@
           </a:ln>
           <a:extLst>
             <a:ext uri="{C572A759-6A51-4108-AA02-DFA0A04FC94B}">
-              <ma14:wrappingTextBoxFlag xmlns:ma14="http://schemas.microsoft.com/office/mac/drawingml/2011/main" xmlns:a14="http://schemas.microsoft.com/office/drawing/2010/main" xmlns:m="http://schemas.openxmlformats.org/officeDocument/2006/math" xmlns="" val="1"/>
+              <ma14:wrappingTextBoxFlag xmlns="" xmlns:m="http://schemas.openxmlformats.org/officeDocument/2006/math" xmlns:a14="http://schemas.microsoft.com/office/drawing/2010/main" xmlns:ma14="http://schemas.microsoft.com/office/mac/drawingml/2011/main" val="1"/>
             </a:ext>
           </a:extLst>
         </p:spPr>
@@ -18389,7 +18389,7 @@
           </a:ln>
           <a:extLst>
             <a:ext uri="{C572A759-6A51-4108-AA02-DFA0A04FC94B}">
-              <ma14:wrappingTextBoxFlag xmlns:ma14="http://schemas.microsoft.com/office/mac/drawingml/2011/main" xmlns:a14="http://schemas.microsoft.com/office/drawing/2010/main" xmlns:m="http://schemas.openxmlformats.org/officeDocument/2006/math" xmlns="" val="1"/>
+              <ma14:wrappingTextBoxFlag xmlns="" xmlns:m="http://schemas.openxmlformats.org/officeDocument/2006/math" xmlns:a14="http://schemas.microsoft.com/office/drawing/2010/main" xmlns:ma14="http://schemas.microsoft.com/office/mac/drawingml/2011/main" val="1"/>
             </a:ext>
           </a:extLst>
         </p:spPr>
@@ -18440,7 +18440,7 @@
           </a:ln>
           <a:extLst>
             <a:ext uri="{C572A759-6A51-4108-AA02-DFA0A04FC94B}">
-              <ma14:wrappingTextBoxFlag xmlns:ma14="http://schemas.microsoft.com/office/mac/drawingml/2011/main" xmlns:a14="http://schemas.microsoft.com/office/drawing/2010/main" xmlns:m="http://schemas.openxmlformats.org/officeDocument/2006/math" xmlns="" val="1"/>
+              <ma14:wrappingTextBoxFlag xmlns="" xmlns:m="http://schemas.openxmlformats.org/officeDocument/2006/math" xmlns:a14="http://schemas.microsoft.com/office/drawing/2010/main" xmlns:ma14="http://schemas.microsoft.com/office/mac/drawingml/2011/main" val="1"/>
             </a:ext>
           </a:extLst>
         </p:spPr>
@@ -18491,7 +18491,7 @@
           </a:ln>
           <a:extLst>
             <a:ext uri="{C572A759-6A51-4108-AA02-DFA0A04FC94B}">
-              <ma14:wrappingTextBoxFlag xmlns:ma14="http://schemas.microsoft.com/office/mac/drawingml/2011/main" xmlns:a14="http://schemas.microsoft.com/office/drawing/2010/main" xmlns:m="http://schemas.openxmlformats.org/officeDocument/2006/math" xmlns="" val="1"/>
+              <ma14:wrappingTextBoxFlag xmlns="" xmlns:m="http://schemas.openxmlformats.org/officeDocument/2006/math" xmlns:a14="http://schemas.microsoft.com/office/drawing/2010/main" xmlns:ma14="http://schemas.microsoft.com/office/mac/drawingml/2011/main" val="1"/>
             </a:ext>
           </a:extLst>
         </p:spPr>
@@ -18542,7 +18542,7 @@
           </a:ln>
           <a:extLst>
             <a:ext uri="{C572A759-6A51-4108-AA02-DFA0A04FC94B}">
-              <ma14:wrappingTextBoxFlag xmlns:ma14="http://schemas.microsoft.com/office/mac/drawingml/2011/main" xmlns:a14="http://schemas.microsoft.com/office/drawing/2010/main" xmlns:m="http://schemas.openxmlformats.org/officeDocument/2006/math" xmlns="" val="1"/>
+              <ma14:wrappingTextBoxFlag xmlns="" xmlns:m="http://schemas.openxmlformats.org/officeDocument/2006/math" xmlns:a14="http://schemas.microsoft.com/office/drawing/2010/main" xmlns:ma14="http://schemas.microsoft.com/office/mac/drawingml/2011/main" val="1"/>
             </a:ext>
           </a:extLst>
         </p:spPr>
@@ -18593,7 +18593,7 @@
           </a:ln>
           <a:extLst>
             <a:ext uri="{C572A759-6A51-4108-AA02-DFA0A04FC94B}">
-              <ma14:wrappingTextBoxFlag xmlns:ma14="http://schemas.microsoft.com/office/mac/drawingml/2011/main" xmlns:a14="http://schemas.microsoft.com/office/drawing/2010/main" xmlns:m="http://schemas.openxmlformats.org/officeDocument/2006/math" xmlns="" val="1"/>
+              <ma14:wrappingTextBoxFlag xmlns="" xmlns:m="http://schemas.openxmlformats.org/officeDocument/2006/math" xmlns:a14="http://schemas.microsoft.com/office/drawing/2010/main" xmlns:ma14="http://schemas.microsoft.com/office/mac/drawingml/2011/main" val="1"/>
             </a:ext>
           </a:extLst>
         </p:spPr>
@@ -18644,7 +18644,7 @@
           </a:ln>
           <a:extLst>
             <a:ext uri="{C572A759-6A51-4108-AA02-DFA0A04FC94B}">
-              <ma14:wrappingTextBoxFlag xmlns:ma14="http://schemas.microsoft.com/office/mac/drawingml/2011/main" xmlns:a14="http://schemas.microsoft.com/office/drawing/2010/main" xmlns:m="http://schemas.openxmlformats.org/officeDocument/2006/math" xmlns="" val="1"/>
+              <ma14:wrappingTextBoxFlag xmlns="" xmlns:m="http://schemas.openxmlformats.org/officeDocument/2006/math" xmlns:a14="http://schemas.microsoft.com/office/drawing/2010/main" xmlns:ma14="http://schemas.microsoft.com/office/mac/drawingml/2011/main" val="1"/>
             </a:ext>
           </a:extLst>
         </p:spPr>
@@ -18695,7 +18695,7 @@
           </a:ln>
           <a:extLst>
             <a:ext uri="{C572A759-6A51-4108-AA02-DFA0A04FC94B}">
-              <ma14:wrappingTextBoxFlag xmlns:ma14="http://schemas.microsoft.com/office/mac/drawingml/2011/main" xmlns:a14="http://schemas.microsoft.com/office/drawing/2010/main" xmlns:m="http://schemas.openxmlformats.org/officeDocument/2006/math" xmlns="" val="1"/>
+              <ma14:wrappingTextBoxFlag xmlns="" xmlns:m="http://schemas.openxmlformats.org/officeDocument/2006/math" xmlns:a14="http://schemas.microsoft.com/office/drawing/2010/main" xmlns:ma14="http://schemas.microsoft.com/office/mac/drawingml/2011/main" val="1"/>
             </a:ext>
           </a:extLst>
         </p:spPr>
@@ -18746,7 +18746,7 @@
           </a:ln>
           <a:extLst>
             <a:ext uri="{C572A759-6A51-4108-AA02-DFA0A04FC94B}">
-              <ma14:wrappingTextBoxFlag xmlns:ma14="http://schemas.microsoft.com/office/mac/drawingml/2011/main" xmlns:a14="http://schemas.microsoft.com/office/drawing/2010/main" xmlns:m="http://schemas.openxmlformats.org/officeDocument/2006/math" xmlns="" val="1"/>
+              <ma14:wrappingTextBoxFlag xmlns="" xmlns:m="http://schemas.openxmlformats.org/officeDocument/2006/math" xmlns:a14="http://schemas.microsoft.com/office/drawing/2010/main" xmlns:ma14="http://schemas.microsoft.com/office/mac/drawingml/2011/main" val="1"/>
             </a:ext>
           </a:extLst>
         </p:spPr>
@@ -18797,7 +18797,7 @@
           </a:ln>
           <a:extLst>
             <a:ext uri="{C572A759-6A51-4108-AA02-DFA0A04FC94B}">
-              <ma14:wrappingTextBoxFlag xmlns:ma14="http://schemas.microsoft.com/office/mac/drawingml/2011/main" xmlns:a14="http://schemas.microsoft.com/office/drawing/2010/main" xmlns:m="http://schemas.openxmlformats.org/officeDocument/2006/math" xmlns="" val="1"/>
+              <ma14:wrappingTextBoxFlag xmlns="" xmlns:m="http://schemas.openxmlformats.org/officeDocument/2006/math" xmlns:a14="http://schemas.microsoft.com/office/drawing/2010/main" xmlns:ma14="http://schemas.microsoft.com/office/mac/drawingml/2011/main" val="1"/>
             </a:ext>
           </a:extLst>
         </p:spPr>
@@ -18848,7 +18848,7 @@
           </a:ln>
           <a:extLst>
             <a:ext uri="{C572A759-6A51-4108-AA02-DFA0A04FC94B}">
-              <ma14:wrappingTextBoxFlag xmlns:ma14="http://schemas.microsoft.com/office/mac/drawingml/2011/main" xmlns:a14="http://schemas.microsoft.com/office/drawing/2010/main" xmlns:m="http://schemas.openxmlformats.org/officeDocument/2006/math" xmlns="" val="1"/>
+              <ma14:wrappingTextBoxFlag xmlns="" xmlns:m="http://schemas.openxmlformats.org/officeDocument/2006/math" xmlns:a14="http://schemas.microsoft.com/office/drawing/2010/main" xmlns:ma14="http://schemas.microsoft.com/office/mac/drawingml/2011/main" val="1"/>
             </a:ext>
           </a:extLst>
         </p:spPr>
@@ -18899,7 +18899,7 @@
           </a:ln>
           <a:extLst>
             <a:ext uri="{C572A759-6A51-4108-AA02-DFA0A04FC94B}">
-              <ma14:wrappingTextBoxFlag xmlns:ma14="http://schemas.microsoft.com/office/mac/drawingml/2011/main" xmlns:a14="http://schemas.microsoft.com/office/drawing/2010/main" xmlns:m="http://schemas.openxmlformats.org/officeDocument/2006/math" xmlns="" val="1"/>
+              <ma14:wrappingTextBoxFlag xmlns="" xmlns:m="http://schemas.openxmlformats.org/officeDocument/2006/math" xmlns:a14="http://schemas.microsoft.com/office/drawing/2010/main" xmlns:ma14="http://schemas.microsoft.com/office/mac/drawingml/2011/main" val="1"/>
             </a:ext>
           </a:extLst>
         </p:spPr>
@@ -18950,7 +18950,7 @@
           </a:ln>
           <a:extLst>
             <a:ext uri="{C572A759-6A51-4108-AA02-DFA0A04FC94B}">
-              <ma14:wrappingTextBoxFlag xmlns:ma14="http://schemas.microsoft.com/office/mac/drawingml/2011/main" xmlns:a14="http://schemas.microsoft.com/office/drawing/2010/main" xmlns:m="http://schemas.openxmlformats.org/officeDocument/2006/math" xmlns="" val="1"/>
+              <ma14:wrappingTextBoxFlag xmlns="" xmlns:m="http://schemas.openxmlformats.org/officeDocument/2006/math" xmlns:a14="http://schemas.microsoft.com/office/drawing/2010/main" xmlns:ma14="http://schemas.microsoft.com/office/mac/drawingml/2011/main" val="1"/>
             </a:ext>
           </a:extLst>
         </p:spPr>
@@ -19001,7 +19001,7 @@
           </a:ln>
           <a:extLst>
             <a:ext uri="{C572A759-6A51-4108-AA02-DFA0A04FC94B}">
-              <ma14:wrappingTextBoxFlag xmlns:ma14="http://schemas.microsoft.com/office/mac/drawingml/2011/main" xmlns:a14="http://schemas.microsoft.com/office/drawing/2010/main" xmlns:m="http://schemas.openxmlformats.org/officeDocument/2006/math" xmlns="" val="1"/>
+              <ma14:wrappingTextBoxFlag xmlns="" xmlns:m="http://schemas.openxmlformats.org/officeDocument/2006/math" xmlns:a14="http://schemas.microsoft.com/office/drawing/2010/main" xmlns:ma14="http://schemas.microsoft.com/office/mac/drawingml/2011/main" val="1"/>
             </a:ext>
           </a:extLst>
         </p:spPr>
@@ -19052,7 +19052,7 @@
           </a:ln>
           <a:extLst>
             <a:ext uri="{C572A759-6A51-4108-AA02-DFA0A04FC94B}">
-              <ma14:wrappingTextBoxFlag xmlns:ma14="http://schemas.microsoft.com/office/mac/drawingml/2011/main" xmlns:a14="http://schemas.microsoft.com/office/drawing/2010/main" xmlns:m="http://schemas.openxmlformats.org/officeDocument/2006/math" xmlns="" val="1"/>
+              <ma14:wrappingTextBoxFlag xmlns="" xmlns:m="http://schemas.openxmlformats.org/officeDocument/2006/math" xmlns:a14="http://schemas.microsoft.com/office/drawing/2010/main" xmlns:ma14="http://schemas.microsoft.com/office/mac/drawingml/2011/main" val="1"/>
             </a:ext>
           </a:extLst>
         </p:spPr>
@@ -19103,7 +19103,7 @@
           </a:ln>
           <a:extLst>
             <a:ext uri="{C572A759-6A51-4108-AA02-DFA0A04FC94B}">
-              <ma14:wrappingTextBoxFlag xmlns:ma14="http://schemas.microsoft.com/office/mac/drawingml/2011/main" xmlns:a14="http://schemas.microsoft.com/office/drawing/2010/main" xmlns:m="http://schemas.openxmlformats.org/officeDocument/2006/math" xmlns="" val="1"/>
+              <ma14:wrappingTextBoxFlag xmlns="" xmlns:m="http://schemas.openxmlformats.org/officeDocument/2006/math" xmlns:a14="http://schemas.microsoft.com/office/drawing/2010/main" xmlns:ma14="http://schemas.microsoft.com/office/mac/drawingml/2011/main" val="1"/>
             </a:ext>
           </a:extLst>
         </p:spPr>
@@ -19154,7 +19154,7 @@
           </a:ln>
           <a:extLst>
             <a:ext uri="{C572A759-6A51-4108-AA02-DFA0A04FC94B}">
-              <ma14:wrappingTextBoxFlag xmlns:ma14="http://schemas.microsoft.com/office/mac/drawingml/2011/main" xmlns:a14="http://schemas.microsoft.com/office/drawing/2010/main" xmlns:m="http://schemas.openxmlformats.org/officeDocument/2006/math" xmlns="" val="1"/>
+              <ma14:wrappingTextBoxFlag xmlns="" xmlns:m="http://schemas.openxmlformats.org/officeDocument/2006/math" xmlns:a14="http://schemas.microsoft.com/office/drawing/2010/main" xmlns:ma14="http://schemas.microsoft.com/office/mac/drawingml/2011/main" val="1"/>
             </a:ext>
           </a:extLst>
         </p:spPr>
@@ -19205,7 +19205,7 @@
           </a:ln>
           <a:extLst>
             <a:ext uri="{C572A759-6A51-4108-AA02-DFA0A04FC94B}">
-              <ma14:wrappingTextBoxFlag xmlns:ma14="http://schemas.microsoft.com/office/mac/drawingml/2011/main" xmlns:a14="http://schemas.microsoft.com/office/drawing/2010/main" xmlns:m="http://schemas.openxmlformats.org/officeDocument/2006/math" xmlns="" val="1"/>
+              <ma14:wrappingTextBoxFlag xmlns="" xmlns:m="http://schemas.openxmlformats.org/officeDocument/2006/math" xmlns:a14="http://schemas.microsoft.com/office/drawing/2010/main" xmlns:ma14="http://schemas.microsoft.com/office/mac/drawingml/2011/main" val="1"/>
             </a:ext>
           </a:extLst>
         </p:spPr>
@@ -19256,7 +19256,7 @@
           </a:ln>
           <a:extLst>
             <a:ext uri="{C572A759-6A51-4108-AA02-DFA0A04FC94B}">
-              <ma14:wrappingTextBoxFlag xmlns:ma14="http://schemas.microsoft.com/office/mac/drawingml/2011/main" xmlns:a14="http://schemas.microsoft.com/office/drawing/2010/main" xmlns:m="http://schemas.openxmlformats.org/officeDocument/2006/math" xmlns="" val="1"/>
+              <ma14:wrappingTextBoxFlag xmlns="" xmlns:m="http://schemas.openxmlformats.org/officeDocument/2006/math" xmlns:a14="http://schemas.microsoft.com/office/drawing/2010/main" xmlns:ma14="http://schemas.microsoft.com/office/mac/drawingml/2011/main" val="1"/>
             </a:ext>
           </a:extLst>
         </p:spPr>
@@ -19307,7 +19307,7 @@
           </a:ln>
           <a:extLst>
             <a:ext uri="{C572A759-6A51-4108-AA02-DFA0A04FC94B}">
-              <ma14:wrappingTextBoxFlag xmlns:ma14="http://schemas.microsoft.com/office/mac/drawingml/2011/main" xmlns:a14="http://schemas.microsoft.com/office/drawing/2010/main" xmlns:m="http://schemas.openxmlformats.org/officeDocument/2006/math" xmlns="" val="1"/>
+              <ma14:wrappingTextBoxFlag xmlns="" xmlns:m="http://schemas.openxmlformats.org/officeDocument/2006/math" xmlns:a14="http://schemas.microsoft.com/office/drawing/2010/main" xmlns:ma14="http://schemas.microsoft.com/office/mac/drawingml/2011/main" val="1"/>
             </a:ext>
           </a:extLst>
         </p:spPr>
